--- a/计蒜鸽第二周项目展示.pptx
+++ b/计蒜鸽第二周项目展示.pptx
@@ -32,34 +32,38 @@
     <p:sldId id="424" r:id="rId25"/>
     <p:sldId id="428" r:id="rId26"/>
     <p:sldId id="427" r:id="rId27"/>
-    <p:sldId id="429" r:id="rId28"/>
-    <p:sldId id="430" r:id="rId29"/>
-    <p:sldId id="431" r:id="rId30"/>
-    <p:sldId id="432" r:id="rId31"/>
-    <p:sldId id="433" r:id="rId32"/>
-    <p:sldId id="284" r:id="rId33"/>
-    <p:sldId id="366" r:id="rId34"/>
-    <p:sldId id="434" r:id="rId35"/>
-    <p:sldId id="435" r:id="rId36"/>
-    <p:sldId id="436" r:id="rId37"/>
-    <p:sldId id="437" r:id="rId38"/>
-    <p:sldId id="283" r:id="rId39"/>
-    <p:sldId id="274" r:id="rId40"/>
-    <p:sldId id="314" r:id="rId41"/>
-    <p:sldId id="367" r:id="rId42"/>
-    <p:sldId id="396" r:id="rId43"/>
-    <p:sldId id="398" r:id="rId44"/>
-    <p:sldId id="439" r:id="rId45"/>
-    <p:sldId id="440" r:id="rId46"/>
-    <p:sldId id="397" r:id="rId47"/>
-    <p:sldId id="399" r:id="rId48"/>
-    <p:sldId id="460" r:id="rId49"/>
-    <p:sldId id="304" r:id="rId50"/>
+    <p:sldId id="529" r:id="rId28"/>
+    <p:sldId id="429" r:id="rId29"/>
+    <p:sldId id="430" r:id="rId30"/>
+    <p:sldId id="431" r:id="rId31"/>
+    <p:sldId id="504" r:id="rId32"/>
+    <p:sldId id="505" r:id="rId33"/>
+    <p:sldId id="506" r:id="rId34"/>
+    <p:sldId id="432" r:id="rId35"/>
+    <p:sldId id="433" r:id="rId36"/>
+    <p:sldId id="284" r:id="rId37"/>
+    <p:sldId id="366" r:id="rId38"/>
+    <p:sldId id="434" r:id="rId39"/>
+    <p:sldId id="435" r:id="rId40"/>
+    <p:sldId id="436" r:id="rId41"/>
+    <p:sldId id="437" r:id="rId42"/>
+    <p:sldId id="283" r:id="rId43"/>
+    <p:sldId id="274" r:id="rId44"/>
+    <p:sldId id="314" r:id="rId45"/>
+    <p:sldId id="367" r:id="rId46"/>
+    <p:sldId id="396" r:id="rId47"/>
+    <p:sldId id="398" r:id="rId48"/>
+    <p:sldId id="439" r:id="rId49"/>
+    <p:sldId id="440" r:id="rId50"/>
+    <p:sldId id="397" r:id="rId51"/>
+    <p:sldId id="399" r:id="rId52"/>
+    <p:sldId id="460" r:id="rId53"/>
+    <p:sldId id="304" r:id="rId54"/>
   </p:sldIdLst>
   <p:sldSz cx="12192000" cy="6858000"/>
   <p:notesSz cx="6858000" cy="9144000"/>
   <p:custDataLst>
-    <p:tags r:id="rId54"/>
+    <p:tags r:id="rId58"/>
   </p:custDataLst>
   <p:defaultTextStyle>
     <a:defPPr>
@@ -3787,7 +3791,319 @@
 </p:notes>
 </file>
 
+<file path=ppt/notesSlides/notesSlide48.xml><?xml version="1.0" encoding="utf-8"?>
+<p:notes xmlns:a="http://schemas.openxmlformats.org/drawingml/2006/main" xmlns:r="http://schemas.openxmlformats.org/officeDocument/2006/relationships" xmlns:p="http://schemas.openxmlformats.org/presentationml/2006/main">
+  <p:cSld>
+    <p:spTree>
+      <p:nvGrpSpPr>
+        <p:cNvPr id="1" name=""/>
+        <p:cNvGrpSpPr/>
+        <p:nvPr/>
+      </p:nvGrpSpPr>
+      <p:grpSpPr>
+        <a:xfrm>
+          <a:off x="0" y="0"/>
+          <a:ext cx="0" cy="0"/>
+          <a:chOff x="0" y="0"/>
+          <a:chExt cx="0" cy="0"/>
+        </a:xfrm>
+      </p:grpSpPr>
+      <p:sp>
+        <p:nvSpPr>
+          <p:cNvPr id="2" name="幻灯片图像占位符 1"/>
+          <p:cNvSpPr>
+            <a:spLocks noGrp="1" noRot="1" noChangeAspect="1"/>
+          </p:cNvSpPr>
+          <p:nvPr>
+            <p:ph type="sldImg"/>
+          </p:nvPr>
+        </p:nvSpPr>
+        <p:spPr/>
+      </p:sp>
+      <p:sp>
+        <p:nvSpPr>
+          <p:cNvPr id="3" name="备注占位符 2"/>
+          <p:cNvSpPr>
+            <a:spLocks noGrp="1"/>
+          </p:cNvSpPr>
+          <p:nvPr>
+            <p:ph type="body" idx="1"/>
+          </p:nvPr>
+        </p:nvSpPr>
+        <p:spPr/>
+        <p:txBody>
+          <a:bodyPr/>
+          <a:lstStyle/>
+          <a:p>
+            <a:endParaRPr lang="zh-CN" altLang="en-US"/>
+          </a:p>
+        </p:txBody>
+      </p:sp>
+      <p:sp>
+        <p:nvSpPr>
+          <p:cNvPr id="4" name="灯片编号占位符 3"/>
+          <p:cNvSpPr>
+            <a:spLocks noGrp="1"/>
+          </p:cNvSpPr>
+          <p:nvPr>
+            <p:ph type="sldNum" sz="quarter" idx="10"/>
+          </p:nvPr>
+        </p:nvSpPr>
+        <p:spPr/>
+        <p:txBody>
+          <a:bodyPr/>
+          <a:lstStyle/>
+          <a:p>
+            <a:fld id="{F1CB8912-F0BA-4AD8-8415-DA1F26BCB09F}" type="slidenum">
+              <a:rPr lang="zh-CN" altLang="en-US" smtClean="0"/>
+            </a:fld>
+            <a:endParaRPr lang="zh-CN" altLang="en-US"/>
+          </a:p>
+        </p:txBody>
+      </p:sp>
+    </p:spTree>
+  </p:cSld>
+  <p:clrMapOvr>
+    <a:masterClrMapping/>
+  </p:clrMapOvr>
+</p:notes>
+</file>
+
+<file path=ppt/notesSlides/notesSlide49.xml><?xml version="1.0" encoding="utf-8"?>
+<p:notes xmlns:a="http://schemas.openxmlformats.org/drawingml/2006/main" xmlns:r="http://schemas.openxmlformats.org/officeDocument/2006/relationships" xmlns:p="http://schemas.openxmlformats.org/presentationml/2006/main">
+  <p:cSld>
+    <p:spTree>
+      <p:nvGrpSpPr>
+        <p:cNvPr id="1" name=""/>
+        <p:cNvGrpSpPr/>
+        <p:nvPr/>
+      </p:nvGrpSpPr>
+      <p:grpSpPr>
+        <a:xfrm>
+          <a:off x="0" y="0"/>
+          <a:ext cx="0" cy="0"/>
+          <a:chOff x="0" y="0"/>
+          <a:chExt cx="0" cy="0"/>
+        </a:xfrm>
+      </p:grpSpPr>
+      <p:sp>
+        <p:nvSpPr>
+          <p:cNvPr id="2" name="幻灯片图像占位符 1"/>
+          <p:cNvSpPr>
+            <a:spLocks noGrp="1" noRot="1" noChangeAspect="1"/>
+          </p:cNvSpPr>
+          <p:nvPr>
+            <p:ph type="sldImg"/>
+          </p:nvPr>
+        </p:nvSpPr>
+        <p:spPr/>
+      </p:sp>
+      <p:sp>
+        <p:nvSpPr>
+          <p:cNvPr id="3" name="备注占位符 2"/>
+          <p:cNvSpPr>
+            <a:spLocks noGrp="1"/>
+          </p:cNvSpPr>
+          <p:nvPr>
+            <p:ph type="body" idx="1"/>
+          </p:nvPr>
+        </p:nvSpPr>
+        <p:spPr/>
+        <p:txBody>
+          <a:bodyPr/>
+          <a:lstStyle/>
+          <a:p>
+            <a:endParaRPr lang="zh-CN" altLang="en-US"/>
+          </a:p>
+        </p:txBody>
+      </p:sp>
+      <p:sp>
+        <p:nvSpPr>
+          <p:cNvPr id="4" name="灯片编号占位符 3"/>
+          <p:cNvSpPr>
+            <a:spLocks noGrp="1"/>
+          </p:cNvSpPr>
+          <p:nvPr>
+            <p:ph type="sldNum" sz="quarter" idx="10"/>
+          </p:nvPr>
+        </p:nvSpPr>
+        <p:spPr/>
+        <p:txBody>
+          <a:bodyPr/>
+          <a:lstStyle/>
+          <a:p>
+            <a:fld id="{F1CB8912-F0BA-4AD8-8415-DA1F26BCB09F}" type="slidenum">
+              <a:rPr lang="zh-CN" altLang="en-US" smtClean="0"/>
+            </a:fld>
+            <a:endParaRPr lang="zh-CN" altLang="en-US"/>
+          </a:p>
+        </p:txBody>
+      </p:sp>
+    </p:spTree>
+  </p:cSld>
+  <p:clrMapOvr>
+    <a:masterClrMapping/>
+  </p:clrMapOvr>
+</p:notes>
+</file>
+
 <file path=ppt/notesSlides/notesSlide5.xml><?xml version="1.0" encoding="utf-8"?>
+<p:notes xmlns:a="http://schemas.openxmlformats.org/drawingml/2006/main" xmlns:r="http://schemas.openxmlformats.org/officeDocument/2006/relationships" xmlns:p="http://schemas.openxmlformats.org/presentationml/2006/main">
+  <p:cSld>
+    <p:spTree>
+      <p:nvGrpSpPr>
+        <p:cNvPr id="1" name=""/>
+        <p:cNvGrpSpPr/>
+        <p:nvPr/>
+      </p:nvGrpSpPr>
+      <p:grpSpPr>
+        <a:xfrm>
+          <a:off x="0" y="0"/>
+          <a:ext cx="0" cy="0"/>
+          <a:chOff x="0" y="0"/>
+          <a:chExt cx="0" cy="0"/>
+        </a:xfrm>
+      </p:grpSpPr>
+      <p:sp>
+        <p:nvSpPr>
+          <p:cNvPr id="2" name="幻灯片图像占位符 1"/>
+          <p:cNvSpPr>
+            <a:spLocks noGrp="1" noRot="1" noChangeAspect="1"/>
+          </p:cNvSpPr>
+          <p:nvPr>
+            <p:ph type="sldImg"/>
+          </p:nvPr>
+        </p:nvSpPr>
+        <p:spPr/>
+      </p:sp>
+      <p:sp>
+        <p:nvSpPr>
+          <p:cNvPr id="3" name="备注占位符 2"/>
+          <p:cNvSpPr>
+            <a:spLocks noGrp="1"/>
+          </p:cNvSpPr>
+          <p:nvPr>
+            <p:ph type="body" idx="1"/>
+          </p:nvPr>
+        </p:nvSpPr>
+        <p:spPr/>
+        <p:txBody>
+          <a:bodyPr/>
+          <a:lstStyle/>
+          <a:p>
+            <a:endParaRPr lang="zh-CN" altLang="en-US"/>
+          </a:p>
+        </p:txBody>
+      </p:sp>
+      <p:sp>
+        <p:nvSpPr>
+          <p:cNvPr id="4" name="灯片编号占位符 3"/>
+          <p:cNvSpPr>
+            <a:spLocks noGrp="1"/>
+          </p:cNvSpPr>
+          <p:nvPr>
+            <p:ph type="sldNum" sz="quarter" idx="10"/>
+          </p:nvPr>
+        </p:nvSpPr>
+        <p:spPr/>
+        <p:txBody>
+          <a:bodyPr/>
+          <a:lstStyle/>
+          <a:p>
+            <a:fld id="{F1CB8912-F0BA-4AD8-8415-DA1F26BCB09F}" type="slidenum">
+              <a:rPr lang="zh-CN" altLang="en-US" smtClean="0"/>
+            </a:fld>
+            <a:endParaRPr lang="zh-CN" altLang="en-US"/>
+          </a:p>
+        </p:txBody>
+      </p:sp>
+    </p:spTree>
+  </p:cSld>
+  <p:clrMapOvr>
+    <a:masterClrMapping/>
+  </p:clrMapOvr>
+</p:notes>
+</file>
+
+<file path=ppt/notesSlides/notesSlide50.xml><?xml version="1.0" encoding="utf-8"?>
+<p:notes xmlns:a="http://schemas.openxmlformats.org/drawingml/2006/main" xmlns:r="http://schemas.openxmlformats.org/officeDocument/2006/relationships" xmlns:p="http://schemas.openxmlformats.org/presentationml/2006/main">
+  <p:cSld>
+    <p:spTree>
+      <p:nvGrpSpPr>
+        <p:cNvPr id="1" name=""/>
+        <p:cNvGrpSpPr/>
+        <p:nvPr/>
+      </p:nvGrpSpPr>
+      <p:grpSpPr>
+        <a:xfrm>
+          <a:off x="0" y="0"/>
+          <a:ext cx="0" cy="0"/>
+          <a:chOff x="0" y="0"/>
+          <a:chExt cx="0" cy="0"/>
+        </a:xfrm>
+      </p:grpSpPr>
+      <p:sp>
+        <p:nvSpPr>
+          <p:cNvPr id="2" name="幻灯片图像占位符 1"/>
+          <p:cNvSpPr>
+            <a:spLocks noGrp="1" noRot="1" noChangeAspect="1"/>
+          </p:cNvSpPr>
+          <p:nvPr>
+            <p:ph type="sldImg"/>
+          </p:nvPr>
+        </p:nvSpPr>
+        <p:spPr/>
+      </p:sp>
+      <p:sp>
+        <p:nvSpPr>
+          <p:cNvPr id="3" name="备注占位符 2"/>
+          <p:cNvSpPr>
+            <a:spLocks noGrp="1"/>
+          </p:cNvSpPr>
+          <p:nvPr>
+            <p:ph type="body" idx="1"/>
+          </p:nvPr>
+        </p:nvSpPr>
+        <p:spPr/>
+        <p:txBody>
+          <a:bodyPr/>
+          <a:lstStyle/>
+          <a:p>
+            <a:endParaRPr lang="zh-CN" altLang="en-US"/>
+          </a:p>
+        </p:txBody>
+      </p:sp>
+      <p:sp>
+        <p:nvSpPr>
+          <p:cNvPr id="4" name="灯片编号占位符 3"/>
+          <p:cNvSpPr>
+            <a:spLocks noGrp="1"/>
+          </p:cNvSpPr>
+          <p:nvPr>
+            <p:ph type="sldNum" sz="quarter" idx="10"/>
+          </p:nvPr>
+        </p:nvSpPr>
+        <p:spPr/>
+        <p:txBody>
+          <a:bodyPr/>
+          <a:lstStyle/>
+          <a:p>
+            <a:fld id="{F1CB8912-F0BA-4AD8-8415-DA1F26BCB09F}" type="slidenum">
+              <a:rPr lang="zh-CN" altLang="en-US" smtClean="0"/>
+            </a:fld>
+            <a:endParaRPr lang="zh-CN" altLang="en-US"/>
+          </a:p>
+        </p:txBody>
+      </p:sp>
+    </p:spTree>
+  </p:cSld>
+  <p:clrMapOvr>
+    <a:masterClrMapping/>
+  </p:clrMapOvr>
+</p:notes>
+</file>
+
+<file path=ppt/notesSlides/notesSlide51.xml><?xml version="1.0" encoding="utf-8"?>
 <p:notes xmlns:a="http://schemas.openxmlformats.org/drawingml/2006/main" xmlns:r="http://schemas.openxmlformats.org/officeDocument/2006/relationships" xmlns:p="http://schemas.openxmlformats.org/presentationml/2006/main">
   <p:cSld>
     <p:spTree>
@@ -5878,7 +6194,7 @@
         </p:nvGrpSpPr>
         <p:grpSpPr>
           <a:xfrm>
-            <a:off x="1473200" y="371475"/>
+            <a:off x="1473200" y="382270"/>
             <a:ext cx="6500495" cy="829204"/>
             <a:chOff x="7318011" y="1456480"/>
             <a:chExt cx="4260761" cy="829204"/>
@@ -6049,8 +6365,8 @@
         </p:blipFill>
         <p:spPr>
           <a:xfrm>
-            <a:off x="1033145" y="1383030"/>
-            <a:ext cx="10274935" cy="4889500"/>
+            <a:off x="1024890" y="1712595"/>
+            <a:ext cx="10274935" cy="4362450"/>
           </a:xfrm>
           <a:prstGeom prst="rect">
             <a:avLst/>
@@ -6705,7 +7021,19 @@
                   </a:outerShdw>
                 </a:effectLst>
               </a:rPr>
-              <a:t>Backen----后端</a:t>
+              <a:t>Backend</a:t>
+            </a:r>
+            <a:r>
+              <a:rPr lang="en-US" altLang="zh-CN" sz="2400" b="1">
+                <a:effectLst>
+                  <a:outerShdw blurRad="38100" dist="19050" dir="2700000" algn="tl" rotWithShape="0">
+                    <a:schemeClr val="dk1">
+                      <a:alpha val="40000"/>
+                    </a:schemeClr>
+                  </a:outerShdw>
+                </a:effectLst>
+              </a:rPr>
+              <a:t>----后端</a:t>
             </a:r>
             <a:r>
               <a:rPr lang="zh-CN" altLang="en-US" sz="2400" b="1">
@@ -7853,7 +8181,7 @@
       </p:sp>
       <p:pic>
         <p:nvPicPr>
-          <p:cNvPr id="4" name="图片 3"/>
+          <p:cNvPr id="3" name="图片 2"/>
           <p:cNvPicPr>
             <a:picLocks noChangeAspect="1"/>
           </p:cNvPicPr>
@@ -7867,8 +8195,8 @@
         </p:blipFill>
         <p:spPr>
           <a:xfrm>
-            <a:off x="495935" y="2512695"/>
-            <a:ext cx="11620500" cy="3611880"/>
+            <a:off x="419100" y="2839085"/>
+            <a:ext cx="11536680" cy="3025140"/>
           </a:xfrm>
           <a:prstGeom prst="rect">
             <a:avLst/>
@@ -8425,7 +8753,7 @@
       </p:sp>
       <p:pic>
         <p:nvPicPr>
-          <p:cNvPr id="3" name="图片 2"/>
+          <p:cNvPr id="4" name="图片 3"/>
           <p:cNvPicPr>
             <a:picLocks noChangeAspect="1"/>
           </p:cNvPicPr>
@@ -8439,8 +8767,8 @@
         </p:blipFill>
         <p:spPr>
           <a:xfrm>
-            <a:off x="419100" y="2473960"/>
-            <a:ext cx="11628120" cy="3665220"/>
+            <a:off x="1902460" y="2159000"/>
+            <a:ext cx="8387080" cy="4381500"/>
           </a:xfrm>
           <a:prstGeom prst="rect">
             <a:avLst/>
@@ -10233,8 +10561,8 @@
         </p:nvSpPr>
         <p:spPr>
           <a:xfrm>
-            <a:off x="616585" y="1200785"/>
-            <a:ext cx="9158605" cy="460375"/>
+            <a:off x="1692275" y="2299335"/>
+            <a:ext cx="2546985" cy="1568450"/>
           </a:xfrm>
           <a:prstGeom prst="rect">
             <a:avLst/>
@@ -10246,12 +10574,12 @@
             <a:spAutoFit/>
           </a:bodyPr>
           <a:p>
-            <a:pPr marL="342900" indent="-342900">
+            <a:pPr indent="0">
               <a:lnSpc>
                 <a:spcPct val="100000"/>
               </a:lnSpc>
               <a:buFont typeface="Wingdings" panose="05000000000000000000" pitchFamily="18" charset="0"/>
-              <a:buChar char="l"/>
+              <a:buNone/>
             </a:pPr>
             <a:r>
               <a:rPr lang="en-US" altLang="zh-CN" sz="2400" b="1">
@@ -10263,8 +10591,26 @@
                   </a:outerShdw>
                 </a:effectLst>
               </a:rPr>
-              <a:t>eg</a:t>
+              <a:t>Admin-Front</a:t>
             </a:r>
+            <a:endParaRPr lang="en-US" altLang="zh-CN" sz="2400" b="1">
+              <a:effectLst>
+                <a:outerShdw blurRad="38100" dist="19050" dir="2700000" algn="tl" rotWithShape="0">
+                  <a:schemeClr val="dk1">
+                    <a:alpha val="40000"/>
+                  </a:schemeClr>
+                </a:outerShdw>
+              </a:effectLst>
+            </a:endParaRPr>
+          </a:p>
+          <a:p>
+            <a:pPr indent="0">
+              <a:lnSpc>
+                <a:spcPct val="100000"/>
+              </a:lnSpc>
+              <a:buFont typeface="Wingdings" panose="05000000000000000000" pitchFamily="18" charset="0"/>
+              <a:buNone/>
+            </a:pPr>
             <a:r>
               <a:rPr lang="zh-CN" altLang="en-US" sz="2400" b="1">
                 <a:effectLst>
@@ -10275,7 +10621,7 @@
                   </a:outerShdw>
                 </a:effectLst>
               </a:rPr>
-              <a:t>：</a:t>
+              <a:t>一个下周的</a:t>
             </a:r>
             <a:r>
               <a:rPr lang="en-US" altLang="zh-CN" sz="2400" b="1">
@@ -10287,8 +10633,26 @@
                   </a:outerShdw>
                 </a:effectLst>
               </a:rPr>
-              <a:t>Admin-Front</a:t>
+              <a:t>Milestone</a:t>
             </a:r>
+            <a:endParaRPr lang="en-US" altLang="zh-CN" sz="2400" b="1">
+              <a:effectLst>
+                <a:outerShdw blurRad="38100" dist="19050" dir="2700000" algn="tl" rotWithShape="0">
+                  <a:schemeClr val="dk1">
+                    <a:alpha val="40000"/>
+                  </a:schemeClr>
+                </a:outerShdw>
+              </a:effectLst>
+            </a:endParaRPr>
+          </a:p>
+          <a:p>
+            <a:pPr indent="0">
+              <a:lnSpc>
+                <a:spcPct val="100000"/>
+              </a:lnSpc>
+              <a:buFont typeface="Wingdings" panose="05000000000000000000" pitchFamily="18" charset="0"/>
+              <a:buNone/>
+            </a:pPr>
             <a:r>
               <a:rPr lang="zh-CN" altLang="en-US" sz="2400" b="1">
                 <a:effectLst>
@@ -10299,19 +10663,7 @@
                   </a:outerShdw>
                 </a:effectLst>
               </a:rPr>
-              <a:t>一个</a:t>
-            </a:r>
-            <a:r>
-              <a:rPr lang="en-US" altLang="zh-CN" sz="2400" b="1">
-                <a:effectLst>
-                  <a:outerShdw blurRad="38100" dist="19050" dir="2700000" algn="tl" rotWithShape="0">
-                    <a:schemeClr val="dk1">
-                      <a:alpha val="40000"/>
-                    </a:schemeClr>
-                  </a:outerShdw>
-                </a:effectLst>
-              </a:rPr>
-              <a:t>Milestone</a:t>
+              <a:t>上</a:t>
             </a:r>
             <a:r>
               <a:rPr lang="zh-CN" altLang="en-US" sz="2400" b="1">
@@ -10351,7 +10703,7 @@
       </p:sp>
       <p:pic>
         <p:nvPicPr>
-          <p:cNvPr id="4" name="图片 3"/>
+          <p:cNvPr id="3" name="图片 2"/>
           <p:cNvPicPr>
             <a:picLocks noChangeAspect="1"/>
           </p:cNvPicPr>
@@ -10365,8 +10717,8 @@
         </p:blipFill>
         <p:spPr>
           <a:xfrm>
-            <a:off x="1680210" y="1661160"/>
-            <a:ext cx="8831580" cy="5003165"/>
+            <a:off x="5135245" y="1075055"/>
+            <a:ext cx="4128770" cy="5405120"/>
           </a:xfrm>
           <a:prstGeom prst="rect">
             <a:avLst/>
@@ -17433,14 +17785,174 @@
         </p:blipFill>
         <p:spPr>
           <a:xfrm>
-            <a:off x="1600835" y="1310005"/>
-            <a:ext cx="8793480" cy="5107305"/>
+            <a:off x="274320" y="2658745"/>
+            <a:ext cx="11643360" cy="2880360"/>
           </a:xfrm>
           <a:prstGeom prst="rect">
             <a:avLst/>
           </a:prstGeom>
         </p:spPr>
       </p:pic>
+      <p:sp>
+        <p:nvSpPr>
+          <p:cNvPr id="3" name="文本框 2"/>
+          <p:cNvSpPr txBox="1"/>
+          <p:nvPr/>
+        </p:nvSpPr>
+        <p:spPr>
+          <a:xfrm>
+            <a:off x="1517015" y="1361440"/>
+            <a:ext cx="9158605" cy="829945"/>
+          </a:xfrm>
+          <a:prstGeom prst="rect">
+            <a:avLst/>
+          </a:prstGeom>
+          <a:noFill/>
+        </p:spPr>
+        <p:txBody>
+          <a:bodyPr wrap="square" rtlCol="0">
+            <a:spAutoFit/>
+          </a:bodyPr>
+          <a:p>
+            <a:pPr marL="342900" indent="-342900">
+              <a:lnSpc>
+                <a:spcPct val="200000"/>
+              </a:lnSpc>
+              <a:buFont typeface="Wingdings" panose="05000000000000000000" pitchFamily="18" charset="0"/>
+              <a:buChar char="l"/>
+            </a:pPr>
+            <a:r>
+              <a:rPr lang="en-US" altLang="zh-CN" sz="2400" b="1">
+                <a:effectLst>
+                  <a:outerShdw blurRad="38100" dist="19050" dir="2700000" algn="tl" rotWithShape="0">
+                    <a:schemeClr val="dk1">
+                      <a:alpha val="40000"/>
+                    </a:schemeClr>
+                  </a:outerShdw>
+                </a:effectLst>
+              </a:rPr>
+              <a:t>MR</a:t>
+            </a:r>
+            <a:r>
+              <a:rPr lang="zh-CN" altLang="en-US" sz="2400" b="1">
+                <a:effectLst>
+                  <a:outerShdw blurRad="38100" dist="19050" dir="2700000" algn="tl" rotWithShape="0">
+                    <a:schemeClr val="dk1">
+                      <a:alpha val="40000"/>
+                    </a:schemeClr>
+                  </a:outerShdw>
+                </a:effectLst>
+              </a:rPr>
+              <a:t>总数</a:t>
+            </a:r>
+            <a:r>
+              <a:rPr lang="en-US" altLang="zh-CN" sz="2400" b="1">
+                <a:effectLst>
+                  <a:outerShdw blurRad="38100" dist="19050" dir="2700000" algn="tl" rotWithShape="0">
+                    <a:schemeClr val="dk1">
+                      <a:alpha val="40000"/>
+                    </a:schemeClr>
+                  </a:outerShdw>
+                </a:effectLst>
+              </a:rPr>
+              <a:t>37</a:t>
+            </a:r>
+            <a:r>
+              <a:rPr lang="zh-CN" altLang="en-US" sz="2400" b="1">
+                <a:effectLst>
+                  <a:outerShdw blurRad="38100" dist="19050" dir="2700000" algn="tl" rotWithShape="0">
+                    <a:schemeClr val="dk1">
+                      <a:alpha val="40000"/>
+                    </a:schemeClr>
+                  </a:outerShdw>
+                </a:effectLst>
+              </a:rPr>
+              <a:t>个，当前开放</a:t>
+            </a:r>
+            <a:r>
+              <a:rPr lang="en-US" altLang="zh-CN" sz="2400" b="1">
+                <a:effectLst>
+                  <a:outerShdw blurRad="38100" dist="19050" dir="2700000" algn="tl" rotWithShape="0">
+                    <a:schemeClr val="dk1">
+                      <a:alpha val="40000"/>
+                    </a:schemeClr>
+                  </a:outerShdw>
+                </a:effectLst>
+              </a:rPr>
+              <a:t>2</a:t>
+            </a:r>
+            <a:r>
+              <a:rPr lang="zh-CN" altLang="en-US" sz="2400" b="1">
+                <a:effectLst>
+                  <a:outerShdw blurRad="38100" dist="19050" dir="2700000" algn="tl" rotWithShape="0">
+                    <a:schemeClr val="dk1">
+                      <a:alpha val="40000"/>
+                    </a:schemeClr>
+                  </a:outerShdw>
+                </a:effectLst>
+              </a:rPr>
+              <a:t>个，已经合并</a:t>
+            </a:r>
+            <a:r>
+              <a:rPr lang="en-US" altLang="zh-CN" sz="2400" b="1">
+                <a:effectLst>
+                  <a:outerShdw blurRad="38100" dist="19050" dir="2700000" algn="tl" rotWithShape="0">
+                    <a:schemeClr val="dk1">
+                      <a:alpha val="40000"/>
+                    </a:schemeClr>
+                  </a:outerShdw>
+                </a:effectLst>
+              </a:rPr>
+              <a:t>31</a:t>
+            </a:r>
+            <a:r>
+              <a:rPr lang="zh-CN" altLang="en-US" sz="2400" b="1">
+                <a:effectLst>
+                  <a:outerShdw blurRad="38100" dist="19050" dir="2700000" algn="tl" rotWithShape="0">
+                    <a:schemeClr val="dk1">
+                      <a:alpha val="40000"/>
+                    </a:schemeClr>
+                  </a:outerShdw>
+                </a:effectLst>
+              </a:rPr>
+              <a:t>个，已经关闭</a:t>
+            </a:r>
+            <a:r>
+              <a:rPr lang="en-US" altLang="zh-CN" sz="2400" b="1">
+                <a:effectLst>
+                  <a:outerShdw blurRad="38100" dist="19050" dir="2700000" algn="tl" rotWithShape="0">
+                    <a:schemeClr val="dk1">
+                      <a:alpha val="40000"/>
+                    </a:schemeClr>
+                  </a:outerShdw>
+                </a:effectLst>
+              </a:rPr>
+              <a:t>4</a:t>
+            </a:r>
+            <a:r>
+              <a:rPr lang="zh-CN" altLang="en-US" sz="2400" b="1">
+                <a:effectLst>
+                  <a:outerShdw blurRad="38100" dist="19050" dir="2700000" algn="tl" rotWithShape="0">
+                    <a:schemeClr val="dk1">
+                      <a:alpha val="40000"/>
+                    </a:schemeClr>
+                  </a:outerShdw>
+                </a:effectLst>
+              </a:rPr>
+              <a:t>个</a:t>
+            </a:r>
+            <a:endParaRPr lang="zh-CN" altLang="en-US" sz="2400" b="1">
+              <a:effectLst>
+                <a:outerShdw blurRad="38100" dist="19050" dir="2700000" algn="tl" rotWithShape="0">
+                  <a:schemeClr val="dk1">
+                    <a:alpha val="40000"/>
+                  </a:schemeClr>
+                </a:outerShdw>
+              </a:effectLst>
+            </a:endParaRPr>
+          </a:p>
+        </p:txBody>
+      </p:sp>
     </p:spTree>
   </p:cSld>
   <p:clrMapOvr>
@@ -17951,7 +18463,7 @@
       </p:grpSp>
       <p:pic>
         <p:nvPicPr>
-          <p:cNvPr id="3" name="图片 2"/>
+          <p:cNvPr id="2" name="图片 1"/>
           <p:cNvPicPr>
             <a:picLocks noChangeAspect="1"/>
           </p:cNvPicPr>
@@ -17965,8 +18477,8 @@
         </p:blipFill>
         <p:spPr>
           <a:xfrm>
-            <a:off x="1642110" y="1384300"/>
-            <a:ext cx="8907780" cy="5033645"/>
+            <a:off x="1600835" y="1310005"/>
+            <a:ext cx="8793480" cy="5107305"/>
           </a:xfrm>
           <a:prstGeom prst="rect">
             <a:avLst/>
@@ -18483,7 +18995,7 @@
       </p:grpSp>
       <p:pic>
         <p:nvPicPr>
-          <p:cNvPr id="2" name="图片 1"/>
+          <p:cNvPr id="3" name="图片 2"/>
           <p:cNvPicPr>
             <a:picLocks noChangeAspect="1"/>
           </p:cNvPicPr>
@@ -18497,8 +19009,8 @@
         </p:blipFill>
         <p:spPr>
           <a:xfrm>
-            <a:off x="1588770" y="1489710"/>
-            <a:ext cx="9014460" cy="4800600"/>
+            <a:off x="1642110" y="1384300"/>
+            <a:ext cx="8907780" cy="5033645"/>
           </a:xfrm>
           <a:prstGeom prst="rect">
             <a:avLst/>
@@ -18930,9 +19442,21 @@
                   </a:solidFill>
                   <a:sym typeface="+mn-ea"/>
                 </a:rPr>
-                <a:t>Collaboration</a:t>
+                <a:t>Merge Request</a:t>
               </a:r>
-              <a:endParaRPr lang="en-US" sz="3200" b="1" dirty="0">
+              <a:r>
+                <a:rPr lang="zh-CN" altLang="en-US" sz="3200" b="1" dirty="0">
+                  <a:solidFill>
+                    <a:schemeClr val="tx1">
+                      <a:lumMod val="75000"/>
+                      <a:lumOff val="25000"/>
+                    </a:schemeClr>
+                  </a:solidFill>
+                  <a:sym typeface="+mn-ea"/>
+                </a:rPr>
+                <a:t>评审</a:t>
+              </a:r>
+              <a:endParaRPr lang="zh-CN" altLang="en-US" sz="3200" b="1" dirty="0">
                 <a:solidFill>
                   <a:schemeClr val="tx1">
                     <a:lumMod val="75000"/>
@@ -19017,8 +19541,8 @@
         </p:blipFill>
         <p:spPr>
           <a:xfrm>
-            <a:off x="1638300" y="1517650"/>
-            <a:ext cx="8915400" cy="5008880"/>
+            <a:off x="1588770" y="1489710"/>
+            <a:ext cx="9014460" cy="4800600"/>
           </a:xfrm>
           <a:prstGeom prst="rect">
             <a:avLst/>
@@ -19450,9 +19974,21 @@
                   </a:solidFill>
                   <a:sym typeface="+mn-ea"/>
                 </a:rPr>
-                <a:t>Collaboration</a:t>
+                <a:t>Merge Request</a:t>
               </a:r>
-              <a:endParaRPr lang="en-US" sz="3200" b="1" dirty="0">
+              <a:r>
+                <a:rPr lang="zh-CN" altLang="en-US" sz="3200" b="1" dirty="0">
+                  <a:solidFill>
+                    <a:schemeClr val="tx1">
+                      <a:lumMod val="75000"/>
+                      <a:lumOff val="25000"/>
+                    </a:schemeClr>
+                  </a:solidFill>
+                  <a:sym typeface="+mn-ea"/>
+                </a:rPr>
+                <a:t>评审</a:t>
+              </a:r>
+              <a:endParaRPr lang="zh-CN" altLang="en-US" sz="3200" b="1" dirty="0">
                 <a:solidFill>
                   <a:schemeClr val="tx1">
                     <a:lumMod val="75000"/>
@@ -19537,8 +20073,8 @@
         </p:blipFill>
         <p:spPr>
           <a:xfrm>
-            <a:off x="1706880" y="1703070"/>
-            <a:ext cx="8778240" cy="4375785"/>
+            <a:off x="2750185" y="1351915"/>
+            <a:ext cx="6262370" cy="5076190"/>
           </a:xfrm>
           <a:prstGeom prst="rect">
             <a:avLst/>
@@ -20113,6 +20649,2110 @@
       </p:grpSpPr>
       <p:sp>
         <p:nvSpPr>
+          <p:cNvPr id="13" name="任意多边形: 形状 12"/>
+          <p:cNvSpPr/>
+          <p:nvPr/>
+        </p:nvSpPr>
+        <p:spPr>
+          <a:xfrm>
+            <a:off x="419285" y="720818"/>
+            <a:ext cx="923740" cy="461870"/>
+          </a:xfrm>
+          <a:custGeom>
+            <a:avLst/>
+            <a:gdLst>
+              <a:gd name="connsiteX0" fmla="*/ 0 w 923740"/>
+              <a:gd name="connsiteY0" fmla="*/ 0 h 461870"/>
+              <a:gd name="connsiteX1" fmla="*/ 33227 w 923740"/>
+              <a:gd name="connsiteY1" fmla="*/ 0 h 461870"/>
+              <a:gd name="connsiteX2" fmla="*/ 33227 w 923740"/>
+              <a:gd name="connsiteY2" fmla="*/ 428643 h 461870"/>
+              <a:gd name="connsiteX3" fmla="*/ 890513 w 923740"/>
+              <a:gd name="connsiteY3" fmla="*/ 428643 h 461870"/>
+              <a:gd name="connsiteX4" fmla="*/ 890513 w 923740"/>
+              <a:gd name="connsiteY4" fmla="*/ 0 h 461870"/>
+              <a:gd name="connsiteX5" fmla="*/ 923740 w 923740"/>
+              <a:gd name="connsiteY5" fmla="*/ 0 h 461870"/>
+              <a:gd name="connsiteX6" fmla="*/ 923740 w 923740"/>
+              <a:gd name="connsiteY6" fmla="*/ 461870 h 461870"/>
+              <a:gd name="connsiteX7" fmla="*/ 0 w 923740"/>
+              <a:gd name="connsiteY7" fmla="*/ 461870 h 461870"/>
+              <a:gd name="connsiteX8" fmla="*/ 0 w 923740"/>
+              <a:gd name="connsiteY8" fmla="*/ 0 h 461870"/>
+            </a:gdLst>
+            <a:ahLst/>
+            <a:cxnLst>
+              <a:cxn ang="0">
+                <a:pos x="connsiteX0" y="connsiteY0"/>
+              </a:cxn>
+              <a:cxn ang="0">
+                <a:pos x="connsiteX1" y="connsiteY1"/>
+              </a:cxn>
+              <a:cxn ang="0">
+                <a:pos x="connsiteX2" y="connsiteY2"/>
+              </a:cxn>
+              <a:cxn ang="0">
+                <a:pos x="connsiteX3" y="connsiteY3"/>
+              </a:cxn>
+              <a:cxn ang="0">
+                <a:pos x="connsiteX4" y="connsiteY4"/>
+              </a:cxn>
+              <a:cxn ang="0">
+                <a:pos x="connsiteX5" y="connsiteY5"/>
+              </a:cxn>
+              <a:cxn ang="0">
+                <a:pos x="connsiteX6" y="connsiteY6"/>
+              </a:cxn>
+              <a:cxn ang="0">
+                <a:pos x="connsiteX7" y="connsiteY7"/>
+              </a:cxn>
+              <a:cxn ang="0">
+                <a:pos x="connsiteX8" y="connsiteY8"/>
+              </a:cxn>
+            </a:cxnLst>
+            <a:rect l="l" t="t" r="r" b="b"/>
+            <a:pathLst>
+              <a:path w="923740" h="461870">
+                <a:moveTo>
+                  <a:pt x="0" y="0"/>
+                </a:moveTo>
+                <a:lnTo>
+                  <a:pt x="33227" y="0"/>
+                </a:lnTo>
+                <a:lnTo>
+                  <a:pt x="33227" y="428643"/>
+                </a:lnTo>
+                <a:lnTo>
+                  <a:pt x="890513" y="428643"/>
+                </a:lnTo>
+                <a:lnTo>
+                  <a:pt x="890513" y="0"/>
+                </a:lnTo>
+                <a:lnTo>
+                  <a:pt x="923740" y="0"/>
+                </a:lnTo>
+                <a:lnTo>
+                  <a:pt x="923740" y="461870"/>
+                </a:lnTo>
+                <a:lnTo>
+                  <a:pt x="0" y="461870"/>
+                </a:lnTo>
+                <a:lnTo>
+                  <a:pt x="0" y="0"/>
+                </a:lnTo>
+                <a:close/>
+              </a:path>
+            </a:pathLst>
+          </a:custGeom>
+          <a:solidFill>
+            <a:schemeClr val="tx1">
+              <a:lumMod val="75000"/>
+              <a:lumOff val="25000"/>
+            </a:schemeClr>
+          </a:solidFill>
+          <a:ln>
+            <a:noFill/>
+          </a:ln>
+        </p:spPr>
+        <p:style>
+          <a:lnRef idx="2">
+            <a:schemeClr val="accent1">
+              <a:shade val="50000"/>
+            </a:schemeClr>
+          </a:lnRef>
+          <a:fillRef idx="1">
+            <a:schemeClr val="accent1"/>
+          </a:fillRef>
+          <a:effectRef idx="0">
+            <a:schemeClr val="accent1"/>
+          </a:effectRef>
+          <a:fontRef idx="minor">
+            <a:schemeClr val="lt1"/>
+          </a:fontRef>
+        </p:style>
+        <p:txBody>
+          <a:bodyPr rtlCol="0" anchor="ctr"/>
+          <a:lstStyle/>
+          <a:p>
+            <a:pPr algn="ctr"/>
+            <a:endParaRPr lang="zh-CN" altLang="en-US" sz="1600">
+              <a:solidFill>
+                <a:schemeClr val="tx1"/>
+              </a:solidFill>
+            </a:endParaRPr>
+          </a:p>
+        </p:txBody>
+      </p:sp>
+      <p:sp>
+        <p:nvSpPr>
+          <p:cNvPr id="14" name="任意多边形: 形状 13"/>
+          <p:cNvSpPr/>
+          <p:nvPr/>
+        </p:nvSpPr>
+        <p:spPr>
+          <a:xfrm>
+            <a:off x="419285" y="258948"/>
+            <a:ext cx="923740" cy="461870"/>
+          </a:xfrm>
+          <a:custGeom>
+            <a:avLst/>
+            <a:gdLst>
+              <a:gd name="connsiteX0" fmla="*/ 0 w 923740"/>
+              <a:gd name="connsiteY0" fmla="*/ 0 h 461870"/>
+              <a:gd name="connsiteX1" fmla="*/ 923740 w 923740"/>
+              <a:gd name="connsiteY1" fmla="*/ 0 h 461870"/>
+              <a:gd name="connsiteX2" fmla="*/ 923740 w 923740"/>
+              <a:gd name="connsiteY2" fmla="*/ 461870 h 461870"/>
+              <a:gd name="connsiteX3" fmla="*/ 890513 w 923740"/>
+              <a:gd name="connsiteY3" fmla="*/ 461870 h 461870"/>
+              <a:gd name="connsiteX4" fmla="*/ 890513 w 923740"/>
+              <a:gd name="connsiteY4" fmla="*/ 33227 h 461870"/>
+              <a:gd name="connsiteX5" fmla="*/ 33227 w 923740"/>
+              <a:gd name="connsiteY5" fmla="*/ 33227 h 461870"/>
+              <a:gd name="connsiteX6" fmla="*/ 33227 w 923740"/>
+              <a:gd name="connsiteY6" fmla="*/ 461870 h 461870"/>
+              <a:gd name="connsiteX7" fmla="*/ 0 w 923740"/>
+              <a:gd name="connsiteY7" fmla="*/ 461870 h 461870"/>
+              <a:gd name="connsiteX8" fmla="*/ 0 w 923740"/>
+              <a:gd name="connsiteY8" fmla="*/ 0 h 461870"/>
+            </a:gdLst>
+            <a:ahLst/>
+            <a:cxnLst>
+              <a:cxn ang="0">
+                <a:pos x="connsiteX0" y="connsiteY0"/>
+              </a:cxn>
+              <a:cxn ang="0">
+                <a:pos x="connsiteX1" y="connsiteY1"/>
+              </a:cxn>
+              <a:cxn ang="0">
+                <a:pos x="connsiteX2" y="connsiteY2"/>
+              </a:cxn>
+              <a:cxn ang="0">
+                <a:pos x="connsiteX3" y="connsiteY3"/>
+              </a:cxn>
+              <a:cxn ang="0">
+                <a:pos x="connsiteX4" y="connsiteY4"/>
+              </a:cxn>
+              <a:cxn ang="0">
+                <a:pos x="connsiteX5" y="connsiteY5"/>
+              </a:cxn>
+              <a:cxn ang="0">
+                <a:pos x="connsiteX6" y="connsiteY6"/>
+              </a:cxn>
+              <a:cxn ang="0">
+                <a:pos x="connsiteX7" y="connsiteY7"/>
+              </a:cxn>
+              <a:cxn ang="0">
+                <a:pos x="connsiteX8" y="connsiteY8"/>
+              </a:cxn>
+            </a:cxnLst>
+            <a:rect l="l" t="t" r="r" b="b"/>
+            <a:pathLst>
+              <a:path w="923740" h="461870">
+                <a:moveTo>
+                  <a:pt x="0" y="0"/>
+                </a:moveTo>
+                <a:lnTo>
+                  <a:pt x="923740" y="0"/>
+                </a:lnTo>
+                <a:lnTo>
+                  <a:pt x="923740" y="461870"/>
+                </a:lnTo>
+                <a:lnTo>
+                  <a:pt x="890513" y="461870"/>
+                </a:lnTo>
+                <a:lnTo>
+                  <a:pt x="890513" y="33227"/>
+                </a:lnTo>
+                <a:lnTo>
+                  <a:pt x="33227" y="33227"/>
+                </a:lnTo>
+                <a:lnTo>
+                  <a:pt x="33227" y="461870"/>
+                </a:lnTo>
+                <a:lnTo>
+                  <a:pt x="0" y="461870"/>
+                </a:lnTo>
+                <a:lnTo>
+                  <a:pt x="0" y="0"/>
+                </a:lnTo>
+                <a:close/>
+              </a:path>
+            </a:pathLst>
+          </a:custGeom>
+          <a:ln>
+            <a:noFill/>
+          </a:ln>
+        </p:spPr>
+        <p:style>
+          <a:lnRef idx="2">
+            <a:schemeClr val="accent1">
+              <a:shade val="50000"/>
+            </a:schemeClr>
+          </a:lnRef>
+          <a:fillRef idx="1">
+            <a:schemeClr val="accent1"/>
+          </a:fillRef>
+          <a:effectRef idx="0">
+            <a:schemeClr val="accent1"/>
+          </a:effectRef>
+          <a:fontRef idx="minor">
+            <a:schemeClr val="lt1"/>
+          </a:fontRef>
+        </p:style>
+        <p:txBody>
+          <a:bodyPr rtlCol="0" anchor="ctr"/>
+          <a:lstStyle/>
+          <a:p>
+            <a:pPr algn="ctr"/>
+            <a:endParaRPr lang="zh-CN" altLang="en-US" sz="1600">
+              <a:solidFill>
+                <a:schemeClr val="tx1"/>
+              </a:solidFill>
+            </a:endParaRPr>
+          </a:p>
+        </p:txBody>
+      </p:sp>
+      <p:sp>
+        <p:nvSpPr>
+          <p:cNvPr id="15" name="文本框 14"/>
+          <p:cNvSpPr txBox="1"/>
+          <p:nvPr/>
+        </p:nvSpPr>
+        <p:spPr>
+          <a:xfrm>
+            <a:off x="419285" y="366875"/>
+            <a:ext cx="923740" cy="707886"/>
+          </a:xfrm>
+          <a:prstGeom prst="rect">
+            <a:avLst/>
+          </a:prstGeom>
+          <a:noFill/>
+        </p:spPr>
+        <p:txBody>
+          <a:bodyPr wrap="square" rtlCol="0">
+            <a:spAutoFit/>
+            <a:scene3d>
+              <a:camera prst="orthographicFront"/>
+              <a:lightRig rig="threePt" dir="t"/>
+            </a:scene3d>
+            <a:sp3d contourW="12700"/>
+          </a:bodyPr>
+          <a:lstStyle/>
+          <a:p>
+            <a:pPr algn="ctr"/>
+            <a:r>
+              <a:rPr lang="en-US" altLang="zh-CN" sz="4000" dirty="0">
+                <a:solidFill>
+                  <a:schemeClr val="accent1"/>
+                </a:solidFill>
+                <a:latin typeface="Century Gothic" panose="020B0502020202020204" pitchFamily="34" charset="0"/>
+              </a:rPr>
+              <a:t>02</a:t>
+            </a:r>
+            <a:endParaRPr lang="zh-CN" altLang="en-US" sz="4000" dirty="0">
+              <a:solidFill>
+                <a:schemeClr val="accent1"/>
+              </a:solidFill>
+              <a:latin typeface="Century Gothic" panose="020B0502020202020204" pitchFamily="34" charset="0"/>
+            </a:endParaRPr>
+          </a:p>
+        </p:txBody>
+      </p:sp>
+      <p:grpSp>
+        <p:nvGrpSpPr>
+          <p:cNvPr id="16" name="组合 15"/>
+          <p:cNvGrpSpPr/>
+          <p:nvPr/>
+        </p:nvGrpSpPr>
+        <p:grpSpPr>
+          <a:xfrm>
+            <a:off x="1473200" y="371475"/>
+            <a:ext cx="6951345" cy="829204"/>
+            <a:chOff x="7318011" y="1456480"/>
+            <a:chExt cx="4260761" cy="829204"/>
+          </a:xfrm>
+        </p:grpSpPr>
+        <p:sp>
+          <p:nvSpPr>
+            <p:cNvPr id="23" name="文本框 22"/>
+            <p:cNvSpPr txBox="1"/>
+            <p:nvPr/>
+          </p:nvSpPr>
+          <p:spPr>
+            <a:xfrm>
+              <a:off x="7318011" y="1456480"/>
+              <a:ext cx="4260761" cy="583565"/>
+            </a:xfrm>
+            <a:prstGeom prst="rect">
+              <a:avLst/>
+            </a:prstGeom>
+            <a:noFill/>
+          </p:spPr>
+          <p:txBody>
+            <a:bodyPr wrap="square" rtlCol="0">
+              <a:spAutoFit/>
+              <a:scene3d>
+                <a:camera prst="orthographicFront"/>
+                <a:lightRig rig="threePt" dir="t"/>
+              </a:scene3d>
+              <a:sp3d contourW="12700"/>
+            </a:bodyPr>
+            <a:lstStyle/>
+            <a:p>
+              <a:pPr algn="l"/>
+              <a:r>
+                <a:rPr lang="en-US" sz="3200" b="1" dirty="0">
+                  <a:solidFill>
+                    <a:schemeClr val="tx1">
+                      <a:lumMod val="75000"/>
+                      <a:lumOff val="25000"/>
+                    </a:schemeClr>
+                  </a:solidFill>
+                  <a:sym typeface="+mn-ea"/>
+                </a:rPr>
+                <a:t>Gitlab</a:t>
+              </a:r>
+              <a:r>
+                <a:rPr lang="zh-CN" altLang="en-US" sz="3200" b="1" dirty="0">
+                  <a:solidFill>
+                    <a:schemeClr val="tx1">
+                      <a:lumMod val="75000"/>
+                      <a:lumOff val="25000"/>
+                    </a:schemeClr>
+                  </a:solidFill>
+                  <a:sym typeface="+mn-ea"/>
+                </a:rPr>
+                <a:t>的使用</a:t>
+              </a:r>
+              <a:r>
+                <a:rPr lang="en-US" altLang="zh-CN" sz="3200" b="1" dirty="0">
+                  <a:solidFill>
+                    <a:schemeClr val="tx1">
+                      <a:lumMod val="75000"/>
+                      <a:lumOff val="25000"/>
+                    </a:schemeClr>
+                  </a:solidFill>
+                  <a:sym typeface="+mn-ea"/>
+                </a:rPr>
+                <a:t>----</a:t>
+              </a:r>
+              <a:r>
+                <a:rPr lang="en-US" sz="3200" b="1" dirty="0">
+                  <a:solidFill>
+                    <a:schemeClr val="tx1">
+                      <a:lumMod val="75000"/>
+                      <a:lumOff val="25000"/>
+                    </a:schemeClr>
+                  </a:solidFill>
+                  <a:sym typeface="+mn-ea"/>
+                </a:rPr>
+                <a:t>Merge Request</a:t>
+              </a:r>
+              <a:r>
+                <a:rPr lang="zh-CN" altLang="en-US" sz="3200" b="1" dirty="0">
+                  <a:solidFill>
+                    <a:schemeClr val="tx1">
+                      <a:lumMod val="75000"/>
+                      <a:lumOff val="25000"/>
+                    </a:schemeClr>
+                  </a:solidFill>
+                  <a:sym typeface="+mn-ea"/>
+                </a:rPr>
+                <a:t>评审</a:t>
+              </a:r>
+              <a:endParaRPr lang="zh-CN" altLang="en-US" sz="3200" b="1" dirty="0">
+                <a:solidFill>
+                  <a:schemeClr val="tx1">
+                    <a:lumMod val="75000"/>
+                    <a:lumOff val="25000"/>
+                  </a:schemeClr>
+                </a:solidFill>
+                <a:sym typeface="+mn-ea"/>
+              </a:endParaRPr>
+            </a:p>
+          </p:txBody>
+        </p:sp>
+        <p:sp>
+          <p:nvSpPr>
+            <p:cNvPr id="24" name="文本框 23"/>
+            <p:cNvSpPr txBox="1"/>
+            <p:nvPr/>
+          </p:nvSpPr>
+          <p:spPr>
+            <a:xfrm>
+              <a:off x="7318011" y="1984059"/>
+              <a:ext cx="4260761" cy="301625"/>
+            </a:xfrm>
+            <a:prstGeom prst="rect">
+              <a:avLst/>
+            </a:prstGeom>
+            <a:noFill/>
+          </p:spPr>
+          <p:txBody>
+            <a:bodyPr wrap="square" rtlCol="0">
+              <a:spAutoFit/>
+              <a:scene3d>
+                <a:camera prst="orthographicFront"/>
+                <a:lightRig rig="threePt" dir="t"/>
+              </a:scene3d>
+              <a:sp3d contourW="12700"/>
+            </a:bodyPr>
+            <a:lstStyle/>
+            <a:p>
+              <a:pPr algn="l">
+                <a:lnSpc>
+                  <a:spcPct val="114000"/>
+                </a:lnSpc>
+              </a:pPr>
+              <a:r>
+                <a:rPr lang="en-US" altLang="zh-CN" sz="1200" dirty="0">
+                  <a:solidFill>
+                    <a:schemeClr val="bg1">
+                      <a:lumMod val="50000"/>
+                    </a:schemeClr>
+                  </a:solidFill>
+                  <a:latin typeface="Century Gothic" panose="020B0502020202020204" pitchFamily="34" charset="0"/>
+                  <a:ea typeface="+mj-ea"/>
+                  <a:sym typeface="+mn-ea"/>
+                </a:rPr>
+                <a:t>Usage of Gitlab</a:t>
+              </a:r>
+              <a:endParaRPr lang="en-US" altLang="zh-CN" sz="1200" dirty="0">
+                <a:solidFill>
+                  <a:schemeClr val="bg1">
+                    <a:lumMod val="50000"/>
+                  </a:schemeClr>
+                </a:solidFill>
+                <a:latin typeface="Century Gothic" panose="020B0502020202020204" pitchFamily="34" charset="0"/>
+              </a:endParaRPr>
+            </a:p>
+          </p:txBody>
+        </p:sp>
+      </p:grpSp>
+      <p:pic>
+        <p:nvPicPr>
+          <p:cNvPr id="2" name="图片 1" descr="}8I[NY77FHDP}H`O5`E]~ZK"/>
+          <p:cNvPicPr>
+            <a:picLocks noChangeAspect="1"/>
+          </p:cNvPicPr>
+          <p:nvPr/>
+        </p:nvPicPr>
+        <p:blipFill>
+          <a:blip r:embed="rId1"/>
+          <a:stretch>
+            <a:fillRect/>
+          </a:stretch>
+        </p:blipFill>
+        <p:spPr>
+          <a:xfrm>
+            <a:off x="2937510" y="1200785"/>
+            <a:ext cx="5723890" cy="5489575"/>
+          </a:xfrm>
+          <a:prstGeom prst="rect">
+            <a:avLst/>
+          </a:prstGeom>
+        </p:spPr>
+      </p:pic>
+    </p:spTree>
+  </p:cSld>
+  <p:clrMapOvr>
+    <a:masterClrMapping/>
+  </p:clrMapOvr>
+</p:sld>
+</file>
+
+<file path=ppt/slides/slide31.xml><?xml version="1.0" encoding="utf-8"?>
+<p:sld xmlns:a="http://schemas.openxmlformats.org/drawingml/2006/main" xmlns:r="http://schemas.openxmlformats.org/officeDocument/2006/relationships" xmlns:p="http://schemas.openxmlformats.org/presentationml/2006/main">
+  <p:cSld>
+    <p:spTree>
+      <p:nvGrpSpPr>
+        <p:cNvPr id="1" name=""/>
+        <p:cNvGrpSpPr/>
+        <p:nvPr/>
+      </p:nvGrpSpPr>
+      <p:grpSpPr>
+        <a:xfrm>
+          <a:off x="0" y="0"/>
+          <a:ext cx="0" cy="0"/>
+          <a:chOff x="0" y="0"/>
+          <a:chExt cx="0" cy="0"/>
+        </a:xfrm>
+      </p:grpSpPr>
+      <p:sp>
+        <p:nvSpPr>
+          <p:cNvPr id="13" name="任意多边形: 形状 12"/>
+          <p:cNvSpPr/>
+          <p:nvPr/>
+        </p:nvSpPr>
+        <p:spPr>
+          <a:xfrm>
+            <a:off x="419285" y="720818"/>
+            <a:ext cx="923740" cy="461870"/>
+          </a:xfrm>
+          <a:custGeom>
+            <a:avLst/>
+            <a:gdLst>
+              <a:gd name="connsiteX0" fmla="*/ 0 w 923740"/>
+              <a:gd name="connsiteY0" fmla="*/ 0 h 461870"/>
+              <a:gd name="connsiteX1" fmla="*/ 33227 w 923740"/>
+              <a:gd name="connsiteY1" fmla="*/ 0 h 461870"/>
+              <a:gd name="connsiteX2" fmla="*/ 33227 w 923740"/>
+              <a:gd name="connsiteY2" fmla="*/ 428643 h 461870"/>
+              <a:gd name="connsiteX3" fmla="*/ 890513 w 923740"/>
+              <a:gd name="connsiteY3" fmla="*/ 428643 h 461870"/>
+              <a:gd name="connsiteX4" fmla="*/ 890513 w 923740"/>
+              <a:gd name="connsiteY4" fmla="*/ 0 h 461870"/>
+              <a:gd name="connsiteX5" fmla="*/ 923740 w 923740"/>
+              <a:gd name="connsiteY5" fmla="*/ 0 h 461870"/>
+              <a:gd name="connsiteX6" fmla="*/ 923740 w 923740"/>
+              <a:gd name="connsiteY6" fmla="*/ 461870 h 461870"/>
+              <a:gd name="connsiteX7" fmla="*/ 0 w 923740"/>
+              <a:gd name="connsiteY7" fmla="*/ 461870 h 461870"/>
+              <a:gd name="connsiteX8" fmla="*/ 0 w 923740"/>
+              <a:gd name="connsiteY8" fmla="*/ 0 h 461870"/>
+            </a:gdLst>
+            <a:ahLst/>
+            <a:cxnLst>
+              <a:cxn ang="0">
+                <a:pos x="connsiteX0" y="connsiteY0"/>
+              </a:cxn>
+              <a:cxn ang="0">
+                <a:pos x="connsiteX1" y="connsiteY1"/>
+              </a:cxn>
+              <a:cxn ang="0">
+                <a:pos x="connsiteX2" y="connsiteY2"/>
+              </a:cxn>
+              <a:cxn ang="0">
+                <a:pos x="connsiteX3" y="connsiteY3"/>
+              </a:cxn>
+              <a:cxn ang="0">
+                <a:pos x="connsiteX4" y="connsiteY4"/>
+              </a:cxn>
+              <a:cxn ang="0">
+                <a:pos x="connsiteX5" y="connsiteY5"/>
+              </a:cxn>
+              <a:cxn ang="0">
+                <a:pos x="connsiteX6" y="connsiteY6"/>
+              </a:cxn>
+              <a:cxn ang="0">
+                <a:pos x="connsiteX7" y="connsiteY7"/>
+              </a:cxn>
+              <a:cxn ang="0">
+                <a:pos x="connsiteX8" y="connsiteY8"/>
+              </a:cxn>
+            </a:cxnLst>
+            <a:rect l="l" t="t" r="r" b="b"/>
+            <a:pathLst>
+              <a:path w="923740" h="461870">
+                <a:moveTo>
+                  <a:pt x="0" y="0"/>
+                </a:moveTo>
+                <a:lnTo>
+                  <a:pt x="33227" y="0"/>
+                </a:lnTo>
+                <a:lnTo>
+                  <a:pt x="33227" y="428643"/>
+                </a:lnTo>
+                <a:lnTo>
+                  <a:pt x="890513" y="428643"/>
+                </a:lnTo>
+                <a:lnTo>
+                  <a:pt x="890513" y="0"/>
+                </a:lnTo>
+                <a:lnTo>
+                  <a:pt x="923740" y="0"/>
+                </a:lnTo>
+                <a:lnTo>
+                  <a:pt x="923740" y="461870"/>
+                </a:lnTo>
+                <a:lnTo>
+                  <a:pt x="0" y="461870"/>
+                </a:lnTo>
+                <a:lnTo>
+                  <a:pt x="0" y="0"/>
+                </a:lnTo>
+                <a:close/>
+              </a:path>
+            </a:pathLst>
+          </a:custGeom>
+          <a:solidFill>
+            <a:schemeClr val="tx1">
+              <a:lumMod val="75000"/>
+              <a:lumOff val="25000"/>
+            </a:schemeClr>
+          </a:solidFill>
+          <a:ln>
+            <a:noFill/>
+          </a:ln>
+        </p:spPr>
+        <p:style>
+          <a:lnRef idx="2">
+            <a:schemeClr val="accent1">
+              <a:shade val="50000"/>
+            </a:schemeClr>
+          </a:lnRef>
+          <a:fillRef idx="1">
+            <a:schemeClr val="accent1"/>
+          </a:fillRef>
+          <a:effectRef idx="0">
+            <a:schemeClr val="accent1"/>
+          </a:effectRef>
+          <a:fontRef idx="minor">
+            <a:schemeClr val="lt1"/>
+          </a:fontRef>
+        </p:style>
+        <p:txBody>
+          <a:bodyPr rtlCol="0" anchor="ctr"/>
+          <a:lstStyle/>
+          <a:p>
+            <a:pPr algn="ctr"/>
+            <a:endParaRPr lang="zh-CN" altLang="en-US" sz="1600">
+              <a:solidFill>
+                <a:schemeClr val="tx1"/>
+              </a:solidFill>
+            </a:endParaRPr>
+          </a:p>
+        </p:txBody>
+      </p:sp>
+      <p:sp>
+        <p:nvSpPr>
+          <p:cNvPr id="14" name="任意多边形: 形状 13"/>
+          <p:cNvSpPr/>
+          <p:nvPr/>
+        </p:nvSpPr>
+        <p:spPr>
+          <a:xfrm>
+            <a:off x="419285" y="258948"/>
+            <a:ext cx="923740" cy="461870"/>
+          </a:xfrm>
+          <a:custGeom>
+            <a:avLst/>
+            <a:gdLst>
+              <a:gd name="connsiteX0" fmla="*/ 0 w 923740"/>
+              <a:gd name="connsiteY0" fmla="*/ 0 h 461870"/>
+              <a:gd name="connsiteX1" fmla="*/ 923740 w 923740"/>
+              <a:gd name="connsiteY1" fmla="*/ 0 h 461870"/>
+              <a:gd name="connsiteX2" fmla="*/ 923740 w 923740"/>
+              <a:gd name="connsiteY2" fmla="*/ 461870 h 461870"/>
+              <a:gd name="connsiteX3" fmla="*/ 890513 w 923740"/>
+              <a:gd name="connsiteY3" fmla="*/ 461870 h 461870"/>
+              <a:gd name="connsiteX4" fmla="*/ 890513 w 923740"/>
+              <a:gd name="connsiteY4" fmla="*/ 33227 h 461870"/>
+              <a:gd name="connsiteX5" fmla="*/ 33227 w 923740"/>
+              <a:gd name="connsiteY5" fmla="*/ 33227 h 461870"/>
+              <a:gd name="connsiteX6" fmla="*/ 33227 w 923740"/>
+              <a:gd name="connsiteY6" fmla="*/ 461870 h 461870"/>
+              <a:gd name="connsiteX7" fmla="*/ 0 w 923740"/>
+              <a:gd name="connsiteY7" fmla="*/ 461870 h 461870"/>
+              <a:gd name="connsiteX8" fmla="*/ 0 w 923740"/>
+              <a:gd name="connsiteY8" fmla="*/ 0 h 461870"/>
+            </a:gdLst>
+            <a:ahLst/>
+            <a:cxnLst>
+              <a:cxn ang="0">
+                <a:pos x="connsiteX0" y="connsiteY0"/>
+              </a:cxn>
+              <a:cxn ang="0">
+                <a:pos x="connsiteX1" y="connsiteY1"/>
+              </a:cxn>
+              <a:cxn ang="0">
+                <a:pos x="connsiteX2" y="connsiteY2"/>
+              </a:cxn>
+              <a:cxn ang="0">
+                <a:pos x="connsiteX3" y="connsiteY3"/>
+              </a:cxn>
+              <a:cxn ang="0">
+                <a:pos x="connsiteX4" y="connsiteY4"/>
+              </a:cxn>
+              <a:cxn ang="0">
+                <a:pos x="connsiteX5" y="connsiteY5"/>
+              </a:cxn>
+              <a:cxn ang="0">
+                <a:pos x="connsiteX6" y="connsiteY6"/>
+              </a:cxn>
+              <a:cxn ang="0">
+                <a:pos x="connsiteX7" y="connsiteY7"/>
+              </a:cxn>
+              <a:cxn ang="0">
+                <a:pos x="connsiteX8" y="connsiteY8"/>
+              </a:cxn>
+            </a:cxnLst>
+            <a:rect l="l" t="t" r="r" b="b"/>
+            <a:pathLst>
+              <a:path w="923740" h="461870">
+                <a:moveTo>
+                  <a:pt x="0" y="0"/>
+                </a:moveTo>
+                <a:lnTo>
+                  <a:pt x="923740" y="0"/>
+                </a:lnTo>
+                <a:lnTo>
+                  <a:pt x="923740" y="461870"/>
+                </a:lnTo>
+                <a:lnTo>
+                  <a:pt x="890513" y="461870"/>
+                </a:lnTo>
+                <a:lnTo>
+                  <a:pt x="890513" y="33227"/>
+                </a:lnTo>
+                <a:lnTo>
+                  <a:pt x="33227" y="33227"/>
+                </a:lnTo>
+                <a:lnTo>
+                  <a:pt x="33227" y="461870"/>
+                </a:lnTo>
+                <a:lnTo>
+                  <a:pt x="0" y="461870"/>
+                </a:lnTo>
+                <a:lnTo>
+                  <a:pt x="0" y="0"/>
+                </a:lnTo>
+                <a:close/>
+              </a:path>
+            </a:pathLst>
+          </a:custGeom>
+          <a:ln>
+            <a:noFill/>
+          </a:ln>
+        </p:spPr>
+        <p:style>
+          <a:lnRef idx="2">
+            <a:schemeClr val="accent1">
+              <a:shade val="50000"/>
+            </a:schemeClr>
+          </a:lnRef>
+          <a:fillRef idx="1">
+            <a:schemeClr val="accent1"/>
+          </a:fillRef>
+          <a:effectRef idx="0">
+            <a:schemeClr val="accent1"/>
+          </a:effectRef>
+          <a:fontRef idx="minor">
+            <a:schemeClr val="lt1"/>
+          </a:fontRef>
+        </p:style>
+        <p:txBody>
+          <a:bodyPr rtlCol="0" anchor="ctr"/>
+          <a:lstStyle/>
+          <a:p>
+            <a:pPr algn="ctr"/>
+            <a:endParaRPr lang="zh-CN" altLang="en-US" sz="1600">
+              <a:solidFill>
+                <a:schemeClr val="tx1"/>
+              </a:solidFill>
+            </a:endParaRPr>
+          </a:p>
+        </p:txBody>
+      </p:sp>
+      <p:sp>
+        <p:nvSpPr>
+          <p:cNvPr id="15" name="文本框 14"/>
+          <p:cNvSpPr txBox="1"/>
+          <p:nvPr/>
+        </p:nvSpPr>
+        <p:spPr>
+          <a:xfrm>
+            <a:off x="419285" y="366875"/>
+            <a:ext cx="923740" cy="707886"/>
+          </a:xfrm>
+          <a:prstGeom prst="rect">
+            <a:avLst/>
+          </a:prstGeom>
+          <a:noFill/>
+        </p:spPr>
+        <p:txBody>
+          <a:bodyPr wrap="square" rtlCol="0">
+            <a:spAutoFit/>
+            <a:scene3d>
+              <a:camera prst="orthographicFront"/>
+              <a:lightRig rig="threePt" dir="t"/>
+            </a:scene3d>
+            <a:sp3d contourW="12700"/>
+          </a:bodyPr>
+          <a:lstStyle/>
+          <a:p>
+            <a:pPr algn="ctr"/>
+            <a:r>
+              <a:rPr lang="en-US" altLang="zh-CN" sz="4000" dirty="0">
+                <a:solidFill>
+                  <a:schemeClr val="accent1"/>
+                </a:solidFill>
+                <a:latin typeface="Century Gothic" panose="020B0502020202020204" pitchFamily="34" charset="0"/>
+              </a:rPr>
+              <a:t>02</a:t>
+            </a:r>
+            <a:endParaRPr lang="zh-CN" altLang="en-US" sz="4000" dirty="0">
+              <a:solidFill>
+                <a:schemeClr val="accent1"/>
+              </a:solidFill>
+              <a:latin typeface="Century Gothic" panose="020B0502020202020204" pitchFamily="34" charset="0"/>
+            </a:endParaRPr>
+          </a:p>
+        </p:txBody>
+      </p:sp>
+      <p:grpSp>
+        <p:nvGrpSpPr>
+          <p:cNvPr id="16" name="组合 15"/>
+          <p:cNvGrpSpPr/>
+          <p:nvPr/>
+        </p:nvGrpSpPr>
+        <p:grpSpPr>
+          <a:xfrm>
+            <a:off x="1473200" y="371475"/>
+            <a:ext cx="6951345" cy="829204"/>
+            <a:chOff x="7318011" y="1456480"/>
+            <a:chExt cx="4260761" cy="829204"/>
+          </a:xfrm>
+        </p:grpSpPr>
+        <p:sp>
+          <p:nvSpPr>
+            <p:cNvPr id="23" name="文本框 22"/>
+            <p:cNvSpPr txBox="1"/>
+            <p:nvPr/>
+          </p:nvSpPr>
+          <p:spPr>
+            <a:xfrm>
+              <a:off x="7318011" y="1456480"/>
+              <a:ext cx="4260761" cy="583565"/>
+            </a:xfrm>
+            <a:prstGeom prst="rect">
+              <a:avLst/>
+            </a:prstGeom>
+            <a:noFill/>
+          </p:spPr>
+          <p:txBody>
+            <a:bodyPr wrap="square" rtlCol="0">
+              <a:spAutoFit/>
+              <a:scene3d>
+                <a:camera prst="orthographicFront"/>
+                <a:lightRig rig="threePt" dir="t"/>
+              </a:scene3d>
+              <a:sp3d contourW="12700"/>
+            </a:bodyPr>
+            <a:lstStyle/>
+            <a:p>
+              <a:pPr algn="l"/>
+              <a:r>
+                <a:rPr lang="en-US" sz="3200" b="1" dirty="0">
+                  <a:solidFill>
+                    <a:schemeClr val="tx1">
+                      <a:lumMod val="75000"/>
+                      <a:lumOff val="25000"/>
+                    </a:schemeClr>
+                  </a:solidFill>
+                  <a:sym typeface="+mn-ea"/>
+                </a:rPr>
+                <a:t>Gitlab</a:t>
+              </a:r>
+              <a:r>
+                <a:rPr lang="zh-CN" altLang="en-US" sz="3200" b="1" dirty="0">
+                  <a:solidFill>
+                    <a:schemeClr val="tx1">
+                      <a:lumMod val="75000"/>
+                      <a:lumOff val="25000"/>
+                    </a:schemeClr>
+                  </a:solidFill>
+                  <a:sym typeface="+mn-ea"/>
+                </a:rPr>
+                <a:t>的使用</a:t>
+              </a:r>
+              <a:r>
+                <a:rPr lang="en-US" altLang="zh-CN" sz="3200" b="1" dirty="0">
+                  <a:solidFill>
+                    <a:schemeClr val="tx1">
+                      <a:lumMod val="75000"/>
+                      <a:lumOff val="25000"/>
+                    </a:schemeClr>
+                  </a:solidFill>
+                  <a:sym typeface="+mn-ea"/>
+                </a:rPr>
+                <a:t>----</a:t>
+              </a:r>
+              <a:r>
+                <a:rPr lang="en-US" sz="3200" b="1" dirty="0">
+                  <a:solidFill>
+                    <a:schemeClr val="tx1">
+                      <a:lumMod val="75000"/>
+                      <a:lumOff val="25000"/>
+                    </a:schemeClr>
+                  </a:solidFill>
+                  <a:sym typeface="+mn-ea"/>
+                </a:rPr>
+                <a:t>Merge Request</a:t>
+              </a:r>
+              <a:r>
+                <a:rPr lang="zh-CN" altLang="en-US" sz="3200" b="1" dirty="0">
+                  <a:solidFill>
+                    <a:schemeClr val="tx1">
+                      <a:lumMod val="75000"/>
+                      <a:lumOff val="25000"/>
+                    </a:schemeClr>
+                  </a:solidFill>
+                  <a:sym typeface="+mn-ea"/>
+                </a:rPr>
+                <a:t>评审</a:t>
+              </a:r>
+              <a:endParaRPr lang="zh-CN" altLang="en-US" sz="3200" b="1" dirty="0">
+                <a:solidFill>
+                  <a:schemeClr val="tx1">
+                    <a:lumMod val="75000"/>
+                    <a:lumOff val="25000"/>
+                  </a:schemeClr>
+                </a:solidFill>
+                <a:sym typeface="+mn-ea"/>
+              </a:endParaRPr>
+            </a:p>
+          </p:txBody>
+        </p:sp>
+        <p:sp>
+          <p:nvSpPr>
+            <p:cNvPr id="24" name="文本框 23"/>
+            <p:cNvSpPr txBox="1"/>
+            <p:nvPr/>
+          </p:nvSpPr>
+          <p:spPr>
+            <a:xfrm>
+              <a:off x="7318011" y="1984059"/>
+              <a:ext cx="4260761" cy="301625"/>
+            </a:xfrm>
+            <a:prstGeom prst="rect">
+              <a:avLst/>
+            </a:prstGeom>
+            <a:noFill/>
+          </p:spPr>
+          <p:txBody>
+            <a:bodyPr wrap="square" rtlCol="0">
+              <a:spAutoFit/>
+              <a:scene3d>
+                <a:camera prst="orthographicFront"/>
+                <a:lightRig rig="threePt" dir="t"/>
+              </a:scene3d>
+              <a:sp3d contourW="12700"/>
+            </a:bodyPr>
+            <a:lstStyle/>
+            <a:p>
+              <a:pPr algn="l">
+                <a:lnSpc>
+                  <a:spcPct val="114000"/>
+                </a:lnSpc>
+              </a:pPr>
+              <a:r>
+                <a:rPr lang="en-US" altLang="zh-CN" sz="1200" dirty="0">
+                  <a:solidFill>
+                    <a:schemeClr val="bg1">
+                      <a:lumMod val="50000"/>
+                    </a:schemeClr>
+                  </a:solidFill>
+                  <a:latin typeface="Century Gothic" panose="020B0502020202020204" pitchFamily="34" charset="0"/>
+                  <a:ea typeface="+mj-ea"/>
+                  <a:sym typeface="+mn-ea"/>
+                </a:rPr>
+                <a:t>Usage of Gitlab</a:t>
+              </a:r>
+              <a:endParaRPr lang="en-US" altLang="zh-CN" sz="1200" dirty="0">
+                <a:solidFill>
+                  <a:schemeClr val="bg1">
+                    <a:lumMod val="50000"/>
+                  </a:schemeClr>
+                </a:solidFill>
+                <a:latin typeface="Century Gothic" panose="020B0502020202020204" pitchFamily="34" charset="0"/>
+              </a:endParaRPr>
+            </a:p>
+          </p:txBody>
+        </p:sp>
+      </p:grpSp>
+      <p:pic>
+        <p:nvPicPr>
+          <p:cNvPr id="2" name="图片 1"/>
+          <p:cNvPicPr>
+            <a:picLocks noChangeAspect="1"/>
+          </p:cNvPicPr>
+          <p:nvPr/>
+        </p:nvPicPr>
+        <p:blipFill>
+          <a:blip r:embed="rId1"/>
+          <a:stretch>
+            <a:fillRect/>
+          </a:stretch>
+        </p:blipFill>
+        <p:spPr>
+          <a:xfrm>
+            <a:off x="2284095" y="1337310"/>
+            <a:ext cx="7470775" cy="5097145"/>
+          </a:xfrm>
+          <a:prstGeom prst="rect">
+            <a:avLst/>
+          </a:prstGeom>
+        </p:spPr>
+      </p:pic>
+    </p:spTree>
+  </p:cSld>
+  <p:clrMapOvr>
+    <a:masterClrMapping/>
+  </p:clrMapOvr>
+</p:sld>
+</file>
+
+<file path=ppt/slides/slide32.xml><?xml version="1.0" encoding="utf-8"?>
+<p:sld xmlns:a="http://schemas.openxmlformats.org/drawingml/2006/main" xmlns:r="http://schemas.openxmlformats.org/officeDocument/2006/relationships" xmlns:p="http://schemas.openxmlformats.org/presentationml/2006/main">
+  <p:cSld>
+    <p:spTree>
+      <p:nvGrpSpPr>
+        <p:cNvPr id="1" name=""/>
+        <p:cNvGrpSpPr/>
+        <p:nvPr/>
+      </p:nvGrpSpPr>
+      <p:grpSpPr>
+        <a:xfrm>
+          <a:off x="0" y="0"/>
+          <a:ext cx="0" cy="0"/>
+          <a:chOff x="0" y="0"/>
+          <a:chExt cx="0" cy="0"/>
+        </a:xfrm>
+      </p:grpSpPr>
+      <p:sp>
+        <p:nvSpPr>
+          <p:cNvPr id="13" name="任意多边形: 形状 12"/>
+          <p:cNvSpPr/>
+          <p:nvPr/>
+        </p:nvSpPr>
+        <p:spPr>
+          <a:xfrm>
+            <a:off x="419285" y="720818"/>
+            <a:ext cx="923740" cy="461870"/>
+          </a:xfrm>
+          <a:custGeom>
+            <a:avLst/>
+            <a:gdLst>
+              <a:gd name="connsiteX0" fmla="*/ 0 w 923740"/>
+              <a:gd name="connsiteY0" fmla="*/ 0 h 461870"/>
+              <a:gd name="connsiteX1" fmla="*/ 33227 w 923740"/>
+              <a:gd name="connsiteY1" fmla="*/ 0 h 461870"/>
+              <a:gd name="connsiteX2" fmla="*/ 33227 w 923740"/>
+              <a:gd name="connsiteY2" fmla="*/ 428643 h 461870"/>
+              <a:gd name="connsiteX3" fmla="*/ 890513 w 923740"/>
+              <a:gd name="connsiteY3" fmla="*/ 428643 h 461870"/>
+              <a:gd name="connsiteX4" fmla="*/ 890513 w 923740"/>
+              <a:gd name="connsiteY4" fmla="*/ 0 h 461870"/>
+              <a:gd name="connsiteX5" fmla="*/ 923740 w 923740"/>
+              <a:gd name="connsiteY5" fmla="*/ 0 h 461870"/>
+              <a:gd name="connsiteX6" fmla="*/ 923740 w 923740"/>
+              <a:gd name="connsiteY6" fmla="*/ 461870 h 461870"/>
+              <a:gd name="connsiteX7" fmla="*/ 0 w 923740"/>
+              <a:gd name="connsiteY7" fmla="*/ 461870 h 461870"/>
+              <a:gd name="connsiteX8" fmla="*/ 0 w 923740"/>
+              <a:gd name="connsiteY8" fmla="*/ 0 h 461870"/>
+            </a:gdLst>
+            <a:ahLst/>
+            <a:cxnLst>
+              <a:cxn ang="0">
+                <a:pos x="connsiteX0" y="connsiteY0"/>
+              </a:cxn>
+              <a:cxn ang="0">
+                <a:pos x="connsiteX1" y="connsiteY1"/>
+              </a:cxn>
+              <a:cxn ang="0">
+                <a:pos x="connsiteX2" y="connsiteY2"/>
+              </a:cxn>
+              <a:cxn ang="0">
+                <a:pos x="connsiteX3" y="connsiteY3"/>
+              </a:cxn>
+              <a:cxn ang="0">
+                <a:pos x="connsiteX4" y="connsiteY4"/>
+              </a:cxn>
+              <a:cxn ang="0">
+                <a:pos x="connsiteX5" y="connsiteY5"/>
+              </a:cxn>
+              <a:cxn ang="0">
+                <a:pos x="connsiteX6" y="connsiteY6"/>
+              </a:cxn>
+              <a:cxn ang="0">
+                <a:pos x="connsiteX7" y="connsiteY7"/>
+              </a:cxn>
+              <a:cxn ang="0">
+                <a:pos x="connsiteX8" y="connsiteY8"/>
+              </a:cxn>
+            </a:cxnLst>
+            <a:rect l="l" t="t" r="r" b="b"/>
+            <a:pathLst>
+              <a:path w="923740" h="461870">
+                <a:moveTo>
+                  <a:pt x="0" y="0"/>
+                </a:moveTo>
+                <a:lnTo>
+                  <a:pt x="33227" y="0"/>
+                </a:lnTo>
+                <a:lnTo>
+                  <a:pt x="33227" y="428643"/>
+                </a:lnTo>
+                <a:lnTo>
+                  <a:pt x="890513" y="428643"/>
+                </a:lnTo>
+                <a:lnTo>
+                  <a:pt x="890513" y="0"/>
+                </a:lnTo>
+                <a:lnTo>
+                  <a:pt x="923740" y="0"/>
+                </a:lnTo>
+                <a:lnTo>
+                  <a:pt x="923740" y="461870"/>
+                </a:lnTo>
+                <a:lnTo>
+                  <a:pt x="0" y="461870"/>
+                </a:lnTo>
+                <a:lnTo>
+                  <a:pt x="0" y="0"/>
+                </a:lnTo>
+                <a:close/>
+              </a:path>
+            </a:pathLst>
+          </a:custGeom>
+          <a:solidFill>
+            <a:schemeClr val="tx1">
+              <a:lumMod val="75000"/>
+              <a:lumOff val="25000"/>
+            </a:schemeClr>
+          </a:solidFill>
+          <a:ln>
+            <a:noFill/>
+          </a:ln>
+        </p:spPr>
+        <p:style>
+          <a:lnRef idx="2">
+            <a:schemeClr val="accent1">
+              <a:shade val="50000"/>
+            </a:schemeClr>
+          </a:lnRef>
+          <a:fillRef idx="1">
+            <a:schemeClr val="accent1"/>
+          </a:fillRef>
+          <a:effectRef idx="0">
+            <a:schemeClr val="accent1"/>
+          </a:effectRef>
+          <a:fontRef idx="minor">
+            <a:schemeClr val="lt1"/>
+          </a:fontRef>
+        </p:style>
+        <p:txBody>
+          <a:bodyPr rtlCol="0" anchor="ctr"/>
+          <a:lstStyle/>
+          <a:p>
+            <a:pPr algn="ctr"/>
+            <a:endParaRPr lang="zh-CN" altLang="en-US" sz="1600">
+              <a:solidFill>
+                <a:schemeClr val="tx1"/>
+              </a:solidFill>
+            </a:endParaRPr>
+          </a:p>
+        </p:txBody>
+      </p:sp>
+      <p:sp>
+        <p:nvSpPr>
+          <p:cNvPr id="14" name="任意多边形: 形状 13"/>
+          <p:cNvSpPr/>
+          <p:nvPr/>
+        </p:nvSpPr>
+        <p:spPr>
+          <a:xfrm>
+            <a:off x="419285" y="258948"/>
+            <a:ext cx="923740" cy="461870"/>
+          </a:xfrm>
+          <a:custGeom>
+            <a:avLst/>
+            <a:gdLst>
+              <a:gd name="connsiteX0" fmla="*/ 0 w 923740"/>
+              <a:gd name="connsiteY0" fmla="*/ 0 h 461870"/>
+              <a:gd name="connsiteX1" fmla="*/ 923740 w 923740"/>
+              <a:gd name="connsiteY1" fmla="*/ 0 h 461870"/>
+              <a:gd name="connsiteX2" fmla="*/ 923740 w 923740"/>
+              <a:gd name="connsiteY2" fmla="*/ 461870 h 461870"/>
+              <a:gd name="connsiteX3" fmla="*/ 890513 w 923740"/>
+              <a:gd name="connsiteY3" fmla="*/ 461870 h 461870"/>
+              <a:gd name="connsiteX4" fmla="*/ 890513 w 923740"/>
+              <a:gd name="connsiteY4" fmla="*/ 33227 h 461870"/>
+              <a:gd name="connsiteX5" fmla="*/ 33227 w 923740"/>
+              <a:gd name="connsiteY5" fmla="*/ 33227 h 461870"/>
+              <a:gd name="connsiteX6" fmla="*/ 33227 w 923740"/>
+              <a:gd name="connsiteY6" fmla="*/ 461870 h 461870"/>
+              <a:gd name="connsiteX7" fmla="*/ 0 w 923740"/>
+              <a:gd name="connsiteY7" fmla="*/ 461870 h 461870"/>
+              <a:gd name="connsiteX8" fmla="*/ 0 w 923740"/>
+              <a:gd name="connsiteY8" fmla="*/ 0 h 461870"/>
+            </a:gdLst>
+            <a:ahLst/>
+            <a:cxnLst>
+              <a:cxn ang="0">
+                <a:pos x="connsiteX0" y="connsiteY0"/>
+              </a:cxn>
+              <a:cxn ang="0">
+                <a:pos x="connsiteX1" y="connsiteY1"/>
+              </a:cxn>
+              <a:cxn ang="0">
+                <a:pos x="connsiteX2" y="connsiteY2"/>
+              </a:cxn>
+              <a:cxn ang="0">
+                <a:pos x="connsiteX3" y="connsiteY3"/>
+              </a:cxn>
+              <a:cxn ang="0">
+                <a:pos x="connsiteX4" y="connsiteY4"/>
+              </a:cxn>
+              <a:cxn ang="0">
+                <a:pos x="connsiteX5" y="connsiteY5"/>
+              </a:cxn>
+              <a:cxn ang="0">
+                <a:pos x="connsiteX6" y="connsiteY6"/>
+              </a:cxn>
+              <a:cxn ang="0">
+                <a:pos x="connsiteX7" y="connsiteY7"/>
+              </a:cxn>
+              <a:cxn ang="0">
+                <a:pos x="connsiteX8" y="connsiteY8"/>
+              </a:cxn>
+            </a:cxnLst>
+            <a:rect l="l" t="t" r="r" b="b"/>
+            <a:pathLst>
+              <a:path w="923740" h="461870">
+                <a:moveTo>
+                  <a:pt x="0" y="0"/>
+                </a:moveTo>
+                <a:lnTo>
+                  <a:pt x="923740" y="0"/>
+                </a:lnTo>
+                <a:lnTo>
+                  <a:pt x="923740" y="461870"/>
+                </a:lnTo>
+                <a:lnTo>
+                  <a:pt x="890513" y="461870"/>
+                </a:lnTo>
+                <a:lnTo>
+                  <a:pt x="890513" y="33227"/>
+                </a:lnTo>
+                <a:lnTo>
+                  <a:pt x="33227" y="33227"/>
+                </a:lnTo>
+                <a:lnTo>
+                  <a:pt x="33227" y="461870"/>
+                </a:lnTo>
+                <a:lnTo>
+                  <a:pt x="0" y="461870"/>
+                </a:lnTo>
+                <a:lnTo>
+                  <a:pt x="0" y="0"/>
+                </a:lnTo>
+                <a:close/>
+              </a:path>
+            </a:pathLst>
+          </a:custGeom>
+          <a:ln>
+            <a:noFill/>
+          </a:ln>
+        </p:spPr>
+        <p:style>
+          <a:lnRef idx="2">
+            <a:schemeClr val="accent1">
+              <a:shade val="50000"/>
+            </a:schemeClr>
+          </a:lnRef>
+          <a:fillRef idx="1">
+            <a:schemeClr val="accent1"/>
+          </a:fillRef>
+          <a:effectRef idx="0">
+            <a:schemeClr val="accent1"/>
+          </a:effectRef>
+          <a:fontRef idx="minor">
+            <a:schemeClr val="lt1"/>
+          </a:fontRef>
+        </p:style>
+        <p:txBody>
+          <a:bodyPr rtlCol="0" anchor="ctr"/>
+          <a:lstStyle/>
+          <a:p>
+            <a:pPr algn="ctr"/>
+            <a:endParaRPr lang="zh-CN" altLang="en-US" sz="1600">
+              <a:solidFill>
+                <a:schemeClr val="tx1"/>
+              </a:solidFill>
+            </a:endParaRPr>
+          </a:p>
+        </p:txBody>
+      </p:sp>
+      <p:sp>
+        <p:nvSpPr>
+          <p:cNvPr id="15" name="文本框 14"/>
+          <p:cNvSpPr txBox="1"/>
+          <p:nvPr/>
+        </p:nvSpPr>
+        <p:spPr>
+          <a:xfrm>
+            <a:off x="419285" y="366875"/>
+            <a:ext cx="923740" cy="707886"/>
+          </a:xfrm>
+          <a:prstGeom prst="rect">
+            <a:avLst/>
+          </a:prstGeom>
+          <a:noFill/>
+        </p:spPr>
+        <p:txBody>
+          <a:bodyPr wrap="square" rtlCol="0">
+            <a:spAutoFit/>
+            <a:scene3d>
+              <a:camera prst="orthographicFront"/>
+              <a:lightRig rig="threePt" dir="t"/>
+            </a:scene3d>
+            <a:sp3d contourW="12700"/>
+          </a:bodyPr>
+          <a:lstStyle/>
+          <a:p>
+            <a:pPr algn="ctr"/>
+            <a:r>
+              <a:rPr lang="en-US" altLang="zh-CN" sz="4000" dirty="0">
+                <a:solidFill>
+                  <a:schemeClr val="accent1"/>
+                </a:solidFill>
+                <a:latin typeface="Century Gothic" panose="020B0502020202020204" pitchFamily="34" charset="0"/>
+              </a:rPr>
+              <a:t>02</a:t>
+            </a:r>
+            <a:endParaRPr lang="zh-CN" altLang="en-US" sz="4000" dirty="0">
+              <a:solidFill>
+                <a:schemeClr val="accent1"/>
+              </a:solidFill>
+              <a:latin typeface="Century Gothic" panose="020B0502020202020204" pitchFamily="34" charset="0"/>
+            </a:endParaRPr>
+          </a:p>
+        </p:txBody>
+      </p:sp>
+      <p:grpSp>
+        <p:nvGrpSpPr>
+          <p:cNvPr id="16" name="组合 15"/>
+          <p:cNvGrpSpPr/>
+          <p:nvPr/>
+        </p:nvGrpSpPr>
+        <p:grpSpPr>
+          <a:xfrm>
+            <a:off x="1473200" y="371475"/>
+            <a:ext cx="6951345" cy="829204"/>
+            <a:chOff x="7318011" y="1456480"/>
+            <a:chExt cx="4260761" cy="829204"/>
+          </a:xfrm>
+        </p:grpSpPr>
+        <p:sp>
+          <p:nvSpPr>
+            <p:cNvPr id="23" name="文本框 22"/>
+            <p:cNvSpPr txBox="1"/>
+            <p:nvPr/>
+          </p:nvSpPr>
+          <p:spPr>
+            <a:xfrm>
+              <a:off x="7318011" y="1456480"/>
+              <a:ext cx="4260761" cy="583565"/>
+            </a:xfrm>
+            <a:prstGeom prst="rect">
+              <a:avLst/>
+            </a:prstGeom>
+            <a:noFill/>
+          </p:spPr>
+          <p:txBody>
+            <a:bodyPr wrap="square" rtlCol="0">
+              <a:spAutoFit/>
+              <a:scene3d>
+                <a:camera prst="orthographicFront"/>
+                <a:lightRig rig="threePt" dir="t"/>
+              </a:scene3d>
+              <a:sp3d contourW="12700"/>
+            </a:bodyPr>
+            <a:lstStyle/>
+            <a:p>
+              <a:pPr algn="l"/>
+              <a:r>
+                <a:rPr lang="en-US" sz="3200" b="1" dirty="0">
+                  <a:solidFill>
+                    <a:schemeClr val="tx1">
+                      <a:lumMod val="75000"/>
+                      <a:lumOff val="25000"/>
+                    </a:schemeClr>
+                  </a:solidFill>
+                  <a:sym typeface="+mn-ea"/>
+                </a:rPr>
+                <a:t>Gitlab</a:t>
+              </a:r>
+              <a:r>
+                <a:rPr lang="zh-CN" altLang="en-US" sz="3200" b="1" dirty="0">
+                  <a:solidFill>
+                    <a:schemeClr val="tx1">
+                      <a:lumMod val="75000"/>
+                      <a:lumOff val="25000"/>
+                    </a:schemeClr>
+                  </a:solidFill>
+                  <a:sym typeface="+mn-ea"/>
+                </a:rPr>
+                <a:t>的使用</a:t>
+              </a:r>
+              <a:r>
+                <a:rPr lang="en-US" altLang="zh-CN" sz="3200" b="1" dirty="0">
+                  <a:solidFill>
+                    <a:schemeClr val="tx1">
+                      <a:lumMod val="75000"/>
+                      <a:lumOff val="25000"/>
+                    </a:schemeClr>
+                  </a:solidFill>
+                  <a:sym typeface="+mn-ea"/>
+                </a:rPr>
+                <a:t>----</a:t>
+              </a:r>
+              <a:r>
+                <a:rPr lang="en-US" sz="3200" b="1" dirty="0">
+                  <a:solidFill>
+                    <a:schemeClr val="tx1">
+                      <a:lumMod val="75000"/>
+                      <a:lumOff val="25000"/>
+                    </a:schemeClr>
+                  </a:solidFill>
+                  <a:sym typeface="+mn-ea"/>
+                </a:rPr>
+                <a:t>Collaboration</a:t>
+              </a:r>
+              <a:endParaRPr lang="en-US" sz="3200" b="1" dirty="0">
+                <a:solidFill>
+                  <a:schemeClr val="tx1">
+                    <a:lumMod val="75000"/>
+                    <a:lumOff val="25000"/>
+                  </a:schemeClr>
+                </a:solidFill>
+                <a:sym typeface="+mn-ea"/>
+              </a:endParaRPr>
+            </a:p>
+          </p:txBody>
+        </p:sp>
+        <p:sp>
+          <p:nvSpPr>
+            <p:cNvPr id="24" name="文本框 23"/>
+            <p:cNvSpPr txBox="1"/>
+            <p:nvPr/>
+          </p:nvSpPr>
+          <p:spPr>
+            <a:xfrm>
+              <a:off x="7318011" y="1984059"/>
+              <a:ext cx="4260761" cy="301625"/>
+            </a:xfrm>
+            <a:prstGeom prst="rect">
+              <a:avLst/>
+            </a:prstGeom>
+            <a:noFill/>
+          </p:spPr>
+          <p:txBody>
+            <a:bodyPr wrap="square" rtlCol="0">
+              <a:spAutoFit/>
+              <a:scene3d>
+                <a:camera prst="orthographicFront"/>
+                <a:lightRig rig="threePt" dir="t"/>
+              </a:scene3d>
+              <a:sp3d contourW="12700"/>
+            </a:bodyPr>
+            <a:lstStyle/>
+            <a:p>
+              <a:pPr algn="l">
+                <a:lnSpc>
+                  <a:spcPct val="114000"/>
+                </a:lnSpc>
+              </a:pPr>
+              <a:r>
+                <a:rPr lang="en-US" altLang="zh-CN" sz="1200" dirty="0">
+                  <a:solidFill>
+                    <a:schemeClr val="bg1">
+                      <a:lumMod val="50000"/>
+                    </a:schemeClr>
+                  </a:solidFill>
+                  <a:latin typeface="Century Gothic" panose="020B0502020202020204" pitchFamily="34" charset="0"/>
+                  <a:ea typeface="+mj-ea"/>
+                  <a:sym typeface="+mn-ea"/>
+                </a:rPr>
+                <a:t>Usage of Gitlab</a:t>
+              </a:r>
+              <a:endParaRPr lang="en-US" altLang="zh-CN" sz="1200" dirty="0">
+                <a:solidFill>
+                  <a:schemeClr val="bg1">
+                    <a:lumMod val="50000"/>
+                  </a:schemeClr>
+                </a:solidFill>
+                <a:latin typeface="Century Gothic" panose="020B0502020202020204" pitchFamily="34" charset="0"/>
+              </a:endParaRPr>
+            </a:p>
+          </p:txBody>
+        </p:sp>
+      </p:grpSp>
+      <p:pic>
+        <p:nvPicPr>
+          <p:cNvPr id="2" name="图片 1"/>
+          <p:cNvPicPr>
+            <a:picLocks noChangeAspect="1"/>
+          </p:cNvPicPr>
+          <p:nvPr/>
+        </p:nvPicPr>
+        <p:blipFill>
+          <a:blip r:embed="rId1"/>
+          <a:stretch>
+            <a:fillRect/>
+          </a:stretch>
+        </p:blipFill>
+        <p:spPr>
+          <a:xfrm>
+            <a:off x="1638300" y="1517650"/>
+            <a:ext cx="8915400" cy="5008880"/>
+          </a:xfrm>
+          <a:prstGeom prst="rect">
+            <a:avLst/>
+          </a:prstGeom>
+        </p:spPr>
+      </p:pic>
+    </p:spTree>
+  </p:cSld>
+  <p:clrMapOvr>
+    <a:masterClrMapping/>
+  </p:clrMapOvr>
+</p:sld>
+</file>
+
+<file path=ppt/slides/slide33.xml><?xml version="1.0" encoding="utf-8"?>
+<p:sld xmlns:a="http://schemas.openxmlformats.org/drawingml/2006/main" xmlns:r="http://schemas.openxmlformats.org/officeDocument/2006/relationships" xmlns:p="http://schemas.openxmlformats.org/presentationml/2006/main">
+  <p:cSld>
+    <p:spTree>
+      <p:nvGrpSpPr>
+        <p:cNvPr id="1" name=""/>
+        <p:cNvGrpSpPr/>
+        <p:nvPr/>
+      </p:nvGrpSpPr>
+      <p:grpSpPr>
+        <a:xfrm>
+          <a:off x="0" y="0"/>
+          <a:ext cx="0" cy="0"/>
+          <a:chOff x="0" y="0"/>
+          <a:chExt cx="0" cy="0"/>
+        </a:xfrm>
+      </p:grpSpPr>
+      <p:sp>
+        <p:nvSpPr>
+          <p:cNvPr id="13" name="任意多边形: 形状 12"/>
+          <p:cNvSpPr/>
+          <p:nvPr/>
+        </p:nvSpPr>
+        <p:spPr>
+          <a:xfrm>
+            <a:off x="419285" y="720818"/>
+            <a:ext cx="923740" cy="461870"/>
+          </a:xfrm>
+          <a:custGeom>
+            <a:avLst/>
+            <a:gdLst>
+              <a:gd name="connsiteX0" fmla="*/ 0 w 923740"/>
+              <a:gd name="connsiteY0" fmla="*/ 0 h 461870"/>
+              <a:gd name="connsiteX1" fmla="*/ 33227 w 923740"/>
+              <a:gd name="connsiteY1" fmla="*/ 0 h 461870"/>
+              <a:gd name="connsiteX2" fmla="*/ 33227 w 923740"/>
+              <a:gd name="connsiteY2" fmla="*/ 428643 h 461870"/>
+              <a:gd name="connsiteX3" fmla="*/ 890513 w 923740"/>
+              <a:gd name="connsiteY3" fmla="*/ 428643 h 461870"/>
+              <a:gd name="connsiteX4" fmla="*/ 890513 w 923740"/>
+              <a:gd name="connsiteY4" fmla="*/ 0 h 461870"/>
+              <a:gd name="connsiteX5" fmla="*/ 923740 w 923740"/>
+              <a:gd name="connsiteY5" fmla="*/ 0 h 461870"/>
+              <a:gd name="connsiteX6" fmla="*/ 923740 w 923740"/>
+              <a:gd name="connsiteY6" fmla="*/ 461870 h 461870"/>
+              <a:gd name="connsiteX7" fmla="*/ 0 w 923740"/>
+              <a:gd name="connsiteY7" fmla="*/ 461870 h 461870"/>
+              <a:gd name="connsiteX8" fmla="*/ 0 w 923740"/>
+              <a:gd name="connsiteY8" fmla="*/ 0 h 461870"/>
+            </a:gdLst>
+            <a:ahLst/>
+            <a:cxnLst>
+              <a:cxn ang="0">
+                <a:pos x="connsiteX0" y="connsiteY0"/>
+              </a:cxn>
+              <a:cxn ang="0">
+                <a:pos x="connsiteX1" y="connsiteY1"/>
+              </a:cxn>
+              <a:cxn ang="0">
+                <a:pos x="connsiteX2" y="connsiteY2"/>
+              </a:cxn>
+              <a:cxn ang="0">
+                <a:pos x="connsiteX3" y="connsiteY3"/>
+              </a:cxn>
+              <a:cxn ang="0">
+                <a:pos x="connsiteX4" y="connsiteY4"/>
+              </a:cxn>
+              <a:cxn ang="0">
+                <a:pos x="connsiteX5" y="connsiteY5"/>
+              </a:cxn>
+              <a:cxn ang="0">
+                <a:pos x="connsiteX6" y="connsiteY6"/>
+              </a:cxn>
+              <a:cxn ang="0">
+                <a:pos x="connsiteX7" y="connsiteY7"/>
+              </a:cxn>
+              <a:cxn ang="0">
+                <a:pos x="connsiteX8" y="connsiteY8"/>
+              </a:cxn>
+            </a:cxnLst>
+            <a:rect l="l" t="t" r="r" b="b"/>
+            <a:pathLst>
+              <a:path w="923740" h="461870">
+                <a:moveTo>
+                  <a:pt x="0" y="0"/>
+                </a:moveTo>
+                <a:lnTo>
+                  <a:pt x="33227" y="0"/>
+                </a:lnTo>
+                <a:lnTo>
+                  <a:pt x="33227" y="428643"/>
+                </a:lnTo>
+                <a:lnTo>
+                  <a:pt x="890513" y="428643"/>
+                </a:lnTo>
+                <a:lnTo>
+                  <a:pt x="890513" y="0"/>
+                </a:lnTo>
+                <a:lnTo>
+                  <a:pt x="923740" y="0"/>
+                </a:lnTo>
+                <a:lnTo>
+                  <a:pt x="923740" y="461870"/>
+                </a:lnTo>
+                <a:lnTo>
+                  <a:pt x="0" y="461870"/>
+                </a:lnTo>
+                <a:lnTo>
+                  <a:pt x="0" y="0"/>
+                </a:lnTo>
+                <a:close/>
+              </a:path>
+            </a:pathLst>
+          </a:custGeom>
+          <a:solidFill>
+            <a:schemeClr val="tx1">
+              <a:lumMod val="75000"/>
+              <a:lumOff val="25000"/>
+            </a:schemeClr>
+          </a:solidFill>
+          <a:ln>
+            <a:noFill/>
+          </a:ln>
+        </p:spPr>
+        <p:style>
+          <a:lnRef idx="2">
+            <a:schemeClr val="accent1">
+              <a:shade val="50000"/>
+            </a:schemeClr>
+          </a:lnRef>
+          <a:fillRef idx="1">
+            <a:schemeClr val="accent1"/>
+          </a:fillRef>
+          <a:effectRef idx="0">
+            <a:schemeClr val="accent1"/>
+          </a:effectRef>
+          <a:fontRef idx="minor">
+            <a:schemeClr val="lt1"/>
+          </a:fontRef>
+        </p:style>
+        <p:txBody>
+          <a:bodyPr rtlCol="0" anchor="ctr"/>
+          <a:lstStyle/>
+          <a:p>
+            <a:pPr algn="ctr"/>
+            <a:endParaRPr lang="zh-CN" altLang="en-US" sz="1600">
+              <a:solidFill>
+                <a:schemeClr val="tx1"/>
+              </a:solidFill>
+            </a:endParaRPr>
+          </a:p>
+        </p:txBody>
+      </p:sp>
+      <p:sp>
+        <p:nvSpPr>
+          <p:cNvPr id="14" name="任意多边形: 形状 13"/>
+          <p:cNvSpPr/>
+          <p:nvPr/>
+        </p:nvSpPr>
+        <p:spPr>
+          <a:xfrm>
+            <a:off x="419285" y="258948"/>
+            <a:ext cx="923740" cy="461870"/>
+          </a:xfrm>
+          <a:custGeom>
+            <a:avLst/>
+            <a:gdLst>
+              <a:gd name="connsiteX0" fmla="*/ 0 w 923740"/>
+              <a:gd name="connsiteY0" fmla="*/ 0 h 461870"/>
+              <a:gd name="connsiteX1" fmla="*/ 923740 w 923740"/>
+              <a:gd name="connsiteY1" fmla="*/ 0 h 461870"/>
+              <a:gd name="connsiteX2" fmla="*/ 923740 w 923740"/>
+              <a:gd name="connsiteY2" fmla="*/ 461870 h 461870"/>
+              <a:gd name="connsiteX3" fmla="*/ 890513 w 923740"/>
+              <a:gd name="connsiteY3" fmla="*/ 461870 h 461870"/>
+              <a:gd name="connsiteX4" fmla="*/ 890513 w 923740"/>
+              <a:gd name="connsiteY4" fmla="*/ 33227 h 461870"/>
+              <a:gd name="connsiteX5" fmla="*/ 33227 w 923740"/>
+              <a:gd name="connsiteY5" fmla="*/ 33227 h 461870"/>
+              <a:gd name="connsiteX6" fmla="*/ 33227 w 923740"/>
+              <a:gd name="connsiteY6" fmla="*/ 461870 h 461870"/>
+              <a:gd name="connsiteX7" fmla="*/ 0 w 923740"/>
+              <a:gd name="connsiteY7" fmla="*/ 461870 h 461870"/>
+              <a:gd name="connsiteX8" fmla="*/ 0 w 923740"/>
+              <a:gd name="connsiteY8" fmla="*/ 0 h 461870"/>
+            </a:gdLst>
+            <a:ahLst/>
+            <a:cxnLst>
+              <a:cxn ang="0">
+                <a:pos x="connsiteX0" y="connsiteY0"/>
+              </a:cxn>
+              <a:cxn ang="0">
+                <a:pos x="connsiteX1" y="connsiteY1"/>
+              </a:cxn>
+              <a:cxn ang="0">
+                <a:pos x="connsiteX2" y="connsiteY2"/>
+              </a:cxn>
+              <a:cxn ang="0">
+                <a:pos x="connsiteX3" y="connsiteY3"/>
+              </a:cxn>
+              <a:cxn ang="0">
+                <a:pos x="connsiteX4" y="connsiteY4"/>
+              </a:cxn>
+              <a:cxn ang="0">
+                <a:pos x="connsiteX5" y="connsiteY5"/>
+              </a:cxn>
+              <a:cxn ang="0">
+                <a:pos x="connsiteX6" y="connsiteY6"/>
+              </a:cxn>
+              <a:cxn ang="0">
+                <a:pos x="connsiteX7" y="connsiteY7"/>
+              </a:cxn>
+              <a:cxn ang="0">
+                <a:pos x="connsiteX8" y="connsiteY8"/>
+              </a:cxn>
+            </a:cxnLst>
+            <a:rect l="l" t="t" r="r" b="b"/>
+            <a:pathLst>
+              <a:path w="923740" h="461870">
+                <a:moveTo>
+                  <a:pt x="0" y="0"/>
+                </a:moveTo>
+                <a:lnTo>
+                  <a:pt x="923740" y="0"/>
+                </a:lnTo>
+                <a:lnTo>
+                  <a:pt x="923740" y="461870"/>
+                </a:lnTo>
+                <a:lnTo>
+                  <a:pt x="890513" y="461870"/>
+                </a:lnTo>
+                <a:lnTo>
+                  <a:pt x="890513" y="33227"/>
+                </a:lnTo>
+                <a:lnTo>
+                  <a:pt x="33227" y="33227"/>
+                </a:lnTo>
+                <a:lnTo>
+                  <a:pt x="33227" y="461870"/>
+                </a:lnTo>
+                <a:lnTo>
+                  <a:pt x="0" y="461870"/>
+                </a:lnTo>
+                <a:lnTo>
+                  <a:pt x="0" y="0"/>
+                </a:lnTo>
+                <a:close/>
+              </a:path>
+            </a:pathLst>
+          </a:custGeom>
+          <a:ln>
+            <a:noFill/>
+          </a:ln>
+        </p:spPr>
+        <p:style>
+          <a:lnRef idx="2">
+            <a:schemeClr val="accent1">
+              <a:shade val="50000"/>
+            </a:schemeClr>
+          </a:lnRef>
+          <a:fillRef idx="1">
+            <a:schemeClr val="accent1"/>
+          </a:fillRef>
+          <a:effectRef idx="0">
+            <a:schemeClr val="accent1"/>
+          </a:effectRef>
+          <a:fontRef idx="minor">
+            <a:schemeClr val="lt1"/>
+          </a:fontRef>
+        </p:style>
+        <p:txBody>
+          <a:bodyPr rtlCol="0" anchor="ctr"/>
+          <a:lstStyle/>
+          <a:p>
+            <a:pPr algn="ctr"/>
+            <a:endParaRPr lang="zh-CN" altLang="en-US" sz="1600">
+              <a:solidFill>
+                <a:schemeClr val="tx1"/>
+              </a:solidFill>
+            </a:endParaRPr>
+          </a:p>
+        </p:txBody>
+      </p:sp>
+      <p:sp>
+        <p:nvSpPr>
+          <p:cNvPr id="15" name="文本框 14"/>
+          <p:cNvSpPr txBox="1"/>
+          <p:nvPr/>
+        </p:nvSpPr>
+        <p:spPr>
+          <a:xfrm>
+            <a:off x="419285" y="366875"/>
+            <a:ext cx="923740" cy="707886"/>
+          </a:xfrm>
+          <a:prstGeom prst="rect">
+            <a:avLst/>
+          </a:prstGeom>
+          <a:noFill/>
+        </p:spPr>
+        <p:txBody>
+          <a:bodyPr wrap="square" rtlCol="0">
+            <a:spAutoFit/>
+            <a:scene3d>
+              <a:camera prst="orthographicFront"/>
+              <a:lightRig rig="threePt" dir="t"/>
+            </a:scene3d>
+            <a:sp3d contourW="12700"/>
+          </a:bodyPr>
+          <a:lstStyle/>
+          <a:p>
+            <a:pPr algn="ctr"/>
+            <a:r>
+              <a:rPr lang="en-US" altLang="zh-CN" sz="4000" dirty="0">
+                <a:solidFill>
+                  <a:schemeClr val="accent1"/>
+                </a:solidFill>
+                <a:latin typeface="Century Gothic" panose="020B0502020202020204" pitchFamily="34" charset="0"/>
+              </a:rPr>
+              <a:t>02</a:t>
+            </a:r>
+            <a:endParaRPr lang="zh-CN" altLang="en-US" sz="4000" dirty="0">
+              <a:solidFill>
+                <a:schemeClr val="accent1"/>
+              </a:solidFill>
+              <a:latin typeface="Century Gothic" panose="020B0502020202020204" pitchFamily="34" charset="0"/>
+            </a:endParaRPr>
+          </a:p>
+        </p:txBody>
+      </p:sp>
+      <p:grpSp>
+        <p:nvGrpSpPr>
+          <p:cNvPr id="16" name="组合 15"/>
+          <p:cNvGrpSpPr/>
+          <p:nvPr/>
+        </p:nvGrpSpPr>
+        <p:grpSpPr>
+          <a:xfrm>
+            <a:off x="1473200" y="371475"/>
+            <a:ext cx="6951345" cy="829204"/>
+            <a:chOff x="7318011" y="1456480"/>
+            <a:chExt cx="4260761" cy="829204"/>
+          </a:xfrm>
+        </p:grpSpPr>
+        <p:sp>
+          <p:nvSpPr>
+            <p:cNvPr id="23" name="文本框 22"/>
+            <p:cNvSpPr txBox="1"/>
+            <p:nvPr/>
+          </p:nvSpPr>
+          <p:spPr>
+            <a:xfrm>
+              <a:off x="7318011" y="1456480"/>
+              <a:ext cx="4260761" cy="583565"/>
+            </a:xfrm>
+            <a:prstGeom prst="rect">
+              <a:avLst/>
+            </a:prstGeom>
+            <a:noFill/>
+          </p:spPr>
+          <p:txBody>
+            <a:bodyPr wrap="square" rtlCol="0">
+              <a:spAutoFit/>
+              <a:scene3d>
+                <a:camera prst="orthographicFront"/>
+                <a:lightRig rig="threePt" dir="t"/>
+              </a:scene3d>
+              <a:sp3d contourW="12700"/>
+            </a:bodyPr>
+            <a:lstStyle/>
+            <a:p>
+              <a:pPr algn="l"/>
+              <a:r>
+                <a:rPr lang="en-US" sz="3200" b="1" dirty="0">
+                  <a:solidFill>
+                    <a:schemeClr val="tx1">
+                      <a:lumMod val="75000"/>
+                      <a:lumOff val="25000"/>
+                    </a:schemeClr>
+                  </a:solidFill>
+                  <a:sym typeface="+mn-ea"/>
+                </a:rPr>
+                <a:t>Gitlab</a:t>
+              </a:r>
+              <a:r>
+                <a:rPr lang="zh-CN" altLang="en-US" sz="3200" b="1" dirty="0">
+                  <a:solidFill>
+                    <a:schemeClr val="tx1">
+                      <a:lumMod val="75000"/>
+                      <a:lumOff val="25000"/>
+                    </a:schemeClr>
+                  </a:solidFill>
+                  <a:sym typeface="+mn-ea"/>
+                </a:rPr>
+                <a:t>的使用</a:t>
+              </a:r>
+              <a:r>
+                <a:rPr lang="en-US" altLang="zh-CN" sz="3200" b="1" dirty="0">
+                  <a:solidFill>
+                    <a:schemeClr val="tx1">
+                      <a:lumMod val="75000"/>
+                      <a:lumOff val="25000"/>
+                    </a:schemeClr>
+                  </a:solidFill>
+                  <a:sym typeface="+mn-ea"/>
+                </a:rPr>
+                <a:t>----</a:t>
+              </a:r>
+              <a:r>
+                <a:rPr lang="en-US" sz="3200" b="1" dirty="0">
+                  <a:solidFill>
+                    <a:schemeClr val="tx1">
+                      <a:lumMod val="75000"/>
+                      <a:lumOff val="25000"/>
+                    </a:schemeClr>
+                  </a:solidFill>
+                  <a:sym typeface="+mn-ea"/>
+                </a:rPr>
+                <a:t>Collaboration</a:t>
+              </a:r>
+              <a:endParaRPr lang="en-US" sz="3200" b="1" dirty="0">
+                <a:solidFill>
+                  <a:schemeClr val="tx1">
+                    <a:lumMod val="75000"/>
+                    <a:lumOff val="25000"/>
+                  </a:schemeClr>
+                </a:solidFill>
+                <a:sym typeface="+mn-ea"/>
+              </a:endParaRPr>
+            </a:p>
+          </p:txBody>
+        </p:sp>
+        <p:sp>
+          <p:nvSpPr>
+            <p:cNvPr id="24" name="文本框 23"/>
+            <p:cNvSpPr txBox="1"/>
+            <p:nvPr/>
+          </p:nvSpPr>
+          <p:spPr>
+            <a:xfrm>
+              <a:off x="7318011" y="1984059"/>
+              <a:ext cx="4260761" cy="301625"/>
+            </a:xfrm>
+            <a:prstGeom prst="rect">
+              <a:avLst/>
+            </a:prstGeom>
+            <a:noFill/>
+          </p:spPr>
+          <p:txBody>
+            <a:bodyPr wrap="square" rtlCol="0">
+              <a:spAutoFit/>
+              <a:scene3d>
+                <a:camera prst="orthographicFront"/>
+                <a:lightRig rig="threePt" dir="t"/>
+              </a:scene3d>
+              <a:sp3d contourW="12700"/>
+            </a:bodyPr>
+            <a:lstStyle/>
+            <a:p>
+              <a:pPr algn="l">
+                <a:lnSpc>
+                  <a:spcPct val="114000"/>
+                </a:lnSpc>
+              </a:pPr>
+              <a:r>
+                <a:rPr lang="en-US" altLang="zh-CN" sz="1200" dirty="0">
+                  <a:solidFill>
+                    <a:schemeClr val="bg1">
+                      <a:lumMod val="50000"/>
+                    </a:schemeClr>
+                  </a:solidFill>
+                  <a:latin typeface="Century Gothic" panose="020B0502020202020204" pitchFamily="34" charset="0"/>
+                  <a:ea typeface="+mj-ea"/>
+                  <a:sym typeface="+mn-ea"/>
+                </a:rPr>
+                <a:t>Usage of Gitlab</a:t>
+              </a:r>
+              <a:endParaRPr lang="en-US" altLang="zh-CN" sz="1200" dirty="0">
+                <a:solidFill>
+                  <a:schemeClr val="bg1">
+                    <a:lumMod val="50000"/>
+                  </a:schemeClr>
+                </a:solidFill>
+                <a:latin typeface="Century Gothic" panose="020B0502020202020204" pitchFamily="34" charset="0"/>
+              </a:endParaRPr>
+            </a:p>
+          </p:txBody>
+        </p:sp>
+      </p:grpSp>
+      <p:pic>
+        <p:nvPicPr>
+          <p:cNvPr id="3" name="图片 2"/>
+          <p:cNvPicPr>
+            <a:picLocks noChangeAspect="1"/>
+          </p:cNvPicPr>
+          <p:nvPr/>
+        </p:nvPicPr>
+        <p:blipFill>
+          <a:blip r:embed="rId1"/>
+          <a:stretch>
+            <a:fillRect/>
+          </a:stretch>
+        </p:blipFill>
+        <p:spPr>
+          <a:xfrm>
+            <a:off x="1706880" y="1703070"/>
+            <a:ext cx="8778240" cy="4375785"/>
+          </a:xfrm>
+          <a:prstGeom prst="rect">
+            <a:avLst/>
+          </a:prstGeom>
+        </p:spPr>
+      </p:pic>
+    </p:spTree>
+  </p:cSld>
+  <p:clrMapOvr>
+    <a:masterClrMapping/>
+  </p:clrMapOvr>
+</p:sld>
+</file>
+
+<file path=ppt/slides/slide34.xml><?xml version="1.0" encoding="utf-8"?>
+<p:sld xmlns:a="http://schemas.openxmlformats.org/drawingml/2006/main" xmlns:r="http://schemas.openxmlformats.org/officeDocument/2006/relationships" xmlns:p="http://schemas.openxmlformats.org/presentationml/2006/main">
+  <p:cSld>
+    <p:spTree>
+      <p:nvGrpSpPr>
+        <p:cNvPr id="1" name=""/>
+        <p:cNvGrpSpPr/>
+        <p:nvPr/>
+      </p:nvGrpSpPr>
+      <p:grpSpPr>
+        <a:xfrm>
+          <a:off x="0" y="0"/>
+          <a:ext cx="0" cy="0"/>
+          <a:chOff x="0" y="0"/>
+          <a:chExt cx="0" cy="0"/>
+        </a:xfrm>
+      </p:grpSpPr>
+      <p:sp>
+        <p:nvSpPr>
           <p:cNvPr id="4" name="菱形 3"/>
           <p:cNvSpPr/>
           <p:nvPr/>
@@ -20619,7 +23259,7 @@
 </p:sld>
 </file>
 
-<file path=ppt/slides/slide31.xml><?xml version="1.0" encoding="utf-8"?>
+<file path=ppt/slides/slide35.xml><?xml version="1.0" encoding="utf-8"?>
 <p:sld xmlns:a="http://schemas.openxmlformats.org/drawingml/2006/main" xmlns:r="http://schemas.openxmlformats.org/officeDocument/2006/relationships" xmlns:p="http://schemas.openxmlformats.org/presentationml/2006/main">
   <p:cSld>
     <p:spTree>
@@ -21209,7 +23849,7 @@
 </p:sld>
 </file>
 
-<file path=ppt/slides/slide32.xml><?xml version="1.0" encoding="utf-8"?>
+<file path=ppt/slides/slide36.xml><?xml version="1.0" encoding="utf-8"?>
 <p:sld xmlns:a="http://schemas.openxmlformats.org/drawingml/2006/main" xmlns:r="http://schemas.openxmlformats.org/officeDocument/2006/relationships" xmlns:p="http://schemas.openxmlformats.org/presentationml/2006/main">
   <p:cSld>
     <p:spTree>
@@ -21817,7 +24457,7 @@
 </p:sld>
 </file>
 
-<file path=ppt/slides/slide33.xml><?xml version="1.0" encoding="utf-8"?>
+<file path=ppt/slides/slide37.xml><?xml version="1.0" encoding="utf-8"?>
 <p:sld xmlns:a="http://schemas.openxmlformats.org/drawingml/2006/main" xmlns:r="http://schemas.openxmlformats.org/officeDocument/2006/relationships" xmlns:p="http://schemas.openxmlformats.org/presentationml/2006/main">
   <p:cSld>
     <p:spTree>
@@ -22383,7 +25023,7 @@
 </p:sld>
 </file>
 
-<file path=ppt/slides/slide34.xml><?xml version="1.0" encoding="utf-8"?>
+<file path=ppt/slides/slide38.xml><?xml version="1.0" encoding="utf-8"?>
 <p:sld xmlns:a="http://schemas.openxmlformats.org/drawingml/2006/main" xmlns:r="http://schemas.openxmlformats.org/officeDocument/2006/relationships" xmlns:p="http://schemas.openxmlformats.org/presentationml/2006/main">
   <p:cSld>
     <p:spTree>
@@ -22991,7 +25631,7 @@
 </p:sld>
 </file>
 
-<file path=ppt/slides/slide35.xml><?xml version="1.0" encoding="utf-8"?>
+<file path=ppt/slides/slide39.xml><?xml version="1.0" encoding="utf-8"?>
 <p:sld xmlns:a="http://schemas.openxmlformats.org/drawingml/2006/main" xmlns:r="http://schemas.openxmlformats.org/officeDocument/2006/relationships" xmlns:p="http://schemas.openxmlformats.org/presentationml/2006/main">
   <p:cSld>
     <p:spTree>
@@ -23612,2166 +26252,6 @@
           <a:xfrm>
             <a:off x="1176020" y="2885440"/>
             <a:ext cx="9511030" cy="3668395"/>
-          </a:xfrm>
-          <a:prstGeom prst="rect">
-            <a:avLst/>
-          </a:prstGeom>
-        </p:spPr>
-      </p:pic>
-    </p:spTree>
-  </p:cSld>
-  <p:clrMapOvr>
-    <a:masterClrMapping/>
-  </p:clrMapOvr>
-</p:sld>
-</file>
-
-<file path=ppt/slides/slide36.xml><?xml version="1.0" encoding="utf-8"?>
-<p:sld xmlns:a="http://schemas.openxmlformats.org/drawingml/2006/main" xmlns:r="http://schemas.openxmlformats.org/officeDocument/2006/relationships" xmlns:p="http://schemas.openxmlformats.org/presentationml/2006/main">
-  <p:cSld>
-    <p:spTree>
-      <p:nvGrpSpPr>
-        <p:cNvPr id="1" name=""/>
-        <p:cNvGrpSpPr/>
-        <p:nvPr/>
-      </p:nvGrpSpPr>
-      <p:grpSpPr>
-        <a:xfrm>
-          <a:off x="0" y="0"/>
-          <a:ext cx="0" cy="0"/>
-          <a:chOff x="0" y="0"/>
-          <a:chExt cx="0" cy="0"/>
-        </a:xfrm>
-      </p:grpSpPr>
-      <p:sp>
-        <p:nvSpPr>
-          <p:cNvPr id="4" name="菱形 3"/>
-          <p:cNvSpPr/>
-          <p:nvPr/>
-        </p:nvSpPr>
-        <p:spPr>
-          <a:xfrm>
-            <a:off x="2870200" y="139785"/>
-            <a:ext cx="6451600" cy="6451600"/>
-          </a:xfrm>
-          <a:prstGeom prst="diamond">
-            <a:avLst/>
-          </a:prstGeom>
-          <a:noFill/>
-          <a:ln w="57150">
-            <a:solidFill>
-              <a:schemeClr val="bg1">
-                <a:lumMod val="95000"/>
-              </a:schemeClr>
-            </a:solidFill>
-          </a:ln>
-        </p:spPr>
-        <p:style>
-          <a:lnRef idx="2">
-            <a:schemeClr val="accent1">
-              <a:shade val="50000"/>
-            </a:schemeClr>
-          </a:lnRef>
-          <a:fillRef idx="1">
-            <a:schemeClr val="accent1"/>
-          </a:fillRef>
-          <a:effectRef idx="0">
-            <a:schemeClr val="accent1"/>
-          </a:effectRef>
-          <a:fontRef idx="minor">
-            <a:schemeClr val="lt1"/>
-          </a:fontRef>
-        </p:style>
-        <p:txBody>
-          <a:bodyPr rtlCol="0" anchor="ctr"/>
-          <a:lstStyle/>
-          <a:p>
-            <a:pPr algn="ctr"/>
-            <a:endParaRPr lang="zh-CN" altLang="en-US"/>
-          </a:p>
-        </p:txBody>
-      </p:sp>
-      <p:sp>
-        <p:nvSpPr>
-          <p:cNvPr id="8" name="任意多边形: 形状 7"/>
-          <p:cNvSpPr/>
-          <p:nvPr/>
-        </p:nvSpPr>
-        <p:spPr>
-          <a:xfrm>
-            <a:off x="0" y="0"/>
-            <a:ext cx="12192000" cy="3239357"/>
-          </a:xfrm>
-          <a:custGeom>
-            <a:avLst/>
-            <a:gdLst>
-              <a:gd name="connsiteX0" fmla="*/ 0 w 12192000"/>
-              <a:gd name="connsiteY0" fmla="*/ 0 h 3429000"/>
-              <a:gd name="connsiteX1" fmla="*/ 12192000 w 12192000"/>
-              <a:gd name="connsiteY1" fmla="*/ 0 h 3429000"/>
-              <a:gd name="connsiteX2" fmla="*/ 12192000 w 12192000"/>
-              <a:gd name="connsiteY2" fmla="*/ 3429000 h 3429000"/>
-              <a:gd name="connsiteX3" fmla="*/ 8705850 w 12192000"/>
-              <a:gd name="connsiteY3" fmla="*/ 3429000 h 3429000"/>
-              <a:gd name="connsiteX4" fmla="*/ 8640080 w 12192000"/>
-              <a:gd name="connsiteY4" fmla="*/ 3429000 h 3429000"/>
-              <a:gd name="connsiteX5" fmla="*/ 3551920 w 12192000"/>
-              <a:gd name="connsiteY5" fmla="*/ 3429000 h 3429000"/>
-              <a:gd name="connsiteX6" fmla="*/ 3486150 w 12192000"/>
-              <a:gd name="connsiteY6" fmla="*/ 3429000 h 3429000"/>
-              <a:gd name="connsiteX7" fmla="*/ 0 w 12192000"/>
-              <a:gd name="connsiteY7" fmla="*/ 3429000 h 3429000"/>
-            </a:gdLst>
-            <a:ahLst/>
-            <a:cxnLst>
-              <a:cxn ang="0">
-                <a:pos x="connsiteX0" y="connsiteY0"/>
-              </a:cxn>
-              <a:cxn ang="0">
-                <a:pos x="connsiteX1" y="connsiteY1"/>
-              </a:cxn>
-              <a:cxn ang="0">
-                <a:pos x="connsiteX2" y="connsiteY2"/>
-              </a:cxn>
-              <a:cxn ang="0">
-                <a:pos x="connsiteX3" y="connsiteY3"/>
-              </a:cxn>
-              <a:cxn ang="0">
-                <a:pos x="connsiteX4" y="connsiteY4"/>
-              </a:cxn>
-              <a:cxn ang="0">
-                <a:pos x="connsiteX5" y="connsiteY5"/>
-              </a:cxn>
-              <a:cxn ang="0">
-                <a:pos x="connsiteX6" y="connsiteY6"/>
-              </a:cxn>
-              <a:cxn ang="0">
-                <a:pos x="connsiteX7" y="connsiteY7"/>
-              </a:cxn>
-            </a:cxnLst>
-            <a:rect l="l" t="t" r="r" b="b"/>
-            <a:pathLst>
-              <a:path w="12192000" h="3429000">
-                <a:moveTo>
-                  <a:pt x="0" y="0"/>
-                </a:moveTo>
-                <a:lnTo>
-                  <a:pt x="12192000" y="0"/>
-                </a:lnTo>
-                <a:lnTo>
-                  <a:pt x="12192000" y="3429000"/>
-                </a:lnTo>
-                <a:lnTo>
-                  <a:pt x="8705850" y="3429000"/>
-                </a:lnTo>
-                <a:lnTo>
-                  <a:pt x="8640080" y="3429000"/>
-                </a:lnTo>
-                <a:lnTo>
-                  <a:pt x="3551920" y="3429000"/>
-                </a:lnTo>
-                <a:lnTo>
-                  <a:pt x="3486150" y="3429000"/>
-                </a:lnTo>
-                <a:lnTo>
-                  <a:pt x="0" y="3429000"/>
-                </a:lnTo>
-                <a:close/>
-              </a:path>
-            </a:pathLst>
-          </a:custGeom>
-          <a:blipFill>
-            <a:blip r:embed="rId1"/>
-            <a:tile tx="6350" ty="-215900" sx="89000" sy="89000" flip="none" algn="ctr"/>
-          </a:blipFill>
-          <a:ln>
-            <a:noFill/>
-          </a:ln>
-        </p:spPr>
-        <p:style>
-          <a:lnRef idx="2">
-            <a:schemeClr val="accent1">
-              <a:shade val="50000"/>
-            </a:schemeClr>
-          </a:lnRef>
-          <a:fillRef idx="1">
-            <a:schemeClr val="accent1"/>
-          </a:fillRef>
-          <a:effectRef idx="0">
-            <a:schemeClr val="accent1"/>
-          </a:effectRef>
-          <a:fontRef idx="minor">
-            <a:schemeClr val="lt1"/>
-          </a:fontRef>
-        </p:style>
-        <p:txBody>
-          <a:bodyPr rtlCol="0" anchor="ctr"/>
-          <a:lstStyle/>
-          <a:p>
-            <a:pPr algn="ctr"/>
-            <a:endParaRPr lang="zh-CN" altLang="en-US"/>
-          </a:p>
-        </p:txBody>
-      </p:sp>
-      <p:sp>
-        <p:nvSpPr>
-          <p:cNvPr id="3" name="任意多边形: 形状 2"/>
-          <p:cNvSpPr/>
-          <p:nvPr/>
-        </p:nvSpPr>
-        <p:spPr>
-          <a:xfrm>
-            <a:off x="0" y="0"/>
-            <a:ext cx="12192000" cy="3239357"/>
-          </a:xfrm>
-          <a:custGeom>
-            <a:avLst/>
-            <a:gdLst>
-              <a:gd name="connsiteX0" fmla="*/ 0 w 12192000"/>
-              <a:gd name="connsiteY0" fmla="*/ 0 h 3429000"/>
-              <a:gd name="connsiteX1" fmla="*/ 12192000 w 12192000"/>
-              <a:gd name="connsiteY1" fmla="*/ 0 h 3429000"/>
-              <a:gd name="connsiteX2" fmla="*/ 12192000 w 12192000"/>
-              <a:gd name="connsiteY2" fmla="*/ 3429000 h 3429000"/>
-              <a:gd name="connsiteX3" fmla="*/ 8705850 w 12192000"/>
-              <a:gd name="connsiteY3" fmla="*/ 3429000 h 3429000"/>
-              <a:gd name="connsiteX4" fmla="*/ 8640080 w 12192000"/>
-              <a:gd name="connsiteY4" fmla="*/ 3429000 h 3429000"/>
-              <a:gd name="connsiteX5" fmla="*/ 3551920 w 12192000"/>
-              <a:gd name="connsiteY5" fmla="*/ 3429000 h 3429000"/>
-              <a:gd name="connsiteX6" fmla="*/ 3486150 w 12192000"/>
-              <a:gd name="connsiteY6" fmla="*/ 3429000 h 3429000"/>
-              <a:gd name="connsiteX7" fmla="*/ 0 w 12192000"/>
-              <a:gd name="connsiteY7" fmla="*/ 3429000 h 3429000"/>
-            </a:gdLst>
-            <a:ahLst/>
-            <a:cxnLst>
-              <a:cxn ang="0">
-                <a:pos x="connsiteX0" y="connsiteY0"/>
-              </a:cxn>
-              <a:cxn ang="0">
-                <a:pos x="connsiteX1" y="connsiteY1"/>
-              </a:cxn>
-              <a:cxn ang="0">
-                <a:pos x="connsiteX2" y="connsiteY2"/>
-              </a:cxn>
-              <a:cxn ang="0">
-                <a:pos x="connsiteX3" y="connsiteY3"/>
-              </a:cxn>
-              <a:cxn ang="0">
-                <a:pos x="connsiteX4" y="connsiteY4"/>
-              </a:cxn>
-              <a:cxn ang="0">
-                <a:pos x="connsiteX5" y="connsiteY5"/>
-              </a:cxn>
-              <a:cxn ang="0">
-                <a:pos x="connsiteX6" y="connsiteY6"/>
-              </a:cxn>
-              <a:cxn ang="0">
-                <a:pos x="connsiteX7" y="connsiteY7"/>
-              </a:cxn>
-            </a:cxnLst>
-            <a:rect l="l" t="t" r="r" b="b"/>
-            <a:pathLst>
-              <a:path w="12192000" h="3429000">
-                <a:moveTo>
-                  <a:pt x="0" y="0"/>
-                </a:moveTo>
-                <a:lnTo>
-                  <a:pt x="12192000" y="0"/>
-                </a:lnTo>
-                <a:lnTo>
-                  <a:pt x="12192000" y="3429000"/>
-                </a:lnTo>
-                <a:lnTo>
-                  <a:pt x="8705850" y="3429000"/>
-                </a:lnTo>
-                <a:lnTo>
-                  <a:pt x="8640080" y="3429000"/>
-                </a:lnTo>
-                <a:lnTo>
-                  <a:pt x="3551920" y="3429000"/>
-                </a:lnTo>
-                <a:lnTo>
-                  <a:pt x="3486150" y="3429000"/>
-                </a:lnTo>
-                <a:lnTo>
-                  <a:pt x="0" y="3429000"/>
-                </a:lnTo>
-                <a:close/>
-              </a:path>
-            </a:pathLst>
-          </a:custGeom>
-          <a:gradFill>
-            <a:gsLst>
-              <a:gs pos="0">
-                <a:schemeClr val="tx1">
-                  <a:alpha val="50000"/>
-                </a:schemeClr>
-              </a:gs>
-              <a:gs pos="100000">
-                <a:schemeClr val="tx1">
-                  <a:lumMod val="95000"/>
-                  <a:lumOff val="5000"/>
-                </a:schemeClr>
-              </a:gs>
-            </a:gsLst>
-            <a:lin ang="5400000" scaled="1"/>
-          </a:gradFill>
-          <a:ln>
-            <a:noFill/>
-          </a:ln>
-        </p:spPr>
-        <p:style>
-          <a:lnRef idx="2">
-            <a:schemeClr val="accent1">
-              <a:shade val="50000"/>
-            </a:schemeClr>
-          </a:lnRef>
-          <a:fillRef idx="1">
-            <a:schemeClr val="accent1"/>
-          </a:fillRef>
-          <a:effectRef idx="0">
-            <a:schemeClr val="accent1"/>
-          </a:effectRef>
-          <a:fontRef idx="minor">
-            <a:schemeClr val="lt1"/>
-          </a:fontRef>
-        </p:style>
-        <p:txBody>
-          <a:bodyPr rtlCol="0" anchor="ctr"/>
-          <a:lstStyle/>
-          <a:p>
-            <a:pPr algn="ctr"/>
-            <a:endParaRPr lang="zh-CN" altLang="en-US"/>
-          </a:p>
-        </p:txBody>
-      </p:sp>
-      <p:sp>
-        <p:nvSpPr>
-          <p:cNvPr id="2" name="图文框 1"/>
-          <p:cNvSpPr/>
-          <p:nvPr/>
-        </p:nvSpPr>
-        <p:spPr>
-          <a:xfrm>
-            <a:off x="4747911" y="1259013"/>
-            <a:ext cx="2696178" cy="3909888"/>
-          </a:xfrm>
-          <a:prstGeom prst="frame">
-            <a:avLst>
-              <a:gd name="adj1" fmla="val 2586"/>
-            </a:avLst>
-          </a:prstGeom>
-          <a:ln>
-            <a:noFill/>
-          </a:ln>
-        </p:spPr>
-        <p:style>
-          <a:lnRef idx="2">
-            <a:schemeClr val="accent1">
-              <a:shade val="50000"/>
-            </a:schemeClr>
-          </a:lnRef>
-          <a:fillRef idx="1">
-            <a:schemeClr val="accent1"/>
-          </a:fillRef>
-          <a:effectRef idx="0">
-            <a:schemeClr val="accent1"/>
-          </a:effectRef>
-          <a:fontRef idx="minor">
-            <a:schemeClr val="lt1"/>
-          </a:fontRef>
-        </p:style>
-        <p:txBody>
-          <a:bodyPr rtlCol="0" anchor="ctr"/>
-          <a:lstStyle/>
-          <a:p>
-            <a:pPr algn="ctr"/>
-            <a:endParaRPr lang="zh-CN" altLang="en-US">
-              <a:solidFill>
-                <a:schemeClr val="tx1"/>
-              </a:solidFill>
-            </a:endParaRPr>
-          </a:p>
-        </p:txBody>
-      </p:sp>
-      <p:sp>
-        <p:nvSpPr>
-          <p:cNvPr id="5" name="文本框 4"/>
-          <p:cNvSpPr txBox="1"/>
-          <p:nvPr/>
-        </p:nvSpPr>
-        <p:spPr>
-          <a:xfrm>
-            <a:off x="4864100" y="3408144"/>
-            <a:ext cx="2463800" cy="1568450"/>
-          </a:xfrm>
-          <a:prstGeom prst="rect">
-            <a:avLst/>
-          </a:prstGeom>
-          <a:noFill/>
-        </p:spPr>
-        <p:txBody>
-          <a:bodyPr wrap="square" rtlCol="0">
-            <a:spAutoFit/>
-            <a:scene3d>
-              <a:camera prst="orthographicFront"/>
-              <a:lightRig rig="threePt" dir="t"/>
-            </a:scene3d>
-            <a:sp3d contourW="12700"/>
-          </a:bodyPr>
-          <a:lstStyle/>
-          <a:p>
-            <a:pPr algn="ctr"/>
-            <a:r>
-              <a:rPr lang="zh-CN" altLang="en-US" sz="4800" b="1" dirty="0">
-                <a:solidFill>
-                  <a:schemeClr val="tx1">
-                    <a:lumMod val="75000"/>
-                    <a:lumOff val="25000"/>
-                  </a:schemeClr>
-                </a:solidFill>
-              </a:rPr>
-              <a:t>单元</a:t>
-            </a:r>
-            <a:endParaRPr lang="zh-CN" altLang="en-US" sz="4800" b="1" dirty="0">
-              <a:solidFill>
-                <a:schemeClr val="tx1">
-                  <a:lumMod val="75000"/>
-                  <a:lumOff val="25000"/>
-                </a:schemeClr>
-              </a:solidFill>
-            </a:endParaRPr>
-          </a:p>
-          <a:p>
-            <a:pPr algn="ctr"/>
-            <a:r>
-              <a:rPr lang="zh-CN" altLang="en-US" sz="4800" b="1" dirty="0">
-                <a:solidFill>
-                  <a:schemeClr val="tx1">
-                    <a:lumMod val="75000"/>
-                    <a:lumOff val="25000"/>
-                  </a:schemeClr>
-                </a:solidFill>
-              </a:rPr>
-              <a:t>测试</a:t>
-            </a:r>
-            <a:endParaRPr lang="zh-CN" altLang="en-US" sz="4800" b="1" dirty="0">
-              <a:solidFill>
-                <a:schemeClr val="tx1">
-                  <a:lumMod val="75000"/>
-                  <a:lumOff val="25000"/>
-                </a:schemeClr>
-              </a:solidFill>
-            </a:endParaRPr>
-          </a:p>
-        </p:txBody>
-      </p:sp>
-      <p:sp>
-        <p:nvSpPr>
-          <p:cNvPr id="6" name="文本框 5"/>
-          <p:cNvSpPr txBox="1"/>
-          <p:nvPr/>
-        </p:nvSpPr>
-        <p:spPr>
-          <a:xfrm>
-            <a:off x="4864100" y="1482574"/>
-            <a:ext cx="2463800" cy="1569660"/>
-          </a:xfrm>
-          <a:prstGeom prst="rect">
-            <a:avLst/>
-          </a:prstGeom>
-          <a:noFill/>
-        </p:spPr>
-        <p:txBody>
-          <a:bodyPr wrap="square" rtlCol="0">
-            <a:spAutoFit/>
-            <a:scene3d>
-              <a:camera prst="orthographicFront"/>
-              <a:lightRig rig="threePt" dir="t"/>
-            </a:scene3d>
-            <a:sp3d contourW="12700"/>
-          </a:bodyPr>
-          <a:lstStyle/>
-          <a:p>
-            <a:pPr algn="ctr"/>
-            <a:r>
-              <a:rPr lang="en-US" altLang="zh-CN" sz="9600" dirty="0">
-                <a:solidFill>
-                  <a:schemeClr val="bg1"/>
-                </a:solidFill>
-                <a:latin typeface="Century Gothic" panose="020B0502020202020204" pitchFamily="34" charset="0"/>
-              </a:rPr>
-              <a:t>04</a:t>
-            </a:r>
-            <a:endParaRPr lang="zh-CN" altLang="en-US" sz="9600" dirty="0">
-              <a:solidFill>
-                <a:schemeClr val="bg1"/>
-              </a:solidFill>
-              <a:latin typeface="Century Gothic" panose="020B0502020202020204" pitchFamily="34" charset="0"/>
-            </a:endParaRPr>
-          </a:p>
-        </p:txBody>
-      </p:sp>
-      <p:sp>
-        <p:nvSpPr>
-          <p:cNvPr id="7" name="文本框 6"/>
-          <p:cNvSpPr txBox="1"/>
-          <p:nvPr/>
-        </p:nvSpPr>
-        <p:spPr>
-          <a:xfrm>
-            <a:off x="3314700" y="5269259"/>
-            <a:ext cx="5562600" cy="406400"/>
-          </a:xfrm>
-          <a:prstGeom prst="rect">
-            <a:avLst/>
-          </a:prstGeom>
-          <a:noFill/>
-        </p:spPr>
-        <p:txBody>
-          <a:bodyPr wrap="square" rtlCol="0">
-            <a:spAutoFit/>
-            <a:scene3d>
-              <a:camera prst="orthographicFront"/>
-              <a:lightRig rig="threePt" dir="t"/>
-            </a:scene3d>
-            <a:sp3d contourW="12700"/>
-          </a:bodyPr>
-          <a:lstStyle/>
-          <a:p>
-            <a:pPr algn="ctr">
-              <a:lnSpc>
-                <a:spcPct val="114000"/>
-              </a:lnSpc>
-            </a:pPr>
-            <a:r>
-              <a:rPr lang="en-US" altLang="zh-CN" dirty="0">
-                <a:solidFill>
-                  <a:schemeClr val="bg1">
-                    <a:lumMod val="50000"/>
-                  </a:schemeClr>
-                </a:solidFill>
-                <a:latin typeface="Century Gothic" panose="020B0502020202020204" pitchFamily="34" charset="0"/>
-                <a:ea typeface="+mj-ea"/>
-              </a:rPr>
-              <a:t>Unit Test</a:t>
-            </a:r>
-            <a:endParaRPr lang="en-US" altLang="zh-CN" dirty="0">
-              <a:solidFill>
-                <a:schemeClr val="bg1">
-                  <a:lumMod val="50000"/>
-                </a:schemeClr>
-              </a:solidFill>
-              <a:latin typeface="Century Gothic" panose="020B0502020202020204" pitchFamily="34" charset="0"/>
-              <a:ea typeface="+mj-ea"/>
-            </a:endParaRPr>
-          </a:p>
-        </p:txBody>
-      </p:sp>
-    </p:spTree>
-  </p:cSld>
-  <p:clrMapOvr>
-    <a:masterClrMapping/>
-  </p:clrMapOvr>
-</p:sld>
-</file>
-
-<file path=ppt/slides/slide37.xml><?xml version="1.0" encoding="utf-8"?>
-<p:sld xmlns:a="http://schemas.openxmlformats.org/drawingml/2006/main" xmlns:r="http://schemas.openxmlformats.org/officeDocument/2006/relationships" xmlns:p="http://schemas.openxmlformats.org/presentationml/2006/main">
-  <p:cSld>
-    <p:spTree>
-      <p:nvGrpSpPr>
-        <p:cNvPr id="1" name=""/>
-        <p:cNvGrpSpPr/>
-        <p:nvPr/>
-      </p:nvGrpSpPr>
-      <p:grpSpPr>
-        <a:xfrm>
-          <a:off x="0" y="0"/>
-          <a:ext cx="0" cy="0"/>
-          <a:chOff x="0" y="0"/>
-          <a:chExt cx="0" cy="0"/>
-        </a:xfrm>
-      </p:grpSpPr>
-      <p:sp>
-        <p:nvSpPr>
-          <p:cNvPr id="93" name="任意多边形: 形状 92"/>
-          <p:cNvSpPr/>
-          <p:nvPr/>
-        </p:nvSpPr>
-        <p:spPr>
-          <a:xfrm>
-            <a:off x="419285" y="720818"/>
-            <a:ext cx="923740" cy="461870"/>
-          </a:xfrm>
-          <a:custGeom>
-            <a:avLst/>
-            <a:gdLst>
-              <a:gd name="connsiteX0" fmla="*/ 0 w 923740"/>
-              <a:gd name="connsiteY0" fmla="*/ 0 h 461870"/>
-              <a:gd name="connsiteX1" fmla="*/ 33227 w 923740"/>
-              <a:gd name="connsiteY1" fmla="*/ 0 h 461870"/>
-              <a:gd name="connsiteX2" fmla="*/ 33227 w 923740"/>
-              <a:gd name="connsiteY2" fmla="*/ 428643 h 461870"/>
-              <a:gd name="connsiteX3" fmla="*/ 890513 w 923740"/>
-              <a:gd name="connsiteY3" fmla="*/ 428643 h 461870"/>
-              <a:gd name="connsiteX4" fmla="*/ 890513 w 923740"/>
-              <a:gd name="connsiteY4" fmla="*/ 0 h 461870"/>
-              <a:gd name="connsiteX5" fmla="*/ 923740 w 923740"/>
-              <a:gd name="connsiteY5" fmla="*/ 0 h 461870"/>
-              <a:gd name="connsiteX6" fmla="*/ 923740 w 923740"/>
-              <a:gd name="connsiteY6" fmla="*/ 461870 h 461870"/>
-              <a:gd name="connsiteX7" fmla="*/ 0 w 923740"/>
-              <a:gd name="connsiteY7" fmla="*/ 461870 h 461870"/>
-              <a:gd name="connsiteX8" fmla="*/ 0 w 923740"/>
-              <a:gd name="connsiteY8" fmla="*/ 0 h 461870"/>
-            </a:gdLst>
-            <a:ahLst/>
-            <a:cxnLst>
-              <a:cxn ang="0">
-                <a:pos x="connsiteX0" y="connsiteY0"/>
-              </a:cxn>
-              <a:cxn ang="0">
-                <a:pos x="connsiteX1" y="connsiteY1"/>
-              </a:cxn>
-              <a:cxn ang="0">
-                <a:pos x="connsiteX2" y="connsiteY2"/>
-              </a:cxn>
-              <a:cxn ang="0">
-                <a:pos x="connsiteX3" y="connsiteY3"/>
-              </a:cxn>
-              <a:cxn ang="0">
-                <a:pos x="connsiteX4" y="connsiteY4"/>
-              </a:cxn>
-              <a:cxn ang="0">
-                <a:pos x="connsiteX5" y="connsiteY5"/>
-              </a:cxn>
-              <a:cxn ang="0">
-                <a:pos x="connsiteX6" y="connsiteY6"/>
-              </a:cxn>
-              <a:cxn ang="0">
-                <a:pos x="connsiteX7" y="connsiteY7"/>
-              </a:cxn>
-              <a:cxn ang="0">
-                <a:pos x="connsiteX8" y="connsiteY8"/>
-              </a:cxn>
-            </a:cxnLst>
-            <a:rect l="l" t="t" r="r" b="b"/>
-            <a:pathLst>
-              <a:path w="923740" h="461870">
-                <a:moveTo>
-                  <a:pt x="0" y="0"/>
-                </a:moveTo>
-                <a:lnTo>
-                  <a:pt x="33227" y="0"/>
-                </a:lnTo>
-                <a:lnTo>
-                  <a:pt x="33227" y="428643"/>
-                </a:lnTo>
-                <a:lnTo>
-                  <a:pt x="890513" y="428643"/>
-                </a:lnTo>
-                <a:lnTo>
-                  <a:pt x="890513" y="0"/>
-                </a:lnTo>
-                <a:lnTo>
-                  <a:pt x="923740" y="0"/>
-                </a:lnTo>
-                <a:lnTo>
-                  <a:pt x="923740" y="461870"/>
-                </a:lnTo>
-                <a:lnTo>
-                  <a:pt x="0" y="461870"/>
-                </a:lnTo>
-                <a:lnTo>
-                  <a:pt x="0" y="0"/>
-                </a:lnTo>
-                <a:close/>
-              </a:path>
-            </a:pathLst>
-          </a:custGeom>
-          <a:solidFill>
-            <a:schemeClr val="tx1">
-              <a:lumMod val="75000"/>
-              <a:lumOff val="25000"/>
-            </a:schemeClr>
-          </a:solidFill>
-          <a:ln>
-            <a:noFill/>
-          </a:ln>
-        </p:spPr>
-        <p:style>
-          <a:lnRef idx="2">
-            <a:schemeClr val="accent1">
-              <a:shade val="50000"/>
-            </a:schemeClr>
-          </a:lnRef>
-          <a:fillRef idx="1">
-            <a:schemeClr val="accent1"/>
-          </a:fillRef>
-          <a:effectRef idx="0">
-            <a:schemeClr val="accent1"/>
-          </a:effectRef>
-          <a:fontRef idx="minor">
-            <a:schemeClr val="lt1"/>
-          </a:fontRef>
-        </p:style>
-        <p:txBody>
-          <a:bodyPr rtlCol="0" anchor="ctr"/>
-          <a:lstStyle/>
-          <a:p>
-            <a:pPr algn="ctr"/>
-            <a:endParaRPr lang="zh-CN" altLang="en-US" sz="1600">
-              <a:solidFill>
-                <a:schemeClr val="tx1"/>
-              </a:solidFill>
-            </a:endParaRPr>
-          </a:p>
-        </p:txBody>
-      </p:sp>
-      <p:sp>
-        <p:nvSpPr>
-          <p:cNvPr id="94" name="任意多边形: 形状 93"/>
-          <p:cNvSpPr/>
-          <p:nvPr/>
-        </p:nvSpPr>
-        <p:spPr>
-          <a:xfrm>
-            <a:off x="419285" y="258948"/>
-            <a:ext cx="923740" cy="461870"/>
-          </a:xfrm>
-          <a:custGeom>
-            <a:avLst/>
-            <a:gdLst>
-              <a:gd name="connsiteX0" fmla="*/ 0 w 923740"/>
-              <a:gd name="connsiteY0" fmla="*/ 0 h 461870"/>
-              <a:gd name="connsiteX1" fmla="*/ 923740 w 923740"/>
-              <a:gd name="connsiteY1" fmla="*/ 0 h 461870"/>
-              <a:gd name="connsiteX2" fmla="*/ 923740 w 923740"/>
-              <a:gd name="connsiteY2" fmla="*/ 461870 h 461870"/>
-              <a:gd name="connsiteX3" fmla="*/ 890513 w 923740"/>
-              <a:gd name="connsiteY3" fmla="*/ 461870 h 461870"/>
-              <a:gd name="connsiteX4" fmla="*/ 890513 w 923740"/>
-              <a:gd name="connsiteY4" fmla="*/ 33227 h 461870"/>
-              <a:gd name="connsiteX5" fmla="*/ 33227 w 923740"/>
-              <a:gd name="connsiteY5" fmla="*/ 33227 h 461870"/>
-              <a:gd name="connsiteX6" fmla="*/ 33227 w 923740"/>
-              <a:gd name="connsiteY6" fmla="*/ 461870 h 461870"/>
-              <a:gd name="connsiteX7" fmla="*/ 0 w 923740"/>
-              <a:gd name="connsiteY7" fmla="*/ 461870 h 461870"/>
-              <a:gd name="connsiteX8" fmla="*/ 0 w 923740"/>
-              <a:gd name="connsiteY8" fmla="*/ 0 h 461870"/>
-            </a:gdLst>
-            <a:ahLst/>
-            <a:cxnLst>
-              <a:cxn ang="0">
-                <a:pos x="connsiteX0" y="connsiteY0"/>
-              </a:cxn>
-              <a:cxn ang="0">
-                <a:pos x="connsiteX1" y="connsiteY1"/>
-              </a:cxn>
-              <a:cxn ang="0">
-                <a:pos x="connsiteX2" y="connsiteY2"/>
-              </a:cxn>
-              <a:cxn ang="0">
-                <a:pos x="connsiteX3" y="connsiteY3"/>
-              </a:cxn>
-              <a:cxn ang="0">
-                <a:pos x="connsiteX4" y="connsiteY4"/>
-              </a:cxn>
-              <a:cxn ang="0">
-                <a:pos x="connsiteX5" y="connsiteY5"/>
-              </a:cxn>
-              <a:cxn ang="0">
-                <a:pos x="connsiteX6" y="connsiteY6"/>
-              </a:cxn>
-              <a:cxn ang="0">
-                <a:pos x="connsiteX7" y="connsiteY7"/>
-              </a:cxn>
-              <a:cxn ang="0">
-                <a:pos x="connsiteX8" y="connsiteY8"/>
-              </a:cxn>
-            </a:cxnLst>
-            <a:rect l="l" t="t" r="r" b="b"/>
-            <a:pathLst>
-              <a:path w="923740" h="461870">
-                <a:moveTo>
-                  <a:pt x="0" y="0"/>
-                </a:moveTo>
-                <a:lnTo>
-                  <a:pt x="923740" y="0"/>
-                </a:lnTo>
-                <a:lnTo>
-                  <a:pt x="923740" y="461870"/>
-                </a:lnTo>
-                <a:lnTo>
-                  <a:pt x="890513" y="461870"/>
-                </a:lnTo>
-                <a:lnTo>
-                  <a:pt x="890513" y="33227"/>
-                </a:lnTo>
-                <a:lnTo>
-                  <a:pt x="33227" y="33227"/>
-                </a:lnTo>
-                <a:lnTo>
-                  <a:pt x="33227" y="461870"/>
-                </a:lnTo>
-                <a:lnTo>
-                  <a:pt x="0" y="461870"/>
-                </a:lnTo>
-                <a:lnTo>
-                  <a:pt x="0" y="0"/>
-                </a:lnTo>
-                <a:close/>
-              </a:path>
-            </a:pathLst>
-          </a:custGeom>
-          <a:ln>
-            <a:noFill/>
-          </a:ln>
-        </p:spPr>
-        <p:style>
-          <a:lnRef idx="2">
-            <a:schemeClr val="accent1">
-              <a:shade val="50000"/>
-            </a:schemeClr>
-          </a:lnRef>
-          <a:fillRef idx="1">
-            <a:schemeClr val="accent1"/>
-          </a:fillRef>
-          <a:effectRef idx="0">
-            <a:schemeClr val="accent1"/>
-          </a:effectRef>
-          <a:fontRef idx="minor">
-            <a:schemeClr val="lt1"/>
-          </a:fontRef>
-        </p:style>
-        <p:txBody>
-          <a:bodyPr rtlCol="0" anchor="ctr"/>
-          <a:lstStyle/>
-          <a:p>
-            <a:pPr algn="ctr"/>
-            <a:endParaRPr lang="zh-CN" altLang="en-US" sz="1600">
-              <a:solidFill>
-                <a:schemeClr val="tx1"/>
-              </a:solidFill>
-            </a:endParaRPr>
-          </a:p>
-        </p:txBody>
-      </p:sp>
-      <p:sp>
-        <p:nvSpPr>
-          <p:cNvPr id="95" name="文本框 94"/>
-          <p:cNvSpPr txBox="1"/>
-          <p:nvPr/>
-        </p:nvSpPr>
-        <p:spPr>
-          <a:xfrm>
-            <a:off x="419285" y="366875"/>
-            <a:ext cx="923740" cy="707886"/>
-          </a:xfrm>
-          <a:prstGeom prst="rect">
-            <a:avLst/>
-          </a:prstGeom>
-          <a:noFill/>
-        </p:spPr>
-        <p:txBody>
-          <a:bodyPr wrap="square" rtlCol="0">
-            <a:spAutoFit/>
-            <a:scene3d>
-              <a:camera prst="orthographicFront"/>
-              <a:lightRig rig="threePt" dir="t"/>
-            </a:scene3d>
-            <a:sp3d contourW="12700"/>
-          </a:bodyPr>
-          <a:lstStyle/>
-          <a:p>
-            <a:pPr algn="ctr"/>
-            <a:r>
-              <a:rPr lang="en-US" altLang="zh-CN" sz="4000" dirty="0">
-                <a:solidFill>
-                  <a:schemeClr val="accent1"/>
-                </a:solidFill>
-                <a:latin typeface="Century Gothic" panose="020B0502020202020204" pitchFamily="34" charset="0"/>
-              </a:rPr>
-              <a:t>04</a:t>
-            </a:r>
-            <a:endParaRPr lang="zh-CN" altLang="en-US" sz="4000" dirty="0">
-              <a:solidFill>
-                <a:schemeClr val="accent1"/>
-              </a:solidFill>
-              <a:latin typeface="Century Gothic" panose="020B0502020202020204" pitchFamily="34" charset="0"/>
-            </a:endParaRPr>
-          </a:p>
-        </p:txBody>
-      </p:sp>
-      <p:grpSp>
-        <p:nvGrpSpPr>
-          <p:cNvPr id="96" name="组合 95"/>
-          <p:cNvGrpSpPr/>
-          <p:nvPr/>
-        </p:nvGrpSpPr>
-        <p:grpSpPr>
-          <a:xfrm>
-            <a:off x="1473289" y="371367"/>
-            <a:ext cx="4260761" cy="829204"/>
-            <a:chOff x="7318011" y="1456480"/>
-            <a:chExt cx="4260761" cy="829204"/>
-          </a:xfrm>
-        </p:grpSpPr>
-        <p:sp>
-          <p:nvSpPr>
-            <p:cNvPr id="97" name="文本框 96"/>
-            <p:cNvSpPr txBox="1"/>
-            <p:nvPr/>
-          </p:nvSpPr>
-          <p:spPr>
-            <a:xfrm>
-              <a:off x="7318011" y="1456480"/>
-              <a:ext cx="1808480" cy="583565"/>
-            </a:xfrm>
-            <a:prstGeom prst="rect">
-              <a:avLst/>
-            </a:prstGeom>
-            <a:noFill/>
-          </p:spPr>
-          <p:txBody>
-            <a:bodyPr wrap="none" rtlCol="0">
-              <a:spAutoFit/>
-              <a:scene3d>
-                <a:camera prst="orthographicFront"/>
-                <a:lightRig rig="threePt" dir="t"/>
-              </a:scene3d>
-              <a:sp3d contourW="12700"/>
-            </a:bodyPr>
-            <a:lstStyle/>
-            <a:p>
-              <a:r>
-                <a:rPr lang="zh-CN" altLang="en-US" sz="3200" b="1" dirty="0">
-                  <a:solidFill>
-                    <a:schemeClr val="tx1">
-                      <a:lumMod val="85000"/>
-                      <a:lumOff val="15000"/>
-                    </a:schemeClr>
-                  </a:solidFill>
-                </a:rPr>
-                <a:t>单元测试</a:t>
-              </a:r>
-              <a:endParaRPr lang="zh-CN" altLang="en-US" sz="3200" b="1" dirty="0">
-                <a:solidFill>
-                  <a:schemeClr val="tx1">
-                    <a:lumMod val="85000"/>
-                    <a:lumOff val="15000"/>
-                  </a:schemeClr>
-                </a:solidFill>
-              </a:endParaRPr>
-            </a:p>
-          </p:txBody>
-        </p:sp>
-        <p:sp>
-          <p:nvSpPr>
-            <p:cNvPr id="98" name="文本框 97"/>
-            <p:cNvSpPr txBox="1"/>
-            <p:nvPr/>
-          </p:nvSpPr>
-          <p:spPr>
-            <a:xfrm>
-              <a:off x="7318011" y="1984059"/>
-              <a:ext cx="4260761" cy="301625"/>
-            </a:xfrm>
-            <a:prstGeom prst="rect">
-              <a:avLst/>
-            </a:prstGeom>
-            <a:noFill/>
-          </p:spPr>
-          <p:txBody>
-            <a:bodyPr wrap="square" rtlCol="0">
-              <a:spAutoFit/>
-              <a:scene3d>
-                <a:camera prst="orthographicFront"/>
-                <a:lightRig rig="threePt" dir="t"/>
-              </a:scene3d>
-              <a:sp3d contourW="12700"/>
-            </a:bodyPr>
-            <a:lstStyle/>
-            <a:p>
-              <a:pPr>
-                <a:lnSpc>
-                  <a:spcPct val="114000"/>
-                </a:lnSpc>
-              </a:pPr>
-              <a:r>
-                <a:rPr lang="en-US" altLang="zh-CN" sz="1200" dirty="0">
-                  <a:solidFill>
-                    <a:schemeClr val="bg1">
-                      <a:lumMod val="50000"/>
-                    </a:schemeClr>
-                  </a:solidFill>
-                  <a:latin typeface="Century Gothic" panose="020B0502020202020204" pitchFamily="34" charset="0"/>
-                </a:rPr>
-                <a:t>Unit Test</a:t>
-              </a:r>
-              <a:endParaRPr lang="zh-CN" altLang="en-US" sz="1200" dirty="0">
-                <a:solidFill>
-                  <a:schemeClr val="bg1">
-                    <a:lumMod val="50000"/>
-                  </a:schemeClr>
-                </a:solidFill>
-                <a:latin typeface="Century Gothic" panose="020B0502020202020204" pitchFamily="34" charset="0"/>
-              </a:endParaRPr>
-            </a:p>
-          </p:txBody>
-        </p:sp>
-      </p:grpSp>
-      <p:pic>
-        <p:nvPicPr>
-          <p:cNvPr id="2" name="图片 1"/>
-          <p:cNvPicPr>
-            <a:picLocks noChangeAspect="1"/>
-          </p:cNvPicPr>
-          <p:nvPr/>
-        </p:nvPicPr>
-        <p:blipFill>
-          <a:blip r:embed="rId1"/>
-          <a:stretch>
-            <a:fillRect/>
-          </a:stretch>
-        </p:blipFill>
-        <p:spPr>
-          <a:xfrm>
-            <a:off x="3831590" y="2569845"/>
-            <a:ext cx="4754880" cy="3987165"/>
-          </a:xfrm>
-          <a:prstGeom prst="rect">
-            <a:avLst/>
-          </a:prstGeom>
-        </p:spPr>
-      </p:pic>
-      <p:sp>
-        <p:nvSpPr>
-          <p:cNvPr id="3" name="文本框 2"/>
-          <p:cNvSpPr txBox="1"/>
-          <p:nvPr/>
-        </p:nvSpPr>
-        <p:spPr>
-          <a:xfrm>
-            <a:off x="911860" y="1075055"/>
-            <a:ext cx="5593715" cy="645160"/>
-          </a:xfrm>
-          <a:prstGeom prst="rect">
-            <a:avLst/>
-          </a:prstGeom>
-          <a:noFill/>
-        </p:spPr>
-        <p:txBody>
-          <a:bodyPr wrap="square" rtlCol="0">
-            <a:spAutoFit/>
-          </a:bodyPr>
-          <a:p>
-            <a:pPr marL="285750" indent="-285750" algn="l">
-              <a:lnSpc>
-                <a:spcPct val="150000"/>
-              </a:lnSpc>
-              <a:buClrTx/>
-              <a:buSzTx/>
-              <a:buFont typeface="Wingdings" panose="05000000000000000000" pitchFamily="18" charset="0"/>
-              <a:buChar char="l"/>
-            </a:pPr>
-            <a:r>
-              <a:rPr lang="en-US" altLang="zh-CN" sz="2400" b="1">
-                <a:effectLst>
-                  <a:outerShdw blurRad="38100" dist="19050" dir="2700000" algn="tl" rotWithShape="0">
-                    <a:schemeClr val="dk1">
-                      <a:alpha val="40000"/>
-                    </a:schemeClr>
-                  </a:outerShdw>
-                </a:effectLst>
-              </a:rPr>
-              <a:t>单元测试框架：jest+vue-test-util</a:t>
-            </a:r>
-            <a:endParaRPr lang="en-US" altLang="zh-CN" sz="2400" b="1">
-              <a:effectLst>
-                <a:outerShdw blurRad="38100" dist="19050" dir="2700000" algn="tl" rotWithShape="0">
-                  <a:schemeClr val="dk1">
-                    <a:alpha val="40000"/>
-                  </a:schemeClr>
-                </a:outerShdw>
-              </a:effectLst>
-            </a:endParaRPr>
-          </a:p>
-        </p:txBody>
-      </p:sp>
-      <p:sp>
-        <p:nvSpPr>
-          <p:cNvPr id="4" name="文本框 3"/>
-          <p:cNvSpPr txBox="1"/>
-          <p:nvPr/>
-        </p:nvSpPr>
-        <p:spPr>
-          <a:xfrm>
-            <a:off x="911860" y="1720215"/>
-            <a:ext cx="10920095" cy="645160"/>
-          </a:xfrm>
-          <a:prstGeom prst="rect">
-            <a:avLst/>
-          </a:prstGeom>
-          <a:noFill/>
-        </p:spPr>
-        <p:txBody>
-          <a:bodyPr wrap="square" rtlCol="0">
-            <a:spAutoFit/>
-          </a:bodyPr>
-          <a:p>
-            <a:pPr marL="285750" indent="-285750" algn="l">
-              <a:lnSpc>
-                <a:spcPct val="150000"/>
-              </a:lnSpc>
-              <a:buClrTx/>
-              <a:buSzTx/>
-              <a:buFont typeface="Wingdings" panose="05000000000000000000" pitchFamily="18" charset="0"/>
-              <a:buChar char="l"/>
-            </a:pPr>
-            <a:r>
-              <a:rPr lang="zh-CN" altLang="en-US" sz="2400" b="1">
-                <a:effectLst>
-                  <a:outerShdw blurRad="38100" dist="19050" dir="2700000" algn="tl" rotWithShape="0">
-                    <a:schemeClr val="dk1">
-                      <a:alpha val="40000"/>
-                    </a:schemeClr>
-                  </a:outerShdw>
-                </a:effectLst>
-              </a:rPr>
-              <a:t>依赖安装</a:t>
-            </a:r>
-            <a:r>
-              <a:rPr lang="en-US" altLang="zh-CN" sz="2400" b="1">
-                <a:effectLst>
-                  <a:outerShdw blurRad="38100" dist="19050" dir="2700000" algn="tl" rotWithShape="0">
-                    <a:schemeClr val="dk1">
-                      <a:alpha val="40000"/>
-                    </a:schemeClr>
-                  </a:outerShdw>
-                </a:effectLst>
-              </a:rPr>
-              <a:t>：yarn add --dev jest @vue/test-utils vue-jest</a:t>
-            </a:r>
-            <a:endParaRPr lang="en-US" altLang="zh-CN" sz="2400" b="1">
-              <a:effectLst>
-                <a:outerShdw blurRad="38100" dist="19050" dir="2700000" algn="tl" rotWithShape="0">
-                  <a:schemeClr val="dk1">
-                    <a:alpha val="40000"/>
-                  </a:schemeClr>
-                </a:outerShdw>
-              </a:effectLst>
-            </a:endParaRPr>
-          </a:p>
-        </p:txBody>
-      </p:sp>
-    </p:spTree>
-  </p:cSld>
-  <p:clrMapOvr>
-    <a:masterClrMapping/>
-  </p:clrMapOvr>
-</p:sld>
-</file>
-
-<file path=ppt/slides/slide38.xml><?xml version="1.0" encoding="utf-8"?>
-<p:sld xmlns:a="http://schemas.openxmlformats.org/drawingml/2006/main" xmlns:r="http://schemas.openxmlformats.org/officeDocument/2006/relationships" xmlns:p="http://schemas.openxmlformats.org/presentationml/2006/main">
-  <p:cSld>
-    <p:spTree>
-      <p:nvGrpSpPr>
-        <p:cNvPr id="1" name=""/>
-        <p:cNvGrpSpPr/>
-        <p:nvPr/>
-      </p:nvGrpSpPr>
-      <p:grpSpPr>
-        <a:xfrm>
-          <a:off x="0" y="0"/>
-          <a:ext cx="0" cy="0"/>
-          <a:chOff x="0" y="0"/>
-          <a:chExt cx="0" cy="0"/>
-        </a:xfrm>
-      </p:grpSpPr>
-      <p:sp>
-        <p:nvSpPr>
-          <p:cNvPr id="4" name="菱形 3"/>
-          <p:cNvSpPr/>
-          <p:nvPr/>
-        </p:nvSpPr>
-        <p:spPr>
-          <a:xfrm>
-            <a:off x="2870200" y="139785"/>
-            <a:ext cx="6451600" cy="6451600"/>
-          </a:xfrm>
-          <a:prstGeom prst="diamond">
-            <a:avLst/>
-          </a:prstGeom>
-          <a:noFill/>
-          <a:ln w="57150">
-            <a:solidFill>
-              <a:schemeClr val="bg1">
-                <a:lumMod val="95000"/>
-              </a:schemeClr>
-            </a:solidFill>
-          </a:ln>
-        </p:spPr>
-        <p:style>
-          <a:lnRef idx="2">
-            <a:schemeClr val="accent1">
-              <a:shade val="50000"/>
-            </a:schemeClr>
-          </a:lnRef>
-          <a:fillRef idx="1">
-            <a:schemeClr val="accent1"/>
-          </a:fillRef>
-          <a:effectRef idx="0">
-            <a:schemeClr val="accent1"/>
-          </a:effectRef>
-          <a:fontRef idx="minor">
-            <a:schemeClr val="lt1"/>
-          </a:fontRef>
-        </p:style>
-        <p:txBody>
-          <a:bodyPr rtlCol="0" anchor="ctr"/>
-          <a:lstStyle/>
-          <a:p>
-            <a:pPr algn="ctr"/>
-            <a:endParaRPr lang="zh-CN" altLang="en-US"/>
-          </a:p>
-        </p:txBody>
-      </p:sp>
-      <p:sp>
-        <p:nvSpPr>
-          <p:cNvPr id="8" name="任意多边形: 形状 7"/>
-          <p:cNvSpPr/>
-          <p:nvPr/>
-        </p:nvSpPr>
-        <p:spPr>
-          <a:xfrm>
-            <a:off x="0" y="0"/>
-            <a:ext cx="12192000" cy="3239357"/>
-          </a:xfrm>
-          <a:custGeom>
-            <a:avLst/>
-            <a:gdLst>
-              <a:gd name="connsiteX0" fmla="*/ 0 w 12192000"/>
-              <a:gd name="connsiteY0" fmla="*/ 0 h 3429000"/>
-              <a:gd name="connsiteX1" fmla="*/ 12192000 w 12192000"/>
-              <a:gd name="connsiteY1" fmla="*/ 0 h 3429000"/>
-              <a:gd name="connsiteX2" fmla="*/ 12192000 w 12192000"/>
-              <a:gd name="connsiteY2" fmla="*/ 3429000 h 3429000"/>
-              <a:gd name="connsiteX3" fmla="*/ 8705850 w 12192000"/>
-              <a:gd name="connsiteY3" fmla="*/ 3429000 h 3429000"/>
-              <a:gd name="connsiteX4" fmla="*/ 8640080 w 12192000"/>
-              <a:gd name="connsiteY4" fmla="*/ 3429000 h 3429000"/>
-              <a:gd name="connsiteX5" fmla="*/ 3551920 w 12192000"/>
-              <a:gd name="connsiteY5" fmla="*/ 3429000 h 3429000"/>
-              <a:gd name="connsiteX6" fmla="*/ 3486150 w 12192000"/>
-              <a:gd name="connsiteY6" fmla="*/ 3429000 h 3429000"/>
-              <a:gd name="connsiteX7" fmla="*/ 0 w 12192000"/>
-              <a:gd name="connsiteY7" fmla="*/ 3429000 h 3429000"/>
-            </a:gdLst>
-            <a:ahLst/>
-            <a:cxnLst>
-              <a:cxn ang="0">
-                <a:pos x="connsiteX0" y="connsiteY0"/>
-              </a:cxn>
-              <a:cxn ang="0">
-                <a:pos x="connsiteX1" y="connsiteY1"/>
-              </a:cxn>
-              <a:cxn ang="0">
-                <a:pos x="connsiteX2" y="connsiteY2"/>
-              </a:cxn>
-              <a:cxn ang="0">
-                <a:pos x="connsiteX3" y="connsiteY3"/>
-              </a:cxn>
-              <a:cxn ang="0">
-                <a:pos x="connsiteX4" y="connsiteY4"/>
-              </a:cxn>
-              <a:cxn ang="0">
-                <a:pos x="connsiteX5" y="connsiteY5"/>
-              </a:cxn>
-              <a:cxn ang="0">
-                <a:pos x="connsiteX6" y="connsiteY6"/>
-              </a:cxn>
-              <a:cxn ang="0">
-                <a:pos x="connsiteX7" y="connsiteY7"/>
-              </a:cxn>
-            </a:cxnLst>
-            <a:rect l="l" t="t" r="r" b="b"/>
-            <a:pathLst>
-              <a:path w="12192000" h="3429000">
-                <a:moveTo>
-                  <a:pt x="0" y="0"/>
-                </a:moveTo>
-                <a:lnTo>
-                  <a:pt x="12192000" y="0"/>
-                </a:lnTo>
-                <a:lnTo>
-                  <a:pt x="12192000" y="3429000"/>
-                </a:lnTo>
-                <a:lnTo>
-                  <a:pt x="8705850" y="3429000"/>
-                </a:lnTo>
-                <a:lnTo>
-                  <a:pt x="8640080" y="3429000"/>
-                </a:lnTo>
-                <a:lnTo>
-                  <a:pt x="3551920" y="3429000"/>
-                </a:lnTo>
-                <a:lnTo>
-                  <a:pt x="3486150" y="3429000"/>
-                </a:lnTo>
-                <a:lnTo>
-                  <a:pt x="0" y="3429000"/>
-                </a:lnTo>
-                <a:close/>
-              </a:path>
-            </a:pathLst>
-          </a:custGeom>
-          <a:blipFill>
-            <a:blip r:embed="rId1"/>
-            <a:tile tx="6350" ty="-215900" sx="89000" sy="89000" flip="none" algn="ctr"/>
-          </a:blipFill>
-          <a:ln>
-            <a:noFill/>
-          </a:ln>
-        </p:spPr>
-        <p:style>
-          <a:lnRef idx="2">
-            <a:schemeClr val="accent1">
-              <a:shade val="50000"/>
-            </a:schemeClr>
-          </a:lnRef>
-          <a:fillRef idx="1">
-            <a:schemeClr val="accent1"/>
-          </a:fillRef>
-          <a:effectRef idx="0">
-            <a:schemeClr val="accent1"/>
-          </a:effectRef>
-          <a:fontRef idx="minor">
-            <a:schemeClr val="lt1"/>
-          </a:fontRef>
-        </p:style>
-        <p:txBody>
-          <a:bodyPr rtlCol="0" anchor="ctr"/>
-          <a:lstStyle/>
-          <a:p>
-            <a:pPr algn="ctr"/>
-            <a:endParaRPr lang="zh-CN" altLang="en-US"/>
-          </a:p>
-        </p:txBody>
-      </p:sp>
-      <p:sp>
-        <p:nvSpPr>
-          <p:cNvPr id="3" name="任意多边形: 形状 2"/>
-          <p:cNvSpPr/>
-          <p:nvPr/>
-        </p:nvSpPr>
-        <p:spPr>
-          <a:xfrm>
-            <a:off x="0" y="0"/>
-            <a:ext cx="12192000" cy="3239357"/>
-          </a:xfrm>
-          <a:custGeom>
-            <a:avLst/>
-            <a:gdLst>
-              <a:gd name="connsiteX0" fmla="*/ 0 w 12192000"/>
-              <a:gd name="connsiteY0" fmla="*/ 0 h 3429000"/>
-              <a:gd name="connsiteX1" fmla="*/ 12192000 w 12192000"/>
-              <a:gd name="connsiteY1" fmla="*/ 0 h 3429000"/>
-              <a:gd name="connsiteX2" fmla="*/ 12192000 w 12192000"/>
-              <a:gd name="connsiteY2" fmla="*/ 3429000 h 3429000"/>
-              <a:gd name="connsiteX3" fmla="*/ 8705850 w 12192000"/>
-              <a:gd name="connsiteY3" fmla="*/ 3429000 h 3429000"/>
-              <a:gd name="connsiteX4" fmla="*/ 8640080 w 12192000"/>
-              <a:gd name="connsiteY4" fmla="*/ 3429000 h 3429000"/>
-              <a:gd name="connsiteX5" fmla="*/ 3551920 w 12192000"/>
-              <a:gd name="connsiteY5" fmla="*/ 3429000 h 3429000"/>
-              <a:gd name="connsiteX6" fmla="*/ 3486150 w 12192000"/>
-              <a:gd name="connsiteY6" fmla="*/ 3429000 h 3429000"/>
-              <a:gd name="connsiteX7" fmla="*/ 0 w 12192000"/>
-              <a:gd name="connsiteY7" fmla="*/ 3429000 h 3429000"/>
-            </a:gdLst>
-            <a:ahLst/>
-            <a:cxnLst>
-              <a:cxn ang="0">
-                <a:pos x="connsiteX0" y="connsiteY0"/>
-              </a:cxn>
-              <a:cxn ang="0">
-                <a:pos x="connsiteX1" y="connsiteY1"/>
-              </a:cxn>
-              <a:cxn ang="0">
-                <a:pos x="connsiteX2" y="connsiteY2"/>
-              </a:cxn>
-              <a:cxn ang="0">
-                <a:pos x="connsiteX3" y="connsiteY3"/>
-              </a:cxn>
-              <a:cxn ang="0">
-                <a:pos x="connsiteX4" y="connsiteY4"/>
-              </a:cxn>
-              <a:cxn ang="0">
-                <a:pos x="connsiteX5" y="connsiteY5"/>
-              </a:cxn>
-              <a:cxn ang="0">
-                <a:pos x="connsiteX6" y="connsiteY6"/>
-              </a:cxn>
-              <a:cxn ang="0">
-                <a:pos x="connsiteX7" y="connsiteY7"/>
-              </a:cxn>
-            </a:cxnLst>
-            <a:rect l="l" t="t" r="r" b="b"/>
-            <a:pathLst>
-              <a:path w="12192000" h="3429000">
-                <a:moveTo>
-                  <a:pt x="0" y="0"/>
-                </a:moveTo>
-                <a:lnTo>
-                  <a:pt x="12192000" y="0"/>
-                </a:lnTo>
-                <a:lnTo>
-                  <a:pt x="12192000" y="3429000"/>
-                </a:lnTo>
-                <a:lnTo>
-                  <a:pt x="8705850" y="3429000"/>
-                </a:lnTo>
-                <a:lnTo>
-                  <a:pt x="8640080" y="3429000"/>
-                </a:lnTo>
-                <a:lnTo>
-                  <a:pt x="3551920" y="3429000"/>
-                </a:lnTo>
-                <a:lnTo>
-                  <a:pt x="3486150" y="3429000"/>
-                </a:lnTo>
-                <a:lnTo>
-                  <a:pt x="0" y="3429000"/>
-                </a:lnTo>
-                <a:close/>
-              </a:path>
-            </a:pathLst>
-          </a:custGeom>
-          <a:gradFill>
-            <a:gsLst>
-              <a:gs pos="0">
-                <a:schemeClr val="tx1">
-                  <a:alpha val="50000"/>
-                </a:schemeClr>
-              </a:gs>
-              <a:gs pos="100000">
-                <a:schemeClr val="tx1">
-                  <a:lumMod val="95000"/>
-                  <a:lumOff val="5000"/>
-                </a:schemeClr>
-              </a:gs>
-            </a:gsLst>
-            <a:lin ang="5400000" scaled="1"/>
-          </a:gradFill>
-          <a:ln>
-            <a:noFill/>
-          </a:ln>
-        </p:spPr>
-        <p:style>
-          <a:lnRef idx="2">
-            <a:schemeClr val="accent1">
-              <a:shade val="50000"/>
-            </a:schemeClr>
-          </a:lnRef>
-          <a:fillRef idx="1">
-            <a:schemeClr val="accent1"/>
-          </a:fillRef>
-          <a:effectRef idx="0">
-            <a:schemeClr val="accent1"/>
-          </a:effectRef>
-          <a:fontRef idx="minor">
-            <a:schemeClr val="lt1"/>
-          </a:fontRef>
-        </p:style>
-        <p:txBody>
-          <a:bodyPr rtlCol="0" anchor="ctr"/>
-          <a:lstStyle/>
-          <a:p>
-            <a:pPr algn="ctr"/>
-            <a:endParaRPr lang="zh-CN" altLang="en-US"/>
-          </a:p>
-        </p:txBody>
-      </p:sp>
-      <p:sp>
-        <p:nvSpPr>
-          <p:cNvPr id="2" name="图文框 1"/>
-          <p:cNvSpPr/>
-          <p:nvPr/>
-        </p:nvSpPr>
-        <p:spPr>
-          <a:xfrm>
-            <a:off x="4747911" y="1259013"/>
-            <a:ext cx="2696178" cy="3909888"/>
-          </a:xfrm>
-          <a:prstGeom prst="frame">
-            <a:avLst>
-              <a:gd name="adj1" fmla="val 2586"/>
-            </a:avLst>
-          </a:prstGeom>
-          <a:ln>
-            <a:noFill/>
-          </a:ln>
-        </p:spPr>
-        <p:style>
-          <a:lnRef idx="2">
-            <a:schemeClr val="accent1">
-              <a:shade val="50000"/>
-            </a:schemeClr>
-          </a:lnRef>
-          <a:fillRef idx="1">
-            <a:schemeClr val="accent1"/>
-          </a:fillRef>
-          <a:effectRef idx="0">
-            <a:schemeClr val="accent1"/>
-          </a:effectRef>
-          <a:fontRef idx="minor">
-            <a:schemeClr val="lt1"/>
-          </a:fontRef>
-        </p:style>
-        <p:txBody>
-          <a:bodyPr rtlCol="0" anchor="ctr"/>
-          <a:lstStyle/>
-          <a:p>
-            <a:pPr algn="ctr"/>
-            <a:endParaRPr lang="zh-CN" altLang="en-US">
-              <a:solidFill>
-                <a:schemeClr val="tx1"/>
-              </a:solidFill>
-            </a:endParaRPr>
-          </a:p>
-        </p:txBody>
-      </p:sp>
-      <p:sp>
-        <p:nvSpPr>
-          <p:cNvPr id="5" name="文本框 4"/>
-          <p:cNvSpPr txBox="1"/>
-          <p:nvPr/>
-        </p:nvSpPr>
-        <p:spPr>
-          <a:xfrm>
-            <a:off x="4864100" y="3408144"/>
-            <a:ext cx="2463800" cy="1568450"/>
-          </a:xfrm>
-          <a:prstGeom prst="rect">
-            <a:avLst/>
-          </a:prstGeom>
-          <a:noFill/>
-        </p:spPr>
-        <p:txBody>
-          <a:bodyPr wrap="square" rtlCol="0">
-            <a:spAutoFit/>
-            <a:scene3d>
-              <a:camera prst="orthographicFront"/>
-              <a:lightRig rig="threePt" dir="t"/>
-            </a:scene3d>
-            <a:sp3d contourW="12700"/>
-          </a:bodyPr>
-          <a:lstStyle/>
-          <a:p>
-            <a:pPr algn="ctr"/>
-            <a:r>
-              <a:rPr lang="zh-CN" altLang="en-US" sz="4800" b="1" dirty="0">
-                <a:solidFill>
-                  <a:schemeClr val="tx1">
-                    <a:lumMod val="75000"/>
-                    <a:lumOff val="25000"/>
-                  </a:schemeClr>
-                </a:solidFill>
-              </a:rPr>
-              <a:t>系统数据库</a:t>
-            </a:r>
-            <a:endParaRPr lang="zh-CN" altLang="en-US" sz="4800" b="1" dirty="0">
-              <a:solidFill>
-                <a:schemeClr val="tx1">
-                  <a:lumMod val="75000"/>
-                  <a:lumOff val="25000"/>
-                </a:schemeClr>
-              </a:solidFill>
-            </a:endParaRPr>
-          </a:p>
-        </p:txBody>
-      </p:sp>
-      <p:sp>
-        <p:nvSpPr>
-          <p:cNvPr id="6" name="文本框 5"/>
-          <p:cNvSpPr txBox="1"/>
-          <p:nvPr/>
-        </p:nvSpPr>
-        <p:spPr>
-          <a:xfrm>
-            <a:off x="4864100" y="1482574"/>
-            <a:ext cx="2463800" cy="1569660"/>
-          </a:xfrm>
-          <a:prstGeom prst="rect">
-            <a:avLst/>
-          </a:prstGeom>
-          <a:noFill/>
-        </p:spPr>
-        <p:txBody>
-          <a:bodyPr wrap="square" rtlCol="0">
-            <a:spAutoFit/>
-            <a:scene3d>
-              <a:camera prst="orthographicFront"/>
-              <a:lightRig rig="threePt" dir="t"/>
-            </a:scene3d>
-            <a:sp3d contourW="12700"/>
-          </a:bodyPr>
-          <a:lstStyle/>
-          <a:p>
-            <a:pPr algn="ctr"/>
-            <a:r>
-              <a:rPr lang="en-US" altLang="zh-CN" sz="9600" dirty="0">
-                <a:solidFill>
-                  <a:schemeClr val="bg1"/>
-                </a:solidFill>
-                <a:latin typeface="Century Gothic" panose="020B0502020202020204" pitchFamily="34" charset="0"/>
-              </a:rPr>
-              <a:t>05</a:t>
-            </a:r>
-            <a:endParaRPr lang="zh-CN" altLang="en-US" sz="9600" dirty="0">
-              <a:solidFill>
-                <a:schemeClr val="bg1"/>
-              </a:solidFill>
-              <a:latin typeface="Century Gothic" panose="020B0502020202020204" pitchFamily="34" charset="0"/>
-            </a:endParaRPr>
-          </a:p>
-        </p:txBody>
-      </p:sp>
-      <p:sp>
-        <p:nvSpPr>
-          <p:cNvPr id="7" name="文本框 6"/>
-          <p:cNvSpPr txBox="1"/>
-          <p:nvPr/>
-        </p:nvSpPr>
-        <p:spPr>
-          <a:xfrm>
-            <a:off x="3314700" y="5278784"/>
-            <a:ext cx="5562600" cy="406400"/>
-          </a:xfrm>
-          <a:prstGeom prst="rect">
-            <a:avLst/>
-          </a:prstGeom>
-          <a:noFill/>
-        </p:spPr>
-        <p:txBody>
-          <a:bodyPr wrap="square" rtlCol="0">
-            <a:spAutoFit/>
-            <a:scene3d>
-              <a:camera prst="orthographicFront"/>
-              <a:lightRig rig="threePt" dir="t"/>
-            </a:scene3d>
-            <a:sp3d contourW="12700"/>
-          </a:bodyPr>
-          <a:lstStyle/>
-          <a:p>
-            <a:pPr algn="ctr">
-              <a:lnSpc>
-                <a:spcPct val="114000"/>
-              </a:lnSpc>
-            </a:pPr>
-            <a:r>
-              <a:rPr lang="en-US" altLang="zh-CN" dirty="0">
-                <a:solidFill>
-                  <a:schemeClr val="bg1">
-                    <a:lumMod val="50000"/>
-                  </a:schemeClr>
-                </a:solidFill>
-                <a:latin typeface="Century Gothic" panose="020B0502020202020204" pitchFamily="34" charset="0"/>
-                <a:ea typeface="+mj-ea"/>
-              </a:rPr>
-              <a:t>System Database</a:t>
-            </a:r>
-            <a:endParaRPr lang="en-US" altLang="zh-CN" dirty="0">
-              <a:solidFill>
-                <a:schemeClr val="bg1">
-                  <a:lumMod val="50000"/>
-                </a:schemeClr>
-              </a:solidFill>
-              <a:latin typeface="Century Gothic" panose="020B0502020202020204" pitchFamily="34" charset="0"/>
-              <a:ea typeface="+mj-ea"/>
-            </a:endParaRPr>
-          </a:p>
-        </p:txBody>
-      </p:sp>
-    </p:spTree>
-  </p:cSld>
-  <p:clrMapOvr>
-    <a:masterClrMapping/>
-  </p:clrMapOvr>
-</p:sld>
-</file>
-
-<file path=ppt/slides/slide39.xml><?xml version="1.0" encoding="utf-8"?>
-<p:sld xmlns:a="http://schemas.openxmlformats.org/drawingml/2006/main" xmlns:r="http://schemas.openxmlformats.org/officeDocument/2006/relationships" xmlns:p="http://schemas.openxmlformats.org/presentationml/2006/main">
-  <p:cSld>
-    <p:spTree>
-      <p:nvGrpSpPr>
-        <p:cNvPr id="1" name=""/>
-        <p:cNvGrpSpPr/>
-        <p:nvPr/>
-      </p:nvGrpSpPr>
-      <p:grpSpPr>
-        <a:xfrm>
-          <a:off x="0" y="0"/>
-          <a:ext cx="0" cy="0"/>
-          <a:chOff x="0" y="0"/>
-          <a:chExt cx="0" cy="0"/>
-        </a:xfrm>
-      </p:grpSpPr>
-      <p:sp>
-        <p:nvSpPr>
-          <p:cNvPr id="33" name="任意多边形: 形状 32"/>
-          <p:cNvSpPr/>
-          <p:nvPr/>
-        </p:nvSpPr>
-        <p:spPr>
-          <a:xfrm>
-            <a:off x="419285" y="720818"/>
-            <a:ext cx="923740" cy="461870"/>
-          </a:xfrm>
-          <a:custGeom>
-            <a:avLst/>
-            <a:gdLst>
-              <a:gd name="connsiteX0" fmla="*/ 0 w 923740"/>
-              <a:gd name="connsiteY0" fmla="*/ 0 h 461870"/>
-              <a:gd name="connsiteX1" fmla="*/ 33227 w 923740"/>
-              <a:gd name="connsiteY1" fmla="*/ 0 h 461870"/>
-              <a:gd name="connsiteX2" fmla="*/ 33227 w 923740"/>
-              <a:gd name="connsiteY2" fmla="*/ 428643 h 461870"/>
-              <a:gd name="connsiteX3" fmla="*/ 890513 w 923740"/>
-              <a:gd name="connsiteY3" fmla="*/ 428643 h 461870"/>
-              <a:gd name="connsiteX4" fmla="*/ 890513 w 923740"/>
-              <a:gd name="connsiteY4" fmla="*/ 0 h 461870"/>
-              <a:gd name="connsiteX5" fmla="*/ 923740 w 923740"/>
-              <a:gd name="connsiteY5" fmla="*/ 0 h 461870"/>
-              <a:gd name="connsiteX6" fmla="*/ 923740 w 923740"/>
-              <a:gd name="connsiteY6" fmla="*/ 461870 h 461870"/>
-              <a:gd name="connsiteX7" fmla="*/ 0 w 923740"/>
-              <a:gd name="connsiteY7" fmla="*/ 461870 h 461870"/>
-              <a:gd name="connsiteX8" fmla="*/ 0 w 923740"/>
-              <a:gd name="connsiteY8" fmla="*/ 0 h 461870"/>
-            </a:gdLst>
-            <a:ahLst/>
-            <a:cxnLst>
-              <a:cxn ang="0">
-                <a:pos x="connsiteX0" y="connsiteY0"/>
-              </a:cxn>
-              <a:cxn ang="0">
-                <a:pos x="connsiteX1" y="connsiteY1"/>
-              </a:cxn>
-              <a:cxn ang="0">
-                <a:pos x="connsiteX2" y="connsiteY2"/>
-              </a:cxn>
-              <a:cxn ang="0">
-                <a:pos x="connsiteX3" y="connsiteY3"/>
-              </a:cxn>
-              <a:cxn ang="0">
-                <a:pos x="connsiteX4" y="connsiteY4"/>
-              </a:cxn>
-              <a:cxn ang="0">
-                <a:pos x="connsiteX5" y="connsiteY5"/>
-              </a:cxn>
-              <a:cxn ang="0">
-                <a:pos x="connsiteX6" y="connsiteY6"/>
-              </a:cxn>
-              <a:cxn ang="0">
-                <a:pos x="connsiteX7" y="connsiteY7"/>
-              </a:cxn>
-              <a:cxn ang="0">
-                <a:pos x="connsiteX8" y="connsiteY8"/>
-              </a:cxn>
-            </a:cxnLst>
-            <a:rect l="l" t="t" r="r" b="b"/>
-            <a:pathLst>
-              <a:path w="923740" h="461870">
-                <a:moveTo>
-                  <a:pt x="0" y="0"/>
-                </a:moveTo>
-                <a:lnTo>
-                  <a:pt x="33227" y="0"/>
-                </a:lnTo>
-                <a:lnTo>
-                  <a:pt x="33227" y="428643"/>
-                </a:lnTo>
-                <a:lnTo>
-                  <a:pt x="890513" y="428643"/>
-                </a:lnTo>
-                <a:lnTo>
-                  <a:pt x="890513" y="0"/>
-                </a:lnTo>
-                <a:lnTo>
-                  <a:pt x="923740" y="0"/>
-                </a:lnTo>
-                <a:lnTo>
-                  <a:pt x="923740" y="461870"/>
-                </a:lnTo>
-                <a:lnTo>
-                  <a:pt x="0" y="461870"/>
-                </a:lnTo>
-                <a:lnTo>
-                  <a:pt x="0" y="0"/>
-                </a:lnTo>
-                <a:close/>
-              </a:path>
-            </a:pathLst>
-          </a:custGeom>
-          <a:solidFill>
-            <a:schemeClr val="tx1">
-              <a:lumMod val="75000"/>
-              <a:lumOff val="25000"/>
-            </a:schemeClr>
-          </a:solidFill>
-          <a:ln>
-            <a:noFill/>
-          </a:ln>
-        </p:spPr>
-        <p:style>
-          <a:lnRef idx="2">
-            <a:schemeClr val="accent1">
-              <a:shade val="50000"/>
-            </a:schemeClr>
-          </a:lnRef>
-          <a:fillRef idx="1">
-            <a:schemeClr val="accent1"/>
-          </a:fillRef>
-          <a:effectRef idx="0">
-            <a:schemeClr val="accent1"/>
-          </a:effectRef>
-          <a:fontRef idx="minor">
-            <a:schemeClr val="lt1"/>
-          </a:fontRef>
-        </p:style>
-        <p:txBody>
-          <a:bodyPr rtlCol="0" anchor="ctr"/>
-          <a:lstStyle/>
-          <a:p>
-            <a:pPr algn="ctr"/>
-            <a:endParaRPr lang="zh-CN" altLang="en-US" sz="1600">
-              <a:solidFill>
-                <a:schemeClr val="tx1"/>
-              </a:solidFill>
-            </a:endParaRPr>
-          </a:p>
-        </p:txBody>
-      </p:sp>
-      <p:sp>
-        <p:nvSpPr>
-          <p:cNvPr id="34" name="任意多边形: 形状 33"/>
-          <p:cNvSpPr/>
-          <p:nvPr/>
-        </p:nvSpPr>
-        <p:spPr>
-          <a:xfrm>
-            <a:off x="419285" y="258948"/>
-            <a:ext cx="923740" cy="461870"/>
-          </a:xfrm>
-          <a:custGeom>
-            <a:avLst/>
-            <a:gdLst>
-              <a:gd name="connsiteX0" fmla="*/ 0 w 923740"/>
-              <a:gd name="connsiteY0" fmla="*/ 0 h 461870"/>
-              <a:gd name="connsiteX1" fmla="*/ 923740 w 923740"/>
-              <a:gd name="connsiteY1" fmla="*/ 0 h 461870"/>
-              <a:gd name="connsiteX2" fmla="*/ 923740 w 923740"/>
-              <a:gd name="connsiteY2" fmla="*/ 461870 h 461870"/>
-              <a:gd name="connsiteX3" fmla="*/ 890513 w 923740"/>
-              <a:gd name="connsiteY3" fmla="*/ 461870 h 461870"/>
-              <a:gd name="connsiteX4" fmla="*/ 890513 w 923740"/>
-              <a:gd name="connsiteY4" fmla="*/ 33227 h 461870"/>
-              <a:gd name="connsiteX5" fmla="*/ 33227 w 923740"/>
-              <a:gd name="connsiteY5" fmla="*/ 33227 h 461870"/>
-              <a:gd name="connsiteX6" fmla="*/ 33227 w 923740"/>
-              <a:gd name="connsiteY6" fmla="*/ 461870 h 461870"/>
-              <a:gd name="connsiteX7" fmla="*/ 0 w 923740"/>
-              <a:gd name="connsiteY7" fmla="*/ 461870 h 461870"/>
-              <a:gd name="connsiteX8" fmla="*/ 0 w 923740"/>
-              <a:gd name="connsiteY8" fmla="*/ 0 h 461870"/>
-            </a:gdLst>
-            <a:ahLst/>
-            <a:cxnLst>
-              <a:cxn ang="0">
-                <a:pos x="connsiteX0" y="connsiteY0"/>
-              </a:cxn>
-              <a:cxn ang="0">
-                <a:pos x="connsiteX1" y="connsiteY1"/>
-              </a:cxn>
-              <a:cxn ang="0">
-                <a:pos x="connsiteX2" y="connsiteY2"/>
-              </a:cxn>
-              <a:cxn ang="0">
-                <a:pos x="connsiteX3" y="connsiteY3"/>
-              </a:cxn>
-              <a:cxn ang="0">
-                <a:pos x="connsiteX4" y="connsiteY4"/>
-              </a:cxn>
-              <a:cxn ang="0">
-                <a:pos x="connsiteX5" y="connsiteY5"/>
-              </a:cxn>
-              <a:cxn ang="0">
-                <a:pos x="connsiteX6" y="connsiteY6"/>
-              </a:cxn>
-              <a:cxn ang="0">
-                <a:pos x="connsiteX7" y="connsiteY7"/>
-              </a:cxn>
-              <a:cxn ang="0">
-                <a:pos x="connsiteX8" y="connsiteY8"/>
-              </a:cxn>
-            </a:cxnLst>
-            <a:rect l="l" t="t" r="r" b="b"/>
-            <a:pathLst>
-              <a:path w="923740" h="461870">
-                <a:moveTo>
-                  <a:pt x="0" y="0"/>
-                </a:moveTo>
-                <a:lnTo>
-                  <a:pt x="923740" y="0"/>
-                </a:lnTo>
-                <a:lnTo>
-                  <a:pt x="923740" y="461870"/>
-                </a:lnTo>
-                <a:lnTo>
-                  <a:pt x="890513" y="461870"/>
-                </a:lnTo>
-                <a:lnTo>
-                  <a:pt x="890513" y="33227"/>
-                </a:lnTo>
-                <a:lnTo>
-                  <a:pt x="33227" y="33227"/>
-                </a:lnTo>
-                <a:lnTo>
-                  <a:pt x="33227" y="461870"/>
-                </a:lnTo>
-                <a:lnTo>
-                  <a:pt x="0" y="461870"/>
-                </a:lnTo>
-                <a:lnTo>
-                  <a:pt x="0" y="0"/>
-                </a:lnTo>
-                <a:close/>
-              </a:path>
-            </a:pathLst>
-          </a:custGeom>
-          <a:ln>
-            <a:noFill/>
-          </a:ln>
-        </p:spPr>
-        <p:style>
-          <a:lnRef idx="2">
-            <a:schemeClr val="accent1">
-              <a:shade val="50000"/>
-            </a:schemeClr>
-          </a:lnRef>
-          <a:fillRef idx="1">
-            <a:schemeClr val="accent1"/>
-          </a:fillRef>
-          <a:effectRef idx="0">
-            <a:schemeClr val="accent1"/>
-          </a:effectRef>
-          <a:fontRef idx="minor">
-            <a:schemeClr val="lt1"/>
-          </a:fontRef>
-        </p:style>
-        <p:txBody>
-          <a:bodyPr rtlCol="0" anchor="ctr"/>
-          <a:lstStyle/>
-          <a:p>
-            <a:pPr algn="ctr"/>
-            <a:endParaRPr lang="zh-CN" altLang="en-US" sz="1600">
-              <a:solidFill>
-                <a:schemeClr val="tx1"/>
-              </a:solidFill>
-            </a:endParaRPr>
-          </a:p>
-        </p:txBody>
-      </p:sp>
-      <p:sp>
-        <p:nvSpPr>
-          <p:cNvPr id="35" name="文本框 34"/>
-          <p:cNvSpPr txBox="1"/>
-          <p:nvPr/>
-        </p:nvSpPr>
-        <p:spPr>
-          <a:xfrm>
-            <a:off x="419285" y="366875"/>
-            <a:ext cx="923740" cy="707886"/>
-          </a:xfrm>
-          <a:prstGeom prst="rect">
-            <a:avLst/>
-          </a:prstGeom>
-          <a:noFill/>
-        </p:spPr>
-        <p:txBody>
-          <a:bodyPr wrap="square" rtlCol="0">
-            <a:spAutoFit/>
-            <a:scene3d>
-              <a:camera prst="orthographicFront"/>
-              <a:lightRig rig="threePt" dir="t"/>
-            </a:scene3d>
-            <a:sp3d contourW="12700"/>
-          </a:bodyPr>
-          <a:lstStyle/>
-          <a:p>
-            <a:pPr algn="ctr"/>
-            <a:r>
-              <a:rPr lang="en-US" altLang="zh-CN" sz="4000" dirty="0">
-                <a:solidFill>
-                  <a:schemeClr val="accent1"/>
-                </a:solidFill>
-                <a:latin typeface="Century Gothic" panose="020B0502020202020204" pitchFamily="34" charset="0"/>
-              </a:rPr>
-              <a:t>05</a:t>
-            </a:r>
-            <a:endParaRPr lang="zh-CN" altLang="en-US" sz="4000" dirty="0">
-              <a:solidFill>
-                <a:schemeClr val="accent1"/>
-              </a:solidFill>
-              <a:latin typeface="Century Gothic" panose="020B0502020202020204" pitchFamily="34" charset="0"/>
-            </a:endParaRPr>
-          </a:p>
-        </p:txBody>
-      </p:sp>
-      <p:grpSp>
-        <p:nvGrpSpPr>
-          <p:cNvPr id="36" name="组合 35"/>
-          <p:cNvGrpSpPr/>
-          <p:nvPr/>
-        </p:nvGrpSpPr>
-        <p:grpSpPr>
-          <a:xfrm>
-            <a:off x="1473289" y="371367"/>
-            <a:ext cx="4260761" cy="802534"/>
-            <a:chOff x="7318011" y="1456480"/>
-            <a:chExt cx="4260761" cy="802534"/>
-          </a:xfrm>
-        </p:grpSpPr>
-        <p:sp>
-          <p:nvSpPr>
-            <p:cNvPr id="37" name="文本框 36"/>
-            <p:cNvSpPr txBox="1"/>
-            <p:nvPr/>
-          </p:nvSpPr>
-          <p:spPr>
-            <a:xfrm>
-              <a:off x="7318011" y="1456480"/>
-              <a:ext cx="2214880" cy="583565"/>
-            </a:xfrm>
-            <a:prstGeom prst="rect">
-              <a:avLst/>
-            </a:prstGeom>
-            <a:noFill/>
-          </p:spPr>
-          <p:txBody>
-            <a:bodyPr wrap="none" rtlCol="0">
-              <a:spAutoFit/>
-              <a:scene3d>
-                <a:camera prst="orthographicFront"/>
-                <a:lightRig rig="threePt" dir="t"/>
-              </a:scene3d>
-              <a:sp3d contourW="12700"/>
-            </a:bodyPr>
-            <a:lstStyle/>
-            <a:p>
-              <a:r>
-                <a:rPr lang="zh-CN" altLang="en-US" sz="3200" b="1" dirty="0">
-                  <a:solidFill>
-                    <a:schemeClr val="tx1">
-                      <a:lumMod val="85000"/>
-                      <a:lumOff val="15000"/>
-                    </a:schemeClr>
-                  </a:solidFill>
-                </a:rPr>
-                <a:t>系统数据库</a:t>
-              </a:r>
-              <a:endParaRPr lang="zh-CN" altLang="en-US" sz="3200" b="1" dirty="0">
-                <a:solidFill>
-                  <a:schemeClr val="tx1">
-                    <a:lumMod val="85000"/>
-                    <a:lumOff val="15000"/>
-                  </a:schemeClr>
-                </a:solidFill>
-              </a:endParaRPr>
-            </a:p>
-          </p:txBody>
-        </p:sp>
-        <p:sp>
-          <p:nvSpPr>
-            <p:cNvPr id="38" name="文本框 37"/>
-            <p:cNvSpPr txBox="1"/>
-            <p:nvPr/>
-          </p:nvSpPr>
-          <p:spPr>
-            <a:xfrm>
-              <a:off x="7318011" y="1984059"/>
-              <a:ext cx="4260761" cy="274955"/>
-            </a:xfrm>
-            <a:prstGeom prst="rect">
-              <a:avLst/>
-            </a:prstGeom>
-            <a:noFill/>
-          </p:spPr>
-          <p:txBody>
-            <a:bodyPr wrap="square" rtlCol="0">
-              <a:spAutoFit/>
-              <a:scene3d>
-                <a:camera prst="orthographicFront"/>
-                <a:lightRig rig="threePt" dir="t"/>
-              </a:scene3d>
-              <a:sp3d contourW="12700"/>
-            </a:bodyPr>
-            <a:lstStyle/>
-            <a:p>
-              <a:pPr>
-                <a:lnSpc>
-                  <a:spcPct val="114000"/>
-                </a:lnSpc>
-              </a:pPr>
-              <a:r>
-                <a:rPr lang="en-US" altLang="zh-CN" sz="1050" dirty="0">
-                  <a:solidFill>
-                    <a:schemeClr val="bg1">
-                      <a:lumMod val="50000"/>
-                    </a:schemeClr>
-                  </a:solidFill>
-                  <a:latin typeface="Century Gothic" panose="020B0502020202020204" pitchFamily="34" charset="0"/>
-                </a:rPr>
-                <a:t>System Database</a:t>
-              </a:r>
-              <a:endParaRPr lang="en-US" altLang="zh-CN" sz="1050" dirty="0">
-                <a:solidFill>
-                  <a:schemeClr val="bg1">
-                    <a:lumMod val="50000"/>
-                  </a:schemeClr>
-                </a:solidFill>
-                <a:latin typeface="Century Gothic" panose="020B0502020202020204" pitchFamily="34" charset="0"/>
-              </a:endParaRPr>
-            </a:p>
-          </p:txBody>
-        </p:sp>
-      </p:grpSp>
-      <p:pic>
-        <p:nvPicPr>
-          <p:cNvPr id="2" name="图片 1"/>
-          <p:cNvPicPr>
-            <a:picLocks noChangeAspect="1"/>
-          </p:cNvPicPr>
-          <p:nvPr/>
-        </p:nvPicPr>
-        <p:blipFill>
-          <a:blip r:embed="rId1"/>
-          <a:stretch>
-            <a:fillRect/>
-          </a:stretch>
-        </p:blipFill>
-        <p:spPr>
-          <a:xfrm>
-            <a:off x="1343025" y="1423670"/>
-            <a:ext cx="9723120" cy="4907280"/>
           </a:xfrm>
           <a:prstGeom prst="rect">
             <a:avLst/>
@@ -26711,7 +27191,7 @@
             </a:pPr>
             <a:r>
               <a:rPr lang="en-US" altLang="zh-CN" b="1"/>
-              <a:t>git pull</a:t>
+              <a:t>git pull --rebase</a:t>
             </a:r>
             <a:endParaRPr lang="en-US" altLang="zh-CN" b="1"/>
           </a:p>
@@ -26918,6 +27398,2238 @@
 </file>
 
 <file path=ppt/slides/slide40.xml><?xml version="1.0" encoding="utf-8"?>
+<p:sld xmlns:a="http://schemas.openxmlformats.org/drawingml/2006/main" xmlns:r="http://schemas.openxmlformats.org/officeDocument/2006/relationships" xmlns:p="http://schemas.openxmlformats.org/presentationml/2006/main">
+  <p:cSld>
+    <p:spTree>
+      <p:nvGrpSpPr>
+        <p:cNvPr id="1" name=""/>
+        <p:cNvGrpSpPr/>
+        <p:nvPr/>
+      </p:nvGrpSpPr>
+      <p:grpSpPr>
+        <a:xfrm>
+          <a:off x="0" y="0"/>
+          <a:ext cx="0" cy="0"/>
+          <a:chOff x="0" y="0"/>
+          <a:chExt cx="0" cy="0"/>
+        </a:xfrm>
+      </p:grpSpPr>
+      <p:sp>
+        <p:nvSpPr>
+          <p:cNvPr id="4" name="菱形 3"/>
+          <p:cNvSpPr/>
+          <p:nvPr/>
+        </p:nvSpPr>
+        <p:spPr>
+          <a:xfrm>
+            <a:off x="2870200" y="139785"/>
+            <a:ext cx="6451600" cy="6451600"/>
+          </a:xfrm>
+          <a:prstGeom prst="diamond">
+            <a:avLst/>
+          </a:prstGeom>
+          <a:noFill/>
+          <a:ln w="57150">
+            <a:solidFill>
+              <a:schemeClr val="bg1">
+                <a:lumMod val="95000"/>
+              </a:schemeClr>
+            </a:solidFill>
+          </a:ln>
+        </p:spPr>
+        <p:style>
+          <a:lnRef idx="2">
+            <a:schemeClr val="accent1">
+              <a:shade val="50000"/>
+            </a:schemeClr>
+          </a:lnRef>
+          <a:fillRef idx="1">
+            <a:schemeClr val="accent1"/>
+          </a:fillRef>
+          <a:effectRef idx="0">
+            <a:schemeClr val="accent1"/>
+          </a:effectRef>
+          <a:fontRef idx="minor">
+            <a:schemeClr val="lt1"/>
+          </a:fontRef>
+        </p:style>
+        <p:txBody>
+          <a:bodyPr rtlCol="0" anchor="ctr"/>
+          <a:lstStyle/>
+          <a:p>
+            <a:pPr algn="ctr"/>
+            <a:endParaRPr lang="zh-CN" altLang="en-US"/>
+          </a:p>
+        </p:txBody>
+      </p:sp>
+      <p:sp>
+        <p:nvSpPr>
+          <p:cNvPr id="8" name="任意多边形: 形状 7"/>
+          <p:cNvSpPr/>
+          <p:nvPr/>
+        </p:nvSpPr>
+        <p:spPr>
+          <a:xfrm>
+            <a:off x="0" y="0"/>
+            <a:ext cx="12192000" cy="3239357"/>
+          </a:xfrm>
+          <a:custGeom>
+            <a:avLst/>
+            <a:gdLst>
+              <a:gd name="connsiteX0" fmla="*/ 0 w 12192000"/>
+              <a:gd name="connsiteY0" fmla="*/ 0 h 3429000"/>
+              <a:gd name="connsiteX1" fmla="*/ 12192000 w 12192000"/>
+              <a:gd name="connsiteY1" fmla="*/ 0 h 3429000"/>
+              <a:gd name="connsiteX2" fmla="*/ 12192000 w 12192000"/>
+              <a:gd name="connsiteY2" fmla="*/ 3429000 h 3429000"/>
+              <a:gd name="connsiteX3" fmla="*/ 8705850 w 12192000"/>
+              <a:gd name="connsiteY3" fmla="*/ 3429000 h 3429000"/>
+              <a:gd name="connsiteX4" fmla="*/ 8640080 w 12192000"/>
+              <a:gd name="connsiteY4" fmla="*/ 3429000 h 3429000"/>
+              <a:gd name="connsiteX5" fmla="*/ 3551920 w 12192000"/>
+              <a:gd name="connsiteY5" fmla="*/ 3429000 h 3429000"/>
+              <a:gd name="connsiteX6" fmla="*/ 3486150 w 12192000"/>
+              <a:gd name="connsiteY6" fmla="*/ 3429000 h 3429000"/>
+              <a:gd name="connsiteX7" fmla="*/ 0 w 12192000"/>
+              <a:gd name="connsiteY7" fmla="*/ 3429000 h 3429000"/>
+            </a:gdLst>
+            <a:ahLst/>
+            <a:cxnLst>
+              <a:cxn ang="0">
+                <a:pos x="connsiteX0" y="connsiteY0"/>
+              </a:cxn>
+              <a:cxn ang="0">
+                <a:pos x="connsiteX1" y="connsiteY1"/>
+              </a:cxn>
+              <a:cxn ang="0">
+                <a:pos x="connsiteX2" y="connsiteY2"/>
+              </a:cxn>
+              <a:cxn ang="0">
+                <a:pos x="connsiteX3" y="connsiteY3"/>
+              </a:cxn>
+              <a:cxn ang="0">
+                <a:pos x="connsiteX4" y="connsiteY4"/>
+              </a:cxn>
+              <a:cxn ang="0">
+                <a:pos x="connsiteX5" y="connsiteY5"/>
+              </a:cxn>
+              <a:cxn ang="0">
+                <a:pos x="connsiteX6" y="connsiteY6"/>
+              </a:cxn>
+              <a:cxn ang="0">
+                <a:pos x="connsiteX7" y="connsiteY7"/>
+              </a:cxn>
+            </a:cxnLst>
+            <a:rect l="l" t="t" r="r" b="b"/>
+            <a:pathLst>
+              <a:path w="12192000" h="3429000">
+                <a:moveTo>
+                  <a:pt x="0" y="0"/>
+                </a:moveTo>
+                <a:lnTo>
+                  <a:pt x="12192000" y="0"/>
+                </a:lnTo>
+                <a:lnTo>
+                  <a:pt x="12192000" y="3429000"/>
+                </a:lnTo>
+                <a:lnTo>
+                  <a:pt x="8705850" y="3429000"/>
+                </a:lnTo>
+                <a:lnTo>
+                  <a:pt x="8640080" y="3429000"/>
+                </a:lnTo>
+                <a:lnTo>
+                  <a:pt x="3551920" y="3429000"/>
+                </a:lnTo>
+                <a:lnTo>
+                  <a:pt x="3486150" y="3429000"/>
+                </a:lnTo>
+                <a:lnTo>
+                  <a:pt x="0" y="3429000"/>
+                </a:lnTo>
+                <a:close/>
+              </a:path>
+            </a:pathLst>
+          </a:custGeom>
+          <a:blipFill>
+            <a:blip r:embed="rId1"/>
+            <a:tile tx="6350" ty="-215900" sx="89000" sy="89000" flip="none" algn="ctr"/>
+          </a:blipFill>
+          <a:ln>
+            <a:noFill/>
+          </a:ln>
+        </p:spPr>
+        <p:style>
+          <a:lnRef idx="2">
+            <a:schemeClr val="accent1">
+              <a:shade val="50000"/>
+            </a:schemeClr>
+          </a:lnRef>
+          <a:fillRef idx="1">
+            <a:schemeClr val="accent1"/>
+          </a:fillRef>
+          <a:effectRef idx="0">
+            <a:schemeClr val="accent1"/>
+          </a:effectRef>
+          <a:fontRef idx="minor">
+            <a:schemeClr val="lt1"/>
+          </a:fontRef>
+        </p:style>
+        <p:txBody>
+          <a:bodyPr rtlCol="0" anchor="ctr"/>
+          <a:lstStyle/>
+          <a:p>
+            <a:pPr algn="ctr"/>
+            <a:endParaRPr lang="zh-CN" altLang="en-US"/>
+          </a:p>
+        </p:txBody>
+      </p:sp>
+      <p:sp>
+        <p:nvSpPr>
+          <p:cNvPr id="3" name="任意多边形: 形状 2"/>
+          <p:cNvSpPr/>
+          <p:nvPr/>
+        </p:nvSpPr>
+        <p:spPr>
+          <a:xfrm>
+            <a:off x="0" y="0"/>
+            <a:ext cx="12192000" cy="3239357"/>
+          </a:xfrm>
+          <a:custGeom>
+            <a:avLst/>
+            <a:gdLst>
+              <a:gd name="connsiteX0" fmla="*/ 0 w 12192000"/>
+              <a:gd name="connsiteY0" fmla="*/ 0 h 3429000"/>
+              <a:gd name="connsiteX1" fmla="*/ 12192000 w 12192000"/>
+              <a:gd name="connsiteY1" fmla="*/ 0 h 3429000"/>
+              <a:gd name="connsiteX2" fmla="*/ 12192000 w 12192000"/>
+              <a:gd name="connsiteY2" fmla="*/ 3429000 h 3429000"/>
+              <a:gd name="connsiteX3" fmla="*/ 8705850 w 12192000"/>
+              <a:gd name="connsiteY3" fmla="*/ 3429000 h 3429000"/>
+              <a:gd name="connsiteX4" fmla="*/ 8640080 w 12192000"/>
+              <a:gd name="connsiteY4" fmla="*/ 3429000 h 3429000"/>
+              <a:gd name="connsiteX5" fmla="*/ 3551920 w 12192000"/>
+              <a:gd name="connsiteY5" fmla="*/ 3429000 h 3429000"/>
+              <a:gd name="connsiteX6" fmla="*/ 3486150 w 12192000"/>
+              <a:gd name="connsiteY6" fmla="*/ 3429000 h 3429000"/>
+              <a:gd name="connsiteX7" fmla="*/ 0 w 12192000"/>
+              <a:gd name="connsiteY7" fmla="*/ 3429000 h 3429000"/>
+            </a:gdLst>
+            <a:ahLst/>
+            <a:cxnLst>
+              <a:cxn ang="0">
+                <a:pos x="connsiteX0" y="connsiteY0"/>
+              </a:cxn>
+              <a:cxn ang="0">
+                <a:pos x="connsiteX1" y="connsiteY1"/>
+              </a:cxn>
+              <a:cxn ang="0">
+                <a:pos x="connsiteX2" y="connsiteY2"/>
+              </a:cxn>
+              <a:cxn ang="0">
+                <a:pos x="connsiteX3" y="connsiteY3"/>
+              </a:cxn>
+              <a:cxn ang="0">
+                <a:pos x="connsiteX4" y="connsiteY4"/>
+              </a:cxn>
+              <a:cxn ang="0">
+                <a:pos x="connsiteX5" y="connsiteY5"/>
+              </a:cxn>
+              <a:cxn ang="0">
+                <a:pos x="connsiteX6" y="connsiteY6"/>
+              </a:cxn>
+              <a:cxn ang="0">
+                <a:pos x="connsiteX7" y="connsiteY7"/>
+              </a:cxn>
+            </a:cxnLst>
+            <a:rect l="l" t="t" r="r" b="b"/>
+            <a:pathLst>
+              <a:path w="12192000" h="3429000">
+                <a:moveTo>
+                  <a:pt x="0" y="0"/>
+                </a:moveTo>
+                <a:lnTo>
+                  <a:pt x="12192000" y="0"/>
+                </a:lnTo>
+                <a:lnTo>
+                  <a:pt x="12192000" y="3429000"/>
+                </a:lnTo>
+                <a:lnTo>
+                  <a:pt x="8705850" y="3429000"/>
+                </a:lnTo>
+                <a:lnTo>
+                  <a:pt x="8640080" y="3429000"/>
+                </a:lnTo>
+                <a:lnTo>
+                  <a:pt x="3551920" y="3429000"/>
+                </a:lnTo>
+                <a:lnTo>
+                  <a:pt x="3486150" y="3429000"/>
+                </a:lnTo>
+                <a:lnTo>
+                  <a:pt x="0" y="3429000"/>
+                </a:lnTo>
+                <a:close/>
+              </a:path>
+            </a:pathLst>
+          </a:custGeom>
+          <a:gradFill>
+            <a:gsLst>
+              <a:gs pos="0">
+                <a:schemeClr val="tx1">
+                  <a:alpha val="50000"/>
+                </a:schemeClr>
+              </a:gs>
+              <a:gs pos="100000">
+                <a:schemeClr val="tx1">
+                  <a:lumMod val="95000"/>
+                  <a:lumOff val="5000"/>
+                </a:schemeClr>
+              </a:gs>
+            </a:gsLst>
+            <a:lin ang="5400000" scaled="1"/>
+          </a:gradFill>
+          <a:ln>
+            <a:noFill/>
+          </a:ln>
+        </p:spPr>
+        <p:style>
+          <a:lnRef idx="2">
+            <a:schemeClr val="accent1">
+              <a:shade val="50000"/>
+            </a:schemeClr>
+          </a:lnRef>
+          <a:fillRef idx="1">
+            <a:schemeClr val="accent1"/>
+          </a:fillRef>
+          <a:effectRef idx="0">
+            <a:schemeClr val="accent1"/>
+          </a:effectRef>
+          <a:fontRef idx="minor">
+            <a:schemeClr val="lt1"/>
+          </a:fontRef>
+        </p:style>
+        <p:txBody>
+          <a:bodyPr rtlCol="0" anchor="ctr"/>
+          <a:lstStyle/>
+          <a:p>
+            <a:pPr algn="ctr"/>
+            <a:endParaRPr lang="zh-CN" altLang="en-US"/>
+          </a:p>
+        </p:txBody>
+      </p:sp>
+      <p:sp>
+        <p:nvSpPr>
+          <p:cNvPr id="2" name="图文框 1"/>
+          <p:cNvSpPr/>
+          <p:nvPr/>
+        </p:nvSpPr>
+        <p:spPr>
+          <a:xfrm>
+            <a:off x="4747911" y="1259013"/>
+            <a:ext cx="2696178" cy="3909888"/>
+          </a:xfrm>
+          <a:prstGeom prst="frame">
+            <a:avLst>
+              <a:gd name="adj1" fmla="val 2586"/>
+            </a:avLst>
+          </a:prstGeom>
+          <a:ln>
+            <a:noFill/>
+          </a:ln>
+        </p:spPr>
+        <p:style>
+          <a:lnRef idx="2">
+            <a:schemeClr val="accent1">
+              <a:shade val="50000"/>
+            </a:schemeClr>
+          </a:lnRef>
+          <a:fillRef idx="1">
+            <a:schemeClr val="accent1"/>
+          </a:fillRef>
+          <a:effectRef idx="0">
+            <a:schemeClr val="accent1"/>
+          </a:effectRef>
+          <a:fontRef idx="minor">
+            <a:schemeClr val="lt1"/>
+          </a:fontRef>
+        </p:style>
+        <p:txBody>
+          <a:bodyPr rtlCol="0" anchor="ctr"/>
+          <a:lstStyle/>
+          <a:p>
+            <a:pPr algn="ctr"/>
+            <a:endParaRPr lang="zh-CN" altLang="en-US">
+              <a:solidFill>
+                <a:schemeClr val="tx1"/>
+              </a:solidFill>
+            </a:endParaRPr>
+          </a:p>
+        </p:txBody>
+      </p:sp>
+      <p:sp>
+        <p:nvSpPr>
+          <p:cNvPr id="5" name="文本框 4"/>
+          <p:cNvSpPr txBox="1"/>
+          <p:nvPr/>
+        </p:nvSpPr>
+        <p:spPr>
+          <a:xfrm>
+            <a:off x="4864100" y="3408144"/>
+            <a:ext cx="2463800" cy="1568450"/>
+          </a:xfrm>
+          <a:prstGeom prst="rect">
+            <a:avLst/>
+          </a:prstGeom>
+          <a:noFill/>
+        </p:spPr>
+        <p:txBody>
+          <a:bodyPr wrap="square" rtlCol="0">
+            <a:spAutoFit/>
+            <a:scene3d>
+              <a:camera prst="orthographicFront"/>
+              <a:lightRig rig="threePt" dir="t"/>
+            </a:scene3d>
+            <a:sp3d contourW="12700"/>
+          </a:bodyPr>
+          <a:lstStyle/>
+          <a:p>
+            <a:pPr algn="ctr"/>
+            <a:r>
+              <a:rPr lang="zh-CN" altLang="en-US" sz="4800" b="1" dirty="0">
+                <a:solidFill>
+                  <a:schemeClr val="tx1">
+                    <a:lumMod val="75000"/>
+                    <a:lumOff val="25000"/>
+                  </a:schemeClr>
+                </a:solidFill>
+              </a:rPr>
+              <a:t>单元</a:t>
+            </a:r>
+            <a:endParaRPr lang="zh-CN" altLang="en-US" sz="4800" b="1" dirty="0">
+              <a:solidFill>
+                <a:schemeClr val="tx1">
+                  <a:lumMod val="75000"/>
+                  <a:lumOff val="25000"/>
+                </a:schemeClr>
+              </a:solidFill>
+            </a:endParaRPr>
+          </a:p>
+          <a:p>
+            <a:pPr algn="ctr"/>
+            <a:r>
+              <a:rPr lang="zh-CN" altLang="en-US" sz="4800" b="1" dirty="0">
+                <a:solidFill>
+                  <a:schemeClr val="tx1">
+                    <a:lumMod val="75000"/>
+                    <a:lumOff val="25000"/>
+                  </a:schemeClr>
+                </a:solidFill>
+              </a:rPr>
+              <a:t>测试</a:t>
+            </a:r>
+            <a:endParaRPr lang="zh-CN" altLang="en-US" sz="4800" b="1" dirty="0">
+              <a:solidFill>
+                <a:schemeClr val="tx1">
+                  <a:lumMod val="75000"/>
+                  <a:lumOff val="25000"/>
+                </a:schemeClr>
+              </a:solidFill>
+            </a:endParaRPr>
+          </a:p>
+        </p:txBody>
+      </p:sp>
+      <p:sp>
+        <p:nvSpPr>
+          <p:cNvPr id="6" name="文本框 5"/>
+          <p:cNvSpPr txBox="1"/>
+          <p:nvPr/>
+        </p:nvSpPr>
+        <p:spPr>
+          <a:xfrm>
+            <a:off x="4864100" y="1482574"/>
+            <a:ext cx="2463800" cy="1569660"/>
+          </a:xfrm>
+          <a:prstGeom prst="rect">
+            <a:avLst/>
+          </a:prstGeom>
+          <a:noFill/>
+        </p:spPr>
+        <p:txBody>
+          <a:bodyPr wrap="square" rtlCol="0">
+            <a:spAutoFit/>
+            <a:scene3d>
+              <a:camera prst="orthographicFront"/>
+              <a:lightRig rig="threePt" dir="t"/>
+            </a:scene3d>
+            <a:sp3d contourW="12700"/>
+          </a:bodyPr>
+          <a:lstStyle/>
+          <a:p>
+            <a:pPr algn="ctr"/>
+            <a:r>
+              <a:rPr lang="en-US" altLang="zh-CN" sz="9600" dirty="0">
+                <a:solidFill>
+                  <a:schemeClr val="bg1"/>
+                </a:solidFill>
+                <a:latin typeface="Century Gothic" panose="020B0502020202020204" pitchFamily="34" charset="0"/>
+              </a:rPr>
+              <a:t>04</a:t>
+            </a:r>
+            <a:endParaRPr lang="zh-CN" altLang="en-US" sz="9600" dirty="0">
+              <a:solidFill>
+                <a:schemeClr val="bg1"/>
+              </a:solidFill>
+              <a:latin typeface="Century Gothic" panose="020B0502020202020204" pitchFamily="34" charset="0"/>
+            </a:endParaRPr>
+          </a:p>
+        </p:txBody>
+      </p:sp>
+      <p:sp>
+        <p:nvSpPr>
+          <p:cNvPr id="7" name="文本框 6"/>
+          <p:cNvSpPr txBox="1"/>
+          <p:nvPr/>
+        </p:nvSpPr>
+        <p:spPr>
+          <a:xfrm>
+            <a:off x="3314700" y="5269259"/>
+            <a:ext cx="5562600" cy="406400"/>
+          </a:xfrm>
+          <a:prstGeom prst="rect">
+            <a:avLst/>
+          </a:prstGeom>
+          <a:noFill/>
+        </p:spPr>
+        <p:txBody>
+          <a:bodyPr wrap="square" rtlCol="0">
+            <a:spAutoFit/>
+            <a:scene3d>
+              <a:camera prst="orthographicFront"/>
+              <a:lightRig rig="threePt" dir="t"/>
+            </a:scene3d>
+            <a:sp3d contourW="12700"/>
+          </a:bodyPr>
+          <a:lstStyle/>
+          <a:p>
+            <a:pPr algn="ctr">
+              <a:lnSpc>
+                <a:spcPct val="114000"/>
+              </a:lnSpc>
+            </a:pPr>
+            <a:r>
+              <a:rPr lang="en-US" altLang="zh-CN" dirty="0">
+                <a:solidFill>
+                  <a:schemeClr val="bg1">
+                    <a:lumMod val="50000"/>
+                  </a:schemeClr>
+                </a:solidFill>
+                <a:latin typeface="Century Gothic" panose="020B0502020202020204" pitchFamily="34" charset="0"/>
+                <a:ea typeface="+mj-ea"/>
+              </a:rPr>
+              <a:t>Unit Test</a:t>
+            </a:r>
+            <a:endParaRPr lang="en-US" altLang="zh-CN" dirty="0">
+              <a:solidFill>
+                <a:schemeClr val="bg1">
+                  <a:lumMod val="50000"/>
+                </a:schemeClr>
+              </a:solidFill>
+              <a:latin typeface="Century Gothic" panose="020B0502020202020204" pitchFamily="34" charset="0"/>
+              <a:ea typeface="+mj-ea"/>
+            </a:endParaRPr>
+          </a:p>
+        </p:txBody>
+      </p:sp>
+    </p:spTree>
+  </p:cSld>
+  <p:clrMapOvr>
+    <a:masterClrMapping/>
+  </p:clrMapOvr>
+</p:sld>
+</file>
+
+<file path=ppt/slides/slide41.xml><?xml version="1.0" encoding="utf-8"?>
+<p:sld xmlns:a="http://schemas.openxmlformats.org/drawingml/2006/main" xmlns:r="http://schemas.openxmlformats.org/officeDocument/2006/relationships" xmlns:p="http://schemas.openxmlformats.org/presentationml/2006/main">
+  <p:cSld>
+    <p:spTree>
+      <p:nvGrpSpPr>
+        <p:cNvPr id="1" name=""/>
+        <p:cNvGrpSpPr/>
+        <p:nvPr/>
+      </p:nvGrpSpPr>
+      <p:grpSpPr>
+        <a:xfrm>
+          <a:off x="0" y="0"/>
+          <a:ext cx="0" cy="0"/>
+          <a:chOff x="0" y="0"/>
+          <a:chExt cx="0" cy="0"/>
+        </a:xfrm>
+      </p:grpSpPr>
+      <p:sp>
+        <p:nvSpPr>
+          <p:cNvPr id="93" name="任意多边形: 形状 92"/>
+          <p:cNvSpPr/>
+          <p:nvPr/>
+        </p:nvSpPr>
+        <p:spPr>
+          <a:xfrm>
+            <a:off x="419285" y="720818"/>
+            <a:ext cx="923740" cy="461870"/>
+          </a:xfrm>
+          <a:custGeom>
+            <a:avLst/>
+            <a:gdLst>
+              <a:gd name="connsiteX0" fmla="*/ 0 w 923740"/>
+              <a:gd name="connsiteY0" fmla="*/ 0 h 461870"/>
+              <a:gd name="connsiteX1" fmla="*/ 33227 w 923740"/>
+              <a:gd name="connsiteY1" fmla="*/ 0 h 461870"/>
+              <a:gd name="connsiteX2" fmla="*/ 33227 w 923740"/>
+              <a:gd name="connsiteY2" fmla="*/ 428643 h 461870"/>
+              <a:gd name="connsiteX3" fmla="*/ 890513 w 923740"/>
+              <a:gd name="connsiteY3" fmla="*/ 428643 h 461870"/>
+              <a:gd name="connsiteX4" fmla="*/ 890513 w 923740"/>
+              <a:gd name="connsiteY4" fmla="*/ 0 h 461870"/>
+              <a:gd name="connsiteX5" fmla="*/ 923740 w 923740"/>
+              <a:gd name="connsiteY5" fmla="*/ 0 h 461870"/>
+              <a:gd name="connsiteX6" fmla="*/ 923740 w 923740"/>
+              <a:gd name="connsiteY6" fmla="*/ 461870 h 461870"/>
+              <a:gd name="connsiteX7" fmla="*/ 0 w 923740"/>
+              <a:gd name="connsiteY7" fmla="*/ 461870 h 461870"/>
+              <a:gd name="connsiteX8" fmla="*/ 0 w 923740"/>
+              <a:gd name="connsiteY8" fmla="*/ 0 h 461870"/>
+            </a:gdLst>
+            <a:ahLst/>
+            <a:cxnLst>
+              <a:cxn ang="0">
+                <a:pos x="connsiteX0" y="connsiteY0"/>
+              </a:cxn>
+              <a:cxn ang="0">
+                <a:pos x="connsiteX1" y="connsiteY1"/>
+              </a:cxn>
+              <a:cxn ang="0">
+                <a:pos x="connsiteX2" y="connsiteY2"/>
+              </a:cxn>
+              <a:cxn ang="0">
+                <a:pos x="connsiteX3" y="connsiteY3"/>
+              </a:cxn>
+              <a:cxn ang="0">
+                <a:pos x="connsiteX4" y="connsiteY4"/>
+              </a:cxn>
+              <a:cxn ang="0">
+                <a:pos x="connsiteX5" y="connsiteY5"/>
+              </a:cxn>
+              <a:cxn ang="0">
+                <a:pos x="connsiteX6" y="connsiteY6"/>
+              </a:cxn>
+              <a:cxn ang="0">
+                <a:pos x="connsiteX7" y="connsiteY7"/>
+              </a:cxn>
+              <a:cxn ang="0">
+                <a:pos x="connsiteX8" y="connsiteY8"/>
+              </a:cxn>
+            </a:cxnLst>
+            <a:rect l="l" t="t" r="r" b="b"/>
+            <a:pathLst>
+              <a:path w="923740" h="461870">
+                <a:moveTo>
+                  <a:pt x="0" y="0"/>
+                </a:moveTo>
+                <a:lnTo>
+                  <a:pt x="33227" y="0"/>
+                </a:lnTo>
+                <a:lnTo>
+                  <a:pt x="33227" y="428643"/>
+                </a:lnTo>
+                <a:lnTo>
+                  <a:pt x="890513" y="428643"/>
+                </a:lnTo>
+                <a:lnTo>
+                  <a:pt x="890513" y="0"/>
+                </a:lnTo>
+                <a:lnTo>
+                  <a:pt x="923740" y="0"/>
+                </a:lnTo>
+                <a:lnTo>
+                  <a:pt x="923740" y="461870"/>
+                </a:lnTo>
+                <a:lnTo>
+                  <a:pt x="0" y="461870"/>
+                </a:lnTo>
+                <a:lnTo>
+                  <a:pt x="0" y="0"/>
+                </a:lnTo>
+                <a:close/>
+              </a:path>
+            </a:pathLst>
+          </a:custGeom>
+          <a:solidFill>
+            <a:schemeClr val="tx1">
+              <a:lumMod val="75000"/>
+              <a:lumOff val="25000"/>
+            </a:schemeClr>
+          </a:solidFill>
+          <a:ln>
+            <a:noFill/>
+          </a:ln>
+        </p:spPr>
+        <p:style>
+          <a:lnRef idx="2">
+            <a:schemeClr val="accent1">
+              <a:shade val="50000"/>
+            </a:schemeClr>
+          </a:lnRef>
+          <a:fillRef idx="1">
+            <a:schemeClr val="accent1"/>
+          </a:fillRef>
+          <a:effectRef idx="0">
+            <a:schemeClr val="accent1"/>
+          </a:effectRef>
+          <a:fontRef idx="minor">
+            <a:schemeClr val="lt1"/>
+          </a:fontRef>
+        </p:style>
+        <p:txBody>
+          <a:bodyPr rtlCol="0" anchor="ctr"/>
+          <a:lstStyle/>
+          <a:p>
+            <a:pPr algn="ctr"/>
+            <a:endParaRPr lang="zh-CN" altLang="en-US" sz="1600">
+              <a:solidFill>
+                <a:schemeClr val="tx1"/>
+              </a:solidFill>
+            </a:endParaRPr>
+          </a:p>
+        </p:txBody>
+      </p:sp>
+      <p:sp>
+        <p:nvSpPr>
+          <p:cNvPr id="94" name="任意多边形: 形状 93"/>
+          <p:cNvSpPr/>
+          <p:nvPr/>
+        </p:nvSpPr>
+        <p:spPr>
+          <a:xfrm>
+            <a:off x="419285" y="258948"/>
+            <a:ext cx="923740" cy="461870"/>
+          </a:xfrm>
+          <a:custGeom>
+            <a:avLst/>
+            <a:gdLst>
+              <a:gd name="connsiteX0" fmla="*/ 0 w 923740"/>
+              <a:gd name="connsiteY0" fmla="*/ 0 h 461870"/>
+              <a:gd name="connsiteX1" fmla="*/ 923740 w 923740"/>
+              <a:gd name="connsiteY1" fmla="*/ 0 h 461870"/>
+              <a:gd name="connsiteX2" fmla="*/ 923740 w 923740"/>
+              <a:gd name="connsiteY2" fmla="*/ 461870 h 461870"/>
+              <a:gd name="connsiteX3" fmla="*/ 890513 w 923740"/>
+              <a:gd name="connsiteY3" fmla="*/ 461870 h 461870"/>
+              <a:gd name="connsiteX4" fmla="*/ 890513 w 923740"/>
+              <a:gd name="connsiteY4" fmla="*/ 33227 h 461870"/>
+              <a:gd name="connsiteX5" fmla="*/ 33227 w 923740"/>
+              <a:gd name="connsiteY5" fmla="*/ 33227 h 461870"/>
+              <a:gd name="connsiteX6" fmla="*/ 33227 w 923740"/>
+              <a:gd name="connsiteY6" fmla="*/ 461870 h 461870"/>
+              <a:gd name="connsiteX7" fmla="*/ 0 w 923740"/>
+              <a:gd name="connsiteY7" fmla="*/ 461870 h 461870"/>
+              <a:gd name="connsiteX8" fmla="*/ 0 w 923740"/>
+              <a:gd name="connsiteY8" fmla="*/ 0 h 461870"/>
+            </a:gdLst>
+            <a:ahLst/>
+            <a:cxnLst>
+              <a:cxn ang="0">
+                <a:pos x="connsiteX0" y="connsiteY0"/>
+              </a:cxn>
+              <a:cxn ang="0">
+                <a:pos x="connsiteX1" y="connsiteY1"/>
+              </a:cxn>
+              <a:cxn ang="0">
+                <a:pos x="connsiteX2" y="connsiteY2"/>
+              </a:cxn>
+              <a:cxn ang="0">
+                <a:pos x="connsiteX3" y="connsiteY3"/>
+              </a:cxn>
+              <a:cxn ang="0">
+                <a:pos x="connsiteX4" y="connsiteY4"/>
+              </a:cxn>
+              <a:cxn ang="0">
+                <a:pos x="connsiteX5" y="connsiteY5"/>
+              </a:cxn>
+              <a:cxn ang="0">
+                <a:pos x="connsiteX6" y="connsiteY6"/>
+              </a:cxn>
+              <a:cxn ang="0">
+                <a:pos x="connsiteX7" y="connsiteY7"/>
+              </a:cxn>
+              <a:cxn ang="0">
+                <a:pos x="connsiteX8" y="connsiteY8"/>
+              </a:cxn>
+            </a:cxnLst>
+            <a:rect l="l" t="t" r="r" b="b"/>
+            <a:pathLst>
+              <a:path w="923740" h="461870">
+                <a:moveTo>
+                  <a:pt x="0" y="0"/>
+                </a:moveTo>
+                <a:lnTo>
+                  <a:pt x="923740" y="0"/>
+                </a:lnTo>
+                <a:lnTo>
+                  <a:pt x="923740" y="461870"/>
+                </a:lnTo>
+                <a:lnTo>
+                  <a:pt x="890513" y="461870"/>
+                </a:lnTo>
+                <a:lnTo>
+                  <a:pt x="890513" y="33227"/>
+                </a:lnTo>
+                <a:lnTo>
+                  <a:pt x="33227" y="33227"/>
+                </a:lnTo>
+                <a:lnTo>
+                  <a:pt x="33227" y="461870"/>
+                </a:lnTo>
+                <a:lnTo>
+                  <a:pt x="0" y="461870"/>
+                </a:lnTo>
+                <a:lnTo>
+                  <a:pt x="0" y="0"/>
+                </a:lnTo>
+                <a:close/>
+              </a:path>
+            </a:pathLst>
+          </a:custGeom>
+          <a:ln>
+            <a:noFill/>
+          </a:ln>
+        </p:spPr>
+        <p:style>
+          <a:lnRef idx="2">
+            <a:schemeClr val="accent1">
+              <a:shade val="50000"/>
+            </a:schemeClr>
+          </a:lnRef>
+          <a:fillRef idx="1">
+            <a:schemeClr val="accent1"/>
+          </a:fillRef>
+          <a:effectRef idx="0">
+            <a:schemeClr val="accent1"/>
+          </a:effectRef>
+          <a:fontRef idx="minor">
+            <a:schemeClr val="lt1"/>
+          </a:fontRef>
+        </p:style>
+        <p:txBody>
+          <a:bodyPr rtlCol="0" anchor="ctr"/>
+          <a:lstStyle/>
+          <a:p>
+            <a:pPr algn="ctr"/>
+            <a:endParaRPr lang="zh-CN" altLang="en-US" sz="1600">
+              <a:solidFill>
+                <a:schemeClr val="tx1"/>
+              </a:solidFill>
+            </a:endParaRPr>
+          </a:p>
+        </p:txBody>
+      </p:sp>
+      <p:sp>
+        <p:nvSpPr>
+          <p:cNvPr id="95" name="文本框 94"/>
+          <p:cNvSpPr txBox="1"/>
+          <p:nvPr/>
+        </p:nvSpPr>
+        <p:spPr>
+          <a:xfrm>
+            <a:off x="419285" y="366875"/>
+            <a:ext cx="923740" cy="707886"/>
+          </a:xfrm>
+          <a:prstGeom prst="rect">
+            <a:avLst/>
+          </a:prstGeom>
+          <a:noFill/>
+        </p:spPr>
+        <p:txBody>
+          <a:bodyPr wrap="square" rtlCol="0">
+            <a:spAutoFit/>
+            <a:scene3d>
+              <a:camera prst="orthographicFront"/>
+              <a:lightRig rig="threePt" dir="t"/>
+            </a:scene3d>
+            <a:sp3d contourW="12700"/>
+          </a:bodyPr>
+          <a:lstStyle/>
+          <a:p>
+            <a:pPr algn="ctr"/>
+            <a:r>
+              <a:rPr lang="en-US" altLang="zh-CN" sz="4000" dirty="0">
+                <a:solidFill>
+                  <a:schemeClr val="accent1"/>
+                </a:solidFill>
+                <a:latin typeface="Century Gothic" panose="020B0502020202020204" pitchFamily="34" charset="0"/>
+              </a:rPr>
+              <a:t>04</a:t>
+            </a:r>
+            <a:endParaRPr lang="zh-CN" altLang="en-US" sz="4000" dirty="0">
+              <a:solidFill>
+                <a:schemeClr val="accent1"/>
+              </a:solidFill>
+              <a:latin typeface="Century Gothic" panose="020B0502020202020204" pitchFamily="34" charset="0"/>
+            </a:endParaRPr>
+          </a:p>
+        </p:txBody>
+      </p:sp>
+      <p:grpSp>
+        <p:nvGrpSpPr>
+          <p:cNvPr id="96" name="组合 95"/>
+          <p:cNvGrpSpPr/>
+          <p:nvPr/>
+        </p:nvGrpSpPr>
+        <p:grpSpPr>
+          <a:xfrm>
+            <a:off x="1473289" y="371367"/>
+            <a:ext cx="4260761" cy="829204"/>
+            <a:chOff x="7318011" y="1456480"/>
+            <a:chExt cx="4260761" cy="829204"/>
+          </a:xfrm>
+        </p:grpSpPr>
+        <p:sp>
+          <p:nvSpPr>
+            <p:cNvPr id="97" name="文本框 96"/>
+            <p:cNvSpPr txBox="1"/>
+            <p:nvPr/>
+          </p:nvSpPr>
+          <p:spPr>
+            <a:xfrm>
+              <a:off x="7318011" y="1456480"/>
+              <a:ext cx="1808480" cy="583565"/>
+            </a:xfrm>
+            <a:prstGeom prst="rect">
+              <a:avLst/>
+            </a:prstGeom>
+            <a:noFill/>
+          </p:spPr>
+          <p:txBody>
+            <a:bodyPr wrap="none" rtlCol="0">
+              <a:spAutoFit/>
+              <a:scene3d>
+                <a:camera prst="orthographicFront"/>
+                <a:lightRig rig="threePt" dir="t"/>
+              </a:scene3d>
+              <a:sp3d contourW="12700"/>
+            </a:bodyPr>
+            <a:lstStyle/>
+            <a:p>
+              <a:r>
+                <a:rPr lang="zh-CN" altLang="en-US" sz="3200" b="1" dirty="0">
+                  <a:solidFill>
+                    <a:schemeClr val="tx1">
+                      <a:lumMod val="85000"/>
+                      <a:lumOff val="15000"/>
+                    </a:schemeClr>
+                  </a:solidFill>
+                </a:rPr>
+                <a:t>单元测试</a:t>
+              </a:r>
+              <a:endParaRPr lang="zh-CN" altLang="en-US" sz="3200" b="1" dirty="0">
+                <a:solidFill>
+                  <a:schemeClr val="tx1">
+                    <a:lumMod val="85000"/>
+                    <a:lumOff val="15000"/>
+                  </a:schemeClr>
+                </a:solidFill>
+              </a:endParaRPr>
+            </a:p>
+          </p:txBody>
+        </p:sp>
+        <p:sp>
+          <p:nvSpPr>
+            <p:cNvPr id="98" name="文本框 97"/>
+            <p:cNvSpPr txBox="1"/>
+            <p:nvPr/>
+          </p:nvSpPr>
+          <p:spPr>
+            <a:xfrm>
+              <a:off x="7318011" y="1984059"/>
+              <a:ext cx="4260761" cy="301625"/>
+            </a:xfrm>
+            <a:prstGeom prst="rect">
+              <a:avLst/>
+            </a:prstGeom>
+            <a:noFill/>
+          </p:spPr>
+          <p:txBody>
+            <a:bodyPr wrap="square" rtlCol="0">
+              <a:spAutoFit/>
+              <a:scene3d>
+                <a:camera prst="orthographicFront"/>
+                <a:lightRig rig="threePt" dir="t"/>
+              </a:scene3d>
+              <a:sp3d contourW="12700"/>
+            </a:bodyPr>
+            <a:lstStyle/>
+            <a:p>
+              <a:pPr>
+                <a:lnSpc>
+                  <a:spcPct val="114000"/>
+                </a:lnSpc>
+              </a:pPr>
+              <a:r>
+                <a:rPr lang="en-US" altLang="zh-CN" sz="1200" dirty="0">
+                  <a:solidFill>
+                    <a:schemeClr val="bg1">
+                      <a:lumMod val="50000"/>
+                    </a:schemeClr>
+                  </a:solidFill>
+                  <a:latin typeface="Century Gothic" panose="020B0502020202020204" pitchFamily="34" charset="0"/>
+                </a:rPr>
+                <a:t>Unit Test</a:t>
+              </a:r>
+              <a:endParaRPr lang="zh-CN" altLang="en-US" sz="1200" dirty="0">
+                <a:solidFill>
+                  <a:schemeClr val="bg1">
+                    <a:lumMod val="50000"/>
+                  </a:schemeClr>
+                </a:solidFill>
+                <a:latin typeface="Century Gothic" panose="020B0502020202020204" pitchFamily="34" charset="0"/>
+              </a:endParaRPr>
+            </a:p>
+          </p:txBody>
+        </p:sp>
+      </p:grpSp>
+      <p:sp>
+        <p:nvSpPr>
+          <p:cNvPr id="3" name="文本框 2"/>
+          <p:cNvSpPr txBox="1"/>
+          <p:nvPr/>
+        </p:nvSpPr>
+        <p:spPr>
+          <a:xfrm>
+            <a:off x="911860" y="1075055"/>
+            <a:ext cx="5593715" cy="645160"/>
+          </a:xfrm>
+          <a:prstGeom prst="rect">
+            <a:avLst/>
+          </a:prstGeom>
+          <a:noFill/>
+        </p:spPr>
+        <p:txBody>
+          <a:bodyPr wrap="square" rtlCol="0">
+            <a:spAutoFit/>
+          </a:bodyPr>
+          <a:p>
+            <a:pPr marL="285750" indent="-285750" algn="l">
+              <a:lnSpc>
+                <a:spcPct val="150000"/>
+              </a:lnSpc>
+              <a:buClrTx/>
+              <a:buSzTx/>
+              <a:buFont typeface="Wingdings" panose="05000000000000000000" pitchFamily="18" charset="0"/>
+              <a:buChar char="l"/>
+            </a:pPr>
+            <a:r>
+              <a:rPr lang="en-US" altLang="zh-CN" sz="2400" b="1">
+                <a:effectLst>
+                  <a:outerShdw blurRad="38100" dist="19050" dir="2700000" algn="tl" rotWithShape="0">
+                    <a:schemeClr val="dk1">
+                      <a:alpha val="40000"/>
+                    </a:schemeClr>
+                  </a:outerShdw>
+                </a:effectLst>
+              </a:rPr>
+              <a:t>单元测试框架：jest + vue-test-util</a:t>
+            </a:r>
+            <a:endParaRPr lang="en-US" altLang="zh-CN" sz="2400" b="1">
+              <a:effectLst>
+                <a:outerShdw blurRad="38100" dist="19050" dir="2700000" algn="tl" rotWithShape="0">
+                  <a:schemeClr val="dk1">
+                    <a:alpha val="40000"/>
+                  </a:schemeClr>
+                </a:outerShdw>
+              </a:effectLst>
+            </a:endParaRPr>
+          </a:p>
+        </p:txBody>
+      </p:sp>
+      <p:sp>
+        <p:nvSpPr>
+          <p:cNvPr id="4" name="文本框 3"/>
+          <p:cNvSpPr txBox="1"/>
+          <p:nvPr/>
+        </p:nvSpPr>
+        <p:spPr>
+          <a:xfrm>
+            <a:off x="911860" y="1720215"/>
+            <a:ext cx="10920095" cy="1198880"/>
+          </a:xfrm>
+          <a:prstGeom prst="rect">
+            <a:avLst/>
+          </a:prstGeom>
+          <a:noFill/>
+        </p:spPr>
+        <p:txBody>
+          <a:bodyPr wrap="square" rtlCol="0">
+            <a:spAutoFit/>
+          </a:bodyPr>
+          <a:p>
+            <a:pPr marL="285750" indent="-285750" algn="l">
+              <a:lnSpc>
+                <a:spcPct val="150000"/>
+              </a:lnSpc>
+              <a:buClrTx/>
+              <a:buSzTx/>
+              <a:buFont typeface="Wingdings" panose="05000000000000000000" pitchFamily="18" charset="0"/>
+              <a:buChar char="l"/>
+            </a:pPr>
+            <a:r>
+              <a:rPr lang="zh-CN" altLang="en-US" sz="2400" b="1">
+                <a:effectLst>
+                  <a:outerShdw blurRad="38100" dist="19050" dir="2700000" algn="tl" rotWithShape="0">
+                    <a:schemeClr val="dk1">
+                      <a:alpha val="40000"/>
+                    </a:schemeClr>
+                  </a:outerShdw>
+                </a:effectLst>
+              </a:rPr>
+              <a:t>依赖安装</a:t>
+            </a:r>
+            <a:r>
+              <a:rPr lang="en-US" altLang="zh-CN" sz="2400" b="1">
+                <a:effectLst>
+                  <a:outerShdw blurRad="38100" dist="19050" dir="2700000" algn="tl" rotWithShape="0">
+                    <a:schemeClr val="dk1">
+                      <a:alpha val="40000"/>
+                    </a:schemeClr>
+                  </a:outerShdw>
+                </a:effectLst>
+              </a:rPr>
+              <a:t>：yarn add --dev babel-plugin-transform-vue-jsx jest jest-serializer-vue vue-test-utils babel-jest vue-jest</a:t>
+            </a:r>
+            <a:endParaRPr lang="en-US" altLang="zh-CN" sz="2400" b="1">
+              <a:effectLst>
+                <a:outerShdw blurRad="38100" dist="19050" dir="2700000" algn="tl" rotWithShape="0">
+                  <a:schemeClr val="dk1">
+                    <a:alpha val="40000"/>
+                  </a:schemeClr>
+                </a:outerShdw>
+              </a:effectLst>
+            </a:endParaRPr>
+          </a:p>
+        </p:txBody>
+      </p:sp>
+      <p:pic>
+        <p:nvPicPr>
+          <p:cNvPr id="5" name="图片 4"/>
+          <p:cNvPicPr>
+            <a:picLocks noChangeAspect="1"/>
+          </p:cNvPicPr>
+          <p:nvPr/>
+        </p:nvPicPr>
+        <p:blipFill>
+          <a:blip r:embed="rId1"/>
+          <a:stretch>
+            <a:fillRect/>
+          </a:stretch>
+        </p:blipFill>
+        <p:spPr>
+          <a:xfrm>
+            <a:off x="8467090" y="3158490"/>
+            <a:ext cx="3101340" cy="3459480"/>
+          </a:xfrm>
+          <a:prstGeom prst="rect">
+            <a:avLst/>
+          </a:prstGeom>
+        </p:spPr>
+      </p:pic>
+      <p:pic>
+        <p:nvPicPr>
+          <p:cNvPr id="2" name="图片 1"/>
+          <p:cNvPicPr>
+            <a:picLocks noChangeAspect="1"/>
+          </p:cNvPicPr>
+          <p:nvPr/>
+        </p:nvPicPr>
+        <p:blipFill>
+          <a:blip r:embed="rId2"/>
+          <a:stretch>
+            <a:fillRect/>
+          </a:stretch>
+        </p:blipFill>
+        <p:spPr>
+          <a:xfrm>
+            <a:off x="4558665" y="3158490"/>
+            <a:ext cx="3406140" cy="1630680"/>
+          </a:xfrm>
+          <a:prstGeom prst="rect">
+            <a:avLst/>
+          </a:prstGeom>
+        </p:spPr>
+      </p:pic>
+      <p:pic>
+        <p:nvPicPr>
+          <p:cNvPr id="6" name="图片 5"/>
+          <p:cNvPicPr>
+            <a:picLocks noChangeAspect="1"/>
+          </p:cNvPicPr>
+          <p:nvPr/>
+        </p:nvPicPr>
+        <p:blipFill>
+          <a:blip r:embed="rId3"/>
+          <a:stretch>
+            <a:fillRect/>
+          </a:stretch>
+        </p:blipFill>
+        <p:spPr>
+          <a:xfrm>
+            <a:off x="1049655" y="3158490"/>
+            <a:ext cx="2331085" cy="1140460"/>
+          </a:xfrm>
+          <a:prstGeom prst="rect">
+            <a:avLst/>
+          </a:prstGeom>
+        </p:spPr>
+      </p:pic>
+      <p:pic>
+        <p:nvPicPr>
+          <p:cNvPr id="7" name="图片 6"/>
+          <p:cNvPicPr>
+            <a:picLocks noChangeAspect="1"/>
+          </p:cNvPicPr>
+          <p:nvPr/>
+        </p:nvPicPr>
+        <p:blipFill>
+          <a:blip r:embed="rId4"/>
+          <a:stretch>
+            <a:fillRect/>
+          </a:stretch>
+        </p:blipFill>
+        <p:spPr>
+          <a:xfrm>
+            <a:off x="1049655" y="5186680"/>
+            <a:ext cx="4531360" cy="1191895"/>
+          </a:xfrm>
+          <a:prstGeom prst="rect">
+            <a:avLst/>
+          </a:prstGeom>
+        </p:spPr>
+      </p:pic>
+    </p:spTree>
+  </p:cSld>
+  <p:clrMapOvr>
+    <a:masterClrMapping/>
+  </p:clrMapOvr>
+</p:sld>
+</file>
+
+<file path=ppt/slides/slide42.xml><?xml version="1.0" encoding="utf-8"?>
+<p:sld xmlns:a="http://schemas.openxmlformats.org/drawingml/2006/main" xmlns:r="http://schemas.openxmlformats.org/officeDocument/2006/relationships" xmlns:p="http://schemas.openxmlformats.org/presentationml/2006/main">
+  <p:cSld>
+    <p:spTree>
+      <p:nvGrpSpPr>
+        <p:cNvPr id="1" name=""/>
+        <p:cNvGrpSpPr/>
+        <p:nvPr/>
+      </p:nvGrpSpPr>
+      <p:grpSpPr>
+        <a:xfrm>
+          <a:off x="0" y="0"/>
+          <a:ext cx="0" cy="0"/>
+          <a:chOff x="0" y="0"/>
+          <a:chExt cx="0" cy="0"/>
+        </a:xfrm>
+      </p:grpSpPr>
+      <p:sp>
+        <p:nvSpPr>
+          <p:cNvPr id="4" name="菱形 3"/>
+          <p:cNvSpPr/>
+          <p:nvPr/>
+        </p:nvSpPr>
+        <p:spPr>
+          <a:xfrm>
+            <a:off x="2870200" y="139785"/>
+            <a:ext cx="6451600" cy="6451600"/>
+          </a:xfrm>
+          <a:prstGeom prst="diamond">
+            <a:avLst/>
+          </a:prstGeom>
+          <a:noFill/>
+          <a:ln w="57150">
+            <a:solidFill>
+              <a:schemeClr val="bg1">
+                <a:lumMod val="95000"/>
+              </a:schemeClr>
+            </a:solidFill>
+          </a:ln>
+        </p:spPr>
+        <p:style>
+          <a:lnRef idx="2">
+            <a:schemeClr val="accent1">
+              <a:shade val="50000"/>
+            </a:schemeClr>
+          </a:lnRef>
+          <a:fillRef idx="1">
+            <a:schemeClr val="accent1"/>
+          </a:fillRef>
+          <a:effectRef idx="0">
+            <a:schemeClr val="accent1"/>
+          </a:effectRef>
+          <a:fontRef idx="minor">
+            <a:schemeClr val="lt1"/>
+          </a:fontRef>
+        </p:style>
+        <p:txBody>
+          <a:bodyPr rtlCol="0" anchor="ctr"/>
+          <a:lstStyle/>
+          <a:p>
+            <a:pPr algn="ctr"/>
+            <a:endParaRPr lang="zh-CN" altLang="en-US"/>
+          </a:p>
+        </p:txBody>
+      </p:sp>
+      <p:sp>
+        <p:nvSpPr>
+          <p:cNvPr id="8" name="任意多边形: 形状 7"/>
+          <p:cNvSpPr/>
+          <p:nvPr/>
+        </p:nvSpPr>
+        <p:spPr>
+          <a:xfrm>
+            <a:off x="0" y="0"/>
+            <a:ext cx="12192000" cy="3239357"/>
+          </a:xfrm>
+          <a:custGeom>
+            <a:avLst/>
+            <a:gdLst>
+              <a:gd name="connsiteX0" fmla="*/ 0 w 12192000"/>
+              <a:gd name="connsiteY0" fmla="*/ 0 h 3429000"/>
+              <a:gd name="connsiteX1" fmla="*/ 12192000 w 12192000"/>
+              <a:gd name="connsiteY1" fmla="*/ 0 h 3429000"/>
+              <a:gd name="connsiteX2" fmla="*/ 12192000 w 12192000"/>
+              <a:gd name="connsiteY2" fmla="*/ 3429000 h 3429000"/>
+              <a:gd name="connsiteX3" fmla="*/ 8705850 w 12192000"/>
+              <a:gd name="connsiteY3" fmla="*/ 3429000 h 3429000"/>
+              <a:gd name="connsiteX4" fmla="*/ 8640080 w 12192000"/>
+              <a:gd name="connsiteY4" fmla="*/ 3429000 h 3429000"/>
+              <a:gd name="connsiteX5" fmla="*/ 3551920 w 12192000"/>
+              <a:gd name="connsiteY5" fmla="*/ 3429000 h 3429000"/>
+              <a:gd name="connsiteX6" fmla="*/ 3486150 w 12192000"/>
+              <a:gd name="connsiteY6" fmla="*/ 3429000 h 3429000"/>
+              <a:gd name="connsiteX7" fmla="*/ 0 w 12192000"/>
+              <a:gd name="connsiteY7" fmla="*/ 3429000 h 3429000"/>
+            </a:gdLst>
+            <a:ahLst/>
+            <a:cxnLst>
+              <a:cxn ang="0">
+                <a:pos x="connsiteX0" y="connsiteY0"/>
+              </a:cxn>
+              <a:cxn ang="0">
+                <a:pos x="connsiteX1" y="connsiteY1"/>
+              </a:cxn>
+              <a:cxn ang="0">
+                <a:pos x="connsiteX2" y="connsiteY2"/>
+              </a:cxn>
+              <a:cxn ang="0">
+                <a:pos x="connsiteX3" y="connsiteY3"/>
+              </a:cxn>
+              <a:cxn ang="0">
+                <a:pos x="connsiteX4" y="connsiteY4"/>
+              </a:cxn>
+              <a:cxn ang="0">
+                <a:pos x="connsiteX5" y="connsiteY5"/>
+              </a:cxn>
+              <a:cxn ang="0">
+                <a:pos x="connsiteX6" y="connsiteY6"/>
+              </a:cxn>
+              <a:cxn ang="0">
+                <a:pos x="connsiteX7" y="connsiteY7"/>
+              </a:cxn>
+            </a:cxnLst>
+            <a:rect l="l" t="t" r="r" b="b"/>
+            <a:pathLst>
+              <a:path w="12192000" h="3429000">
+                <a:moveTo>
+                  <a:pt x="0" y="0"/>
+                </a:moveTo>
+                <a:lnTo>
+                  <a:pt x="12192000" y="0"/>
+                </a:lnTo>
+                <a:lnTo>
+                  <a:pt x="12192000" y="3429000"/>
+                </a:lnTo>
+                <a:lnTo>
+                  <a:pt x="8705850" y="3429000"/>
+                </a:lnTo>
+                <a:lnTo>
+                  <a:pt x="8640080" y="3429000"/>
+                </a:lnTo>
+                <a:lnTo>
+                  <a:pt x="3551920" y="3429000"/>
+                </a:lnTo>
+                <a:lnTo>
+                  <a:pt x="3486150" y="3429000"/>
+                </a:lnTo>
+                <a:lnTo>
+                  <a:pt x="0" y="3429000"/>
+                </a:lnTo>
+                <a:close/>
+              </a:path>
+            </a:pathLst>
+          </a:custGeom>
+          <a:blipFill>
+            <a:blip r:embed="rId1"/>
+            <a:tile tx="6350" ty="-215900" sx="89000" sy="89000" flip="none" algn="ctr"/>
+          </a:blipFill>
+          <a:ln>
+            <a:noFill/>
+          </a:ln>
+        </p:spPr>
+        <p:style>
+          <a:lnRef idx="2">
+            <a:schemeClr val="accent1">
+              <a:shade val="50000"/>
+            </a:schemeClr>
+          </a:lnRef>
+          <a:fillRef idx="1">
+            <a:schemeClr val="accent1"/>
+          </a:fillRef>
+          <a:effectRef idx="0">
+            <a:schemeClr val="accent1"/>
+          </a:effectRef>
+          <a:fontRef idx="minor">
+            <a:schemeClr val="lt1"/>
+          </a:fontRef>
+        </p:style>
+        <p:txBody>
+          <a:bodyPr rtlCol="0" anchor="ctr"/>
+          <a:lstStyle/>
+          <a:p>
+            <a:pPr algn="ctr"/>
+            <a:endParaRPr lang="zh-CN" altLang="en-US"/>
+          </a:p>
+        </p:txBody>
+      </p:sp>
+      <p:sp>
+        <p:nvSpPr>
+          <p:cNvPr id="3" name="任意多边形: 形状 2"/>
+          <p:cNvSpPr/>
+          <p:nvPr/>
+        </p:nvSpPr>
+        <p:spPr>
+          <a:xfrm>
+            <a:off x="0" y="0"/>
+            <a:ext cx="12192000" cy="3239357"/>
+          </a:xfrm>
+          <a:custGeom>
+            <a:avLst/>
+            <a:gdLst>
+              <a:gd name="connsiteX0" fmla="*/ 0 w 12192000"/>
+              <a:gd name="connsiteY0" fmla="*/ 0 h 3429000"/>
+              <a:gd name="connsiteX1" fmla="*/ 12192000 w 12192000"/>
+              <a:gd name="connsiteY1" fmla="*/ 0 h 3429000"/>
+              <a:gd name="connsiteX2" fmla="*/ 12192000 w 12192000"/>
+              <a:gd name="connsiteY2" fmla="*/ 3429000 h 3429000"/>
+              <a:gd name="connsiteX3" fmla="*/ 8705850 w 12192000"/>
+              <a:gd name="connsiteY3" fmla="*/ 3429000 h 3429000"/>
+              <a:gd name="connsiteX4" fmla="*/ 8640080 w 12192000"/>
+              <a:gd name="connsiteY4" fmla="*/ 3429000 h 3429000"/>
+              <a:gd name="connsiteX5" fmla="*/ 3551920 w 12192000"/>
+              <a:gd name="connsiteY5" fmla="*/ 3429000 h 3429000"/>
+              <a:gd name="connsiteX6" fmla="*/ 3486150 w 12192000"/>
+              <a:gd name="connsiteY6" fmla="*/ 3429000 h 3429000"/>
+              <a:gd name="connsiteX7" fmla="*/ 0 w 12192000"/>
+              <a:gd name="connsiteY7" fmla="*/ 3429000 h 3429000"/>
+            </a:gdLst>
+            <a:ahLst/>
+            <a:cxnLst>
+              <a:cxn ang="0">
+                <a:pos x="connsiteX0" y="connsiteY0"/>
+              </a:cxn>
+              <a:cxn ang="0">
+                <a:pos x="connsiteX1" y="connsiteY1"/>
+              </a:cxn>
+              <a:cxn ang="0">
+                <a:pos x="connsiteX2" y="connsiteY2"/>
+              </a:cxn>
+              <a:cxn ang="0">
+                <a:pos x="connsiteX3" y="connsiteY3"/>
+              </a:cxn>
+              <a:cxn ang="0">
+                <a:pos x="connsiteX4" y="connsiteY4"/>
+              </a:cxn>
+              <a:cxn ang="0">
+                <a:pos x="connsiteX5" y="connsiteY5"/>
+              </a:cxn>
+              <a:cxn ang="0">
+                <a:pos x="connsiteX6" y="connsiteY6"/>
+              </a:cxn>
+              <a:cxn ang="0">
+                <a:pos x="connsiteX7" y="connsiteY7"/>
+              </a:cxn>
+            </a:cxnLst>
+            <a:rect l="l" t="t" r="r" b="b"/>
+            <a:pathLst>
+              <a:path w="12192000" h="3429000">
+                <a:moveTo>
+                  <a:pt x="0" y="0"/>
+                </a:moveTo>
+                <a:lnTo>
+                  <a:pt x="12192000" y="0"/>
+                </a:lnTo>
+                <a:lnTo>
+                  <a:pt x="12192000" y="3429000"/>
+                </a:lnTo>
+                <a:lnTo>
+                  <a:pt x="8705850" y="3429000"/>
+                </a:lnTo>
+                <a:lnTo>
+                  <a:pt x="8640080" y="3429000"/>
+                </a:lnTo>
+                <a:lnTo>
+                  <a:pt x="3551920" y="3429000"/>
+                </a:lnTo>
+                <a:lnTo>
+                  <a:pt x="3486150" y="3429000"/>
+                </a:lnTo>
+                <a:lnTo>
+                  <a:pt x="0" y="3429000"/>
+                </a:lnTo>
+                <a:close/>
+              </a:path>
+            </a:pathLst>
+          </a:custGeom>
+          <a:gradFill>
+            <a:gsLst>
+              <a:gs pos="0">
+                <a:schemeClr val="tx1">
+                  <a:alpha val="50000"/>
+                </a:schemeClr>
+              </a:gs>
+              <a:gs pos="100000">
+                <a:schemeClr val="tx1">
+                  <a:lumMod val="95000"/>
+                  <a:lumOff val="5000"/>
+                </a:schemeClr>
+              </a:gs>
+            </a:gsLst>
+            <a:lin ang="5400000" scaled="1"/>
+          </a:gradFill>
+          <a:ln>
+            <a:noFill/>
+          </a:ln>
+        </p:spPr>
+        <p:style>
+          <a:lnRef idx="2">
+            <a:schemeClr val="accent1">
+              <a:shade val="50000"/>
+            </a:schemeClr>
+          </a:lnRef>
+          <a:fillRef idx="1">
+            <a:schemeClr val="accent1"/>
+          </a:fillRef>
+          <a:effectRef idx="0">
+            <a:schemeClr val="accent1"/>
+          </a:effectRef>
+          <a:fontRef idx="minor">
+            <a:schemeClr val="lt1"/>
+          </a:fontRef>
+        </p:style>
+        <p:txBody>
+          <a:bodyPr rtlCol="0" anchor="ctr"/>
+          <a:lstStyle/>
+          <a:p>
+            <a:pPr algn="ctr"/>
+            <a:endParaRPr lang="zh-CN" altLang="en-US"/>
+          </a:p>
+        </p:txBody>
+      </p:sp>
+      <p:sp>
+        <p:nvSpPr>
+          <p:cNvPr id="2" name="图文框 1"/>
+          <p:cNvSpPr/>
+          <p:nvPr/>
+        </p:nvSpPr>
+        <p:spPr>
+          <a:xfrm>
+            <a:off x="4747911" y="1259013"/>
+            <a:ext cx="2696178" cy="3909888"/>
+          </a:xfrm>
+          <a:prstGeom prst="frame">
+            <a:avLst>
+              <a:gd name="adj1" fmla="val 2586"/>
+            </a:avLst>
+          </a:prstGeom>
+          <a:ln>
+            <a:noFill/>
+          </a:ln>
+        </p:spPr>
+        <p:style>
+          <a:lnRef idx="2">
+            <a:schemeClr val="accent1">
+              <a:shade val="50000"/>
+            </a:schemeClr>
+          </a:lnRef>
+          <a:fillRef idx="1">
+            <a:schemeClr val="accent1"/>
+          </a:fillRef>
+          <a:effectRef idx="0">
+            <a:schemeClr val="accent1"/>
+          </a:effectRef>
+          <a:fontRef idx="minor">
+            <a:schemeClr val="lt1"/>
+          </a:fontRef>
+        </p:style>
+        <p:txBody>
+          <a:bodyPr rtlCol="0" anchor="ctr"/>
+          <a:lstStyle/>
+          <a:p>
+            <a:pPr algn="ctr"/>
+            <a:endParaRPr lang="zh-CN" altLang="en-US">
+              <a:solidFill>
+                <a:schemeClr val="tx1"/>
+              </a:solidFill>
+            </a:endParaRPr>
+          </a:p>
+        </p:txBody>
+      </p:sp>
+      <p:sp>
+        <p:nvSpPr>
+          <p:cNvPr id="5" name="文本框 4"/>
+          <p:cNvSpPr txBox="1"/>
+          <p:nvPr/>
+        </p:nvSpPr>
+        <p:spPr>
+          <a:xfrm>
+            <a:off x="4864100" y="3408144"/>
+            <a:ext cx="2463800" cy="1568450"/>
+          </a:xfrm>
+          <a:prstGeom prst="rect">
+            <a:avLst/>
+          </a:prstGeom>
+          <a:noFill/>
+        </p:spPr>
+        <p:txBody>
+          <a:bodyPr wrap="square" rtlCol="0">
+            <a:spAutoFit/>
+            <a:scene3d>
+              <a:camera prst="orthographicFront"/>
+              <a:lightRig rig="threePt" dir="t"/>
+            </a:scene3d>
+            <a:sp3d contourW="12700"/>
+          </a:bodyPr>
+          <a:lstStyle/>
+          <a:p>
+            <a:pPr algn="ctr"/>
+            <a:r>
+              <a:rPr lang="zh-CN" altLang="en-US" sz="4800" b="1" dirty="0">
+                <a:solidFill>
+                  <a:schemeClr val="tx1">
+                    <a:lumMod val="75000"/>
+                    <a:lumOff val="25000"/>
+                  </a:schemeClr>
+                </a:solidFill>
+              </a:rPr>
+              <a:t>系统数据库</a:t>
+            </a:r>
+            <a:endParaRPr lang="zh-CN" altLang="en-US" sz="4800" b="1" dirty="0">
+              <a:solidFill>
+                <a:schemeClr val="tx1">
+                  <a:lumMod val="75000"/>
+                  <a:lumOff val="25000"/>
+                </a:schemeClr>
+              </a:solidFill>
+            </a:endParaRPr>
+          </a:p>
+        </p:txBody>
+      </p:sp>
+      <p:sp>
+        <p:nvSpPr>
+          <p:cNvPr id="6" name="文本框 5"/>
+          <p:cNvSpPr txBox="1"/>
+          <p:nvPr/>
+        </p:nvSpPr>
+        <p:spPr>
+          <a:xfrm>
+            <a:off x="4864100" y="1482574"/>
+            <a:ext cx="2463800" cy="1569660"/>
+          </a:xfrm>
+          <a:prstGeom prst="rect">
+            <a:avLst/>
+          </a:prstGeom>
+          <a:noFill/>
+        </p:spPr>
+        <p:txBody>
+          <a:bodyPr wrap="square" rtlCol="0">
+            <a:spAutoFit/>
+            <a:scene3d>
+              <a:camera prst="orthographicFront"/>
+              <a:lightRig rig="threePt" dir="t"/>
+            </a:scene3d>
+            <a:sp3d contourW="12700"/>
+          </a:bodyPr>
+          <a:lstStyle/>
+          <a:p>
+            <a:pPr algn="ctr"/>
+            <a:r>
+              <a:rPr lang="en-US" altLang="zh-CN" sz="9600" dirty="0">
+                <a:solidFill>
+                  <a:schemeClr val="bg1"/>
+                </a:solidFill>
+                <a:latin typeface="Century Gothic" panose="020B0502020202020204" pitchFamily="34" charset="0"/>
+              </a:rPr>
+              <a:t>05</a:t>
+            </a:r>
+            <a:endParaRPr lang="zh-CN" altLang="en-US" sz="9600" dirty="0">
+              <a:solidFill>
+                <a:schemeClr val="bg1"/>
+              </a:solidFill>
+              <a:latin typeface="Century Gothic" panose="020B0502020202020204" pitchFamily="34" charset="0"/>
+            </a:endParaRPr>
+          </a:p>
+        </p:txBody>
+      </p:sp>
+      <p:sp>
+        <p:nvSpPr>
+          <p:cNvPr id="7" name="文本框 6"/>
+          <p:cNvSpPr txBox="1"/>
+          <p:nvPr/>
+        </p:nvSpPr>
+        <p:spPr>
+          <a:xfrm>
+            <a:off x="3314700" y="5278784"/>
+            <a:ext cx="5562600" cy="406400"/>
+          </a:xfrm>
+          <a:prstGeom prst="rect">
+            <a:avLst/>
+          </a:prstGeom>
+          <a:noFill/>
+        </p:spPr>
+        <p:txBody>
+          <a:bodyPr wrap="square" rtlCol="0">
+            <a:spAutoFit/>
+            <a:scene3d>
+              <a:camera prst="orthographicFront"/>
+              <a:lightRig rig="threePt" dir="t"/>
+            </a:scene3d>
+            <a:sp3d contourW="12700"/>
+          </a:bodyPr>
+          <a:lstStyle/>
+          <a:p>
+            <a:pPr algn="ctr">
+              <a:lnSpc>
+                <a:spcPct val="114000"/>
+              </a:lnSpc>
+            </a:pPr>
+            <a:r>
+              <a:rPr lang="en-US" altLang="zh-CN" dirty="0">
+                <a:solidFill>
+                  <a:schemeClr val="bg1">
+                    <a:lumMod val="50000"/>
+                  </a:schemeClr>
+                </a:solidFill>
+                <a:latin typeface="Century Gothic" panose="020B0502020202020204" pitchFamily="34" charset="0"/>
+                <a:ea typeface="+mj-ea"/>
+              </a:rPr>
+              <a:t>System Database</a:t>
+            </a:r>
+            <a:endParaRPr lang="en-US" altLang="zh-CN" dirty="0">
+              <a:solidFill>
+                <a:schemeClr val="bg1">
+                  <a:lumMod val="50000"/>
+                </a:schemeClr>
+              </a:solidFill>
+              <a:latin typeface="Century Gothic" panose="020B0502020202020204" pitchFamily="34" charset="0"/>
+              <a:ea typeface="+mj-ea"/>
+            </a:endParaRPr>
+          </a:p>
+        </p:txBody>
+      </p:sp>
+    </p:spTree>
+  </p:cSld>
+  <p:clrMapOvr>
+    <a:masterClrMapping/>
+  </p:clrMapOvr>
+</p:sld>
+</file>
+
+<file path=ppt/slides/slide43.xml><?xml version="1.0" encoding="utf-8"?>
+<p:sld xmlns:a="http://schemas.openxmlformats.org/drawingml/2006/main" xmlns:r="http://schemas.openxmlformats.org/officeDocument/2006/relationships" xmlns:p="http://schemas.openxmlformats.org/presentationml/2006/main">
+  <p:cSld>
+    <p:spTree>
+      <p:nvGrpSpPr>
+        <p:cNvPr id="1" name=""/>
+        <p:cNvGrpSpPr/>
+        <p:nvPr/>
+      </p:nvGrpSpPr>
+      <p:grpSpPr>
+        <a:xfrm>
+          <a:off x="0" y="0"/>
+          <a:ext cx="0" cy="0"/>
+          <a:chOff x="0" y="0"/>
+          <a:chExt cx="0" cy="0"/>
+        </a:xfrm>
+      </p:grpSpPr>
+      <p:sp>
+        <p:nvSpPr>
+          <p:cNvPr id="33" name="任意多边形: 形状 32"/>
+          <p:cNvSpPr/>
+          <p:nvPr/>
+        </p:nvSpPr>
+        <p:spPr>
+          <a:xfrm>
+            <a:off x="419285" y="720818"/>
+            <a:ext cx="923740" cy="461870"/>
+          </a:xfrm>
+          <a:custGeom>
+            <a:avLst/>
+            <a:gdLst>
+              <a:gd name="connsiteX0" fmla="*/ 0 w 923740"/>
+              <a:gd name="connsiteY0" fmla="*/ 0 h 461870"/>
+              <a:gd name="connsiteX1" fmla="*/ 33227 w 923740"/>
+              <a:gd name="connsiteY1" fmla="*/ 0 h 461870"/>
+              <a:gd name="connsiteX2" fmla="*/ 33227 w 923740"/>
+              <a:gd name="connsiteY2" fmla="*/ 428643 h 461870"/>
+              <a:gd name="connsiteX3" fmla="*/ 890513 w 923740"/>
+              <a:gd name="connsiteY3" fmla="*/ 428643 h 461870"/>
+              <a:gd name="connsiteX4" fmla="*/ 890513 w 923740"/>
+              <a:gd name="connsiteY4" fmla="*/ 0 h 461870"/>
+              <a:gd name="connsiteX5" fmla="*/ 923740 w 923740"/>
+              <a:gd name="connsiteY5" fmla="*/ 0 h 461870"/>
+              <a:gd name="connsiteX6" fmla="*/ 923740 w 923740"/>
+              <a:gd name="connsiteY6" fmla="*/ 461870 h 461870"/>
+              <a:gd name="connsiteX7" fmla="*/ 0 w 923740"/>
+              <a:gd name="connsiteY7" fmla="*/ 461870 h 461870"/>
+              <a:gd name="connsiteX8" fmla="*/ 0 w 923740"/>
+              <a:gd name="connsiteY8" fmla="*/ 0 h 461870"/>
+            </a:gdLst>
+            <a:ahLst/>
+            <a:cxnLst>
+              <a:cxn ang="0">
+                <a:pos x="connsiteX0" y="connsiteY0"/>
+              </a:cxn>
+              <a:cxn ang="0">
+                <a:pos x="connsiteX1" y="connsiteY1"/>
+              </a:cxn>
+              <a:cxn ang="0">
+                <a:pos x="connsiteX2" y="connsiteY2"/>
+              </a:cxn>
+              <a:cxn ang="0">
+                <a:pos x="connsiteX3" y="connsiteY3"/>
+              </a:cxn>
+              <a:cxn ang="0">
+                <a:pos x="connsiteX4" y="connsiteY4"/>
+              </a:cxn>
+              <a:cxn ang="0">
+                <a:pos x="connsiteX5" y="connsiteY5"/>
+              </a:cxn>
+              <a:cxn ang="0">
+                <a:pos x="connsiteX6" y="connsiteY6"/>
+              </a:cxn>
+              <a:cxn ang="0">
+                <a:pos x="connsiteX7" y="connsiteY7"/>
+              </a:cxn>
+              <a:cxn ang="0">
+                <a:pos x="connsiteX8" y="connsiteY8"/>
+              </a:cxn>
+            </a:cxnLst>
+            <a:rect l="l" t="t" r="r" b="b"/>
+            <a:pathLst>
+              <a:path w="923740" h="461870">
+                <a:moveTo>
+                  <a:pt x="0" y="0"/>
+                </a:moveTo>
+                <a:lnTo>
+                  <a:pt x="33227" y="0"/>
+                </a:lnTo>
+                <a:lnTo>
+                  <a:pt x="33227" y="428643"/>
+                </a:lnTo>
+                <a:lnTo>
+                  <a:pt x="890513" y="428643"/>
+                </a:lnTo>
+                <a:lnTo>
+                  <a:pt x="890513" y="0"/>
+                </a:lnTo>
+                <a:lnTo>
+                  <a:pt x="923740" y="0"/>
+                </a:lnTo>
+                <a:lnTo>
+                  <a:pt x="923740" y="461870"/>
+                </a:lnTo>
+                <a:lnTo>
+                  <a:pt x="0" y="461870"/>
+                </a:lnTo>
+                <a:lnTo>
+                  <a:pt x="0" y="0"/>
+                </a:lnTo>
+                <a:close/>
+              </a:path>
+            </a:pathLst>
+          </a:custGeom>
+          <a:solidFill>
+            <a:schemeClr val="tx1">
+              <a:lumMod val="75000"/>
+              <a:lumOff val="25000"/>
+            </a:schemeClr>
+          </a:solidFill>
+          <a:ln>
+            <a:noFill/>
+          </a:ln>
+        </p:spPr>
+        <p:style>
+          <a:lnRef idx="2">
+            <a:schemeClr val="accent1">
+              <a:shade val="50000"/>
+            </a:schemeClr>
+          </a:lnRef>
+          <a:fillRef idx="1">
+            <a:schemeClr val="accent1"/>
+          </a:fillRef>
+          <a:effectRef idx="0">
+            <a:schemeClr val="accent1"/>
+          </a:effectRef>
+          <a:fontRef idx="minor">
+            <a:schemeClr val="lt1"/>
+          </a:fontRef>
+        </p:style>
+        <p:txBody>
+          <a:bodyPr rtlCol="0" anchor="ctr"/>
+          <a:lstStyle/>
+          <a:p>
+            <a:pPr algn="ctr"/>
+            <a:endParaRPr lang="zh-CN" altLang="en-US" sz="1600">
+              <a:solidFill>
+                <a:schemeClr val="tx1"/>
+              </a:solidFill>
+            </a:endParaRPr>
+          </a:p>
+        </p:txBody>
+      </p:sp>
+      <p:sp>
+        <p:nvSpPr>
+          <p:cNvPr id="34" name="任意多边形: 形状 33"/>
+          <p:cNvSpPr/>
+          <p:nvPr/>
+        </p:nvSpPr>
+        <p:spPr>
+          <a:xfrm>
+            <a:off x="419285" y="258948"/>
+            <a:ext cx="923740" cy="461870"/>
+          </a:xfrm>
+          <a:custGeom>
+            <a:avLst/>
+            <a:gdLst>
+              <a:gd name="connsiteX0" fmla="*/ 0 w 923740"/>
+              <a:gd name="connsiteY0" fmla="*/ 0 h 461870"/>
+              <a:gd name="connsiteX1" fmla="*/ 923740 w 923740"/>
+              <a:gd name="connsiteY1" fmla="*/ 0 h 461870"/>
+              <a:gd name="connsiteX2" fmla="*/ 923740 w 923740"/>
+              <a:gd name="connsiteY2" fmla="*/ 461870 h 461870"/>
+              <a:gd name="connsiteX3" fmla="*/ 890513 w 923740"/>
+              <a:gd name="connsiteY3" fmla="*/ 461870 h 461870"/>
+              <a:gd name="connsiteX4" fmla="*/ 890513 w 923740"/>
+              <a:gd name="connsiteY4" fmla="*/ 33227 h 461870"/>
+              <a:gd name="connsiteX5" fmla="*/ 33227 w 923740"/>
+              <a:gd name="connsiteY5" fmla="*/ 33227 h 461870"/>
+              <a:gd name="connsiteX6" fmla="*/ 33227 w 923740"/>
+              <a:gd name="connsiteY6" fmla="*/ 461870 h 461870"/>
+              <a:gd name="connsiteX7" fmla="*/ 0 w 923740"/>
+              <a:gd name="connsiteY7" fmla="*/ 461870 h 461870"/>
+              <a:gd name="connsiteX8" fmla="*/ 0 w 923740"/>
+              <a:gd name="connsiteY8" fmla="*/ 0 h 461870"/>
+            </a:gdLst>
+            <a:ahLst/>
+            <a:cxnLst>
+              <a:cxn ang="0">
+                <a:pos x="connsiteX0" y="connsiteY0"/>
+              </a:cxn>
+              <a:cxn ang="0">
+                <a:pos x="connsiteX1" y="connsiteY1"/>
+              </a:cxn>
+              <a:cxn ang="0">
+                <a:pos x="connsiteX2" y="connsiteY2"/>
+              </a:cxn>
+              <a:cxn ang="0">
+                <a:pos x="connsiteX3" y="connsiteY3"/>
+              </a:cxn>
+              <a:cxn ang="0">
+                <a:pos x="connsiteX4" y="connsiteY4"/>
+              </a:cxn>
+              <a:cxn ang="0">
+                <a:pos x="connsiteX5" y="connsiteY5"/>
+              </a:cxn>
+              <a:cxn ang="0">
+                <a:pos x="connsiteX6" y="connsiteY6"/>
+              </a:cxn>
+              <a:cxn ang="0">
+                <a:pos x="connsiteX7" y="connsiteY7"/>
+              </a:cxn>
+              <a:cxn ang="0">
+                <a:pos x="connsiteX8" y="connsiteY8"/>
+              </a:cxn>
+            </a:cxnLst>
+            <a:rect l="l" t="t" r="r" b="b"/>
+            <a:pathLst>
+              <a:path w="923740" h="461870">
+                <a:moveTo>
+                  <a:pt x="0" y="0"/>
+                </a:moveTo>
+                <a:lnTo>
+                  <a:pt x="923740" y="0"/>
+                </a:lnTo>
+                <a:lnTo>
+                  <a:pt x="923740" y="461870"/>
+                </a:lnTo>
+                <a:lnTo>
+                  <a:pt x="890513" y="461870"/>
+                </a:lnTo>
+                <a:lnTo>
+                  <a:pt x="890513" y="33227"/>
+                </a:lnTo>
+                <a:lnTo>
+                  <a:pt x="33227" y="33227"/>
+                </a:lnTo>
+                <a:lnTo>
+                  <a:pt x="33227" y="461870"/>
+                </a:lnTo>
+                <a:lnTo>
+                  <a:pt x="0" y="461870"/>
+                </a:lnTo>
+                <a:lnTo>
+                  <a:pt x="0" y="0"/>
+                </a:lnTo>
+                <a:close/>
+              </a:path>
+            </a:pathLst>
+          </a:custGeom>
+          <a:ln>
+            <a:noFill/>
+          </a:ln>
+        </p:spPr>
+        <p:style>
+          <a:lnRef idx="2">
+            <a:schemeClr val="accent1">
+              <a:shade val="50000"/>
+            </a:schemeClr>
+          </a:lnRef>
+          <a:fillRef idx="1">
+            <a:schemeClr val="accent1"/>
+          </a:fillRef>
+          <a:effectRef idx="0">
+            <a:schemeClr val="accent1"/>
+          </a:effectRef>
+          <a:fontRef idx="minor">
+            <a:schemeClr val="lt1"/>
+          </a:fontRef>
+        </p:style>
+        <p:txBody>
+          <a:bodyPr rtlCol="0" anchor="ctr"/>
+          <a:lstStyle/>
+          <a:p>
+            <a:pPr algn="ctr"/>
+            <a:endParaRPr lang="zh-CN" altLang="en-US" sz="1600">
+              <a:solidFill>
+                <a:schemeClr val="tx1"/>
+              </a:solidFill>
+            </a:endParaRPr>
+          </a:p>
+        </p:txBody>
+      </p:sp>
+      <p:sp>
+        <p:nvSpPr>
+          <p:cNvPr id="35" name="文本框 34"/>
+          <p:cNvSpPr txBox="1"/>
+          <p:nvPr/>
+        </p:nvSpPr>
+        <p:spPr>
+          <a:xfrm>
+            <a:off x="419285" y="366875"/>
+            <a:ext cx="923740" cy="707886"/>
+          </a:xfrm>
+          <a:prstGeom prst="rect">
+            <a:avLst/>
+          </a:prstGeom>
+          <a:noFill/>
+        </p:spPr>
+        <p:txBody>
+          <a:bodyPr wrap="square" rtlCol="0">
+            <a:spAutoFit/>
+            <a:scene3d>
+              <a:camera prst="orthographicFront"/>
+              <a:lightRig rig="threePt" dir="t"/>
+            </a:scene3d>
+            <a:sp3d contourW="12700"/>
+          </a:bodyPr>
+          <a:lstStyle/>
+          <a:p>
+            <a:pPr algn="ctr"/>
+            <a:r>
+              <a:rPr lang="en-US" altLang="zh-CN" sz="4000" dirty="0">
+                <a:solidFill>
+                  <a:schemeClr val="accent1"/>
+                </a:solidFill>
+                <a:latin typeface="Century Gothic" panose="020B0502020202020204" pitchFamily="34" charset="0"/>
+              </a:rPr>
+              <a:t>05</a:t>
+            </a:r>
+            <a:endParaRPr lang="zh-CN" altLang="en-US" sz="4000" dirty="0">
+              <a:solidFill>
+                <a:schemeClr val="accent1"/>
+              </a:solidFill>
+              <a:latin typeface="Century Gothic" panose="020B0502020202020204" pitchFamily="34" charset="0"/>
+            </a:endParaRPr>
+          </a:p>
+        </p:txBody>
+      </p:sp>
+      <p:grpSp>
+        <p:nvGrpSpPr>
+          <p:cNvPr id="36" name="组合 35"/>
+          <p:cNvGrpSpPr/>
+          <p:nvPr/>
+        </p:nvGrpSpPr>
+        <p:grpSpPr>
+          <a:xfrm>
+            <a:off x="1473289" y="371367"/>
+            <a:ext cx="4260761" cy="802534"/>
+            <a:chOff x="7318011" y="1456480"/>
+            <a:chExt cx="4260761" cy="802534"/>
+          </a:xfrm>
+        </p:grpSpPr>
+        <p:sp>
+          <p:nvSpPr>
+            <p:cNvPr id="37" name="文本框 36"/>
+            <p:cNvSpPr txBox="1"/>
+            <p:nvPr/>
+          </p:nvSpPr>
+          <p:spPr>
+            <a:xfrm>
+              <a:off x="7318011" y="1456480"/>
+              <a:ext cx="2214880" cy="583565"/>
+            </a:xfrm>
+            <a:prstGeom prst="rect">
+              <a:avLst/>
+            </a:prstGeom>
+            <a:noFill/>
+          </p:spPr>
+          <p:txBody>
+            <a:bodyPr wrap="none" rtlCol="0">
+              <a:spAutoFit/>
+              <a:scene3d>
+                <a:camera prst="orthographicFront"/>
+                <a:lightRig rig="threePt" dir="t"/>
+              </a:scene3d>
+              <a:sp3d contourW="12700"/>
+            </a:bodyPr>
+            <a:lstStyle/>
+            <a:p>
+              <a:r>
+                <a:rPr lang="zh-CN" altLang="en-US" sz="3200" b="1" dirty="0">
+                  <a:solidFill>
+                    <a:schemeClr val="tx1">
+                      <a:lumMod val="85000"/>
+                      <a:lumOff val="15000"/>
+                    </a:schemeClr>
+                  </a:solidFill>
+                </a:rPr>
+                <a:t>系统数据库</a:t>
+              </a:r>
+              <a:endParaRPr lang="zh-CN" altLang="en-US" sz="3200" b="1" dirty="0">
+                <a:solidFill>
+                  <a:schemeClr val="tx1">
+                    <a:lumMod val="85000"/>
+                    <a:lumOff val="15000"/>
+                  </a:schemeClr>
+                </a:solidFill>
+              </a:endParaRPr>
+            </a:p>
+          </p:txBody>
+        </p:sp>
+        <p:sp>
+          <p:nvSpPr>
+            <p:cNvPr id="38" name="文本框 37"/>
+            <p:cNvSpPr txBox="1"/>
+            <p:nvPr/>
+          </p:nvSpPr>
+          <p:spPr>
+            <a:xfrm>
+              <a:off x="7318011" y="1984059"/>
+              <a:ext cx="4260761" cy="274955"/>
+            </a:xfrm>
+            <a:prstGeom prst="rect">
+              <a:avLst/>
+            </a:prstGeom>
+            <a:noFill/>
+          </p:spPr>
+          <p:txBody>
+            <a:bodyPr wrap="square" rtlCol="0">
+              <a:spAutoFit/>
+              <a:scene3d>
+                <a:camera prst="orthographicFront"/>
+                <a:lightRig rig="threePt" dir="t"/>
+              </a:scene3d>
+              <a:sp3d contourW="12700"/>
+            </a:bodyPr>
+            <a:lstStyle/>
+            <a:p>
+              <a:pPr>
+                <a:lnSpc>
+                  <a:spcPct val="114000"/>
+                </a:lnSpc>
+              </a:pPr>
+              <a:r>
+                <a:rPr lang="en-US" altLang="zh-CN" sz="1050" dirty="0">
+                  <a:solidFill>
+                    <a:schemeClr val="bg1">
+                      <a:lumMod val="50000"/>
+                    </a:schemeClr>
+                  </a:solidFill>
+                  <a:latin typeface="Century Gothic" panose="020B0502020202020204" pitchFamily="34" charset="0"/>
+                </a:rPr>
+                <a:t>System Database</a:t>
+              </a:r>
+              <a:endParaRPr lang="en-US" altLang="zh-CN" sz="1050" dirty="0">
+                <a:solidFill>
+                  <a:schemeClr val="bg1">
+                    <a:lumMod val="50000"/>
+                  </a:schemeClr>
+                </a:solidFill>
+                <a:latin typeface="Century Gothic" panose="020B0502020202020204" pitchFamily="34" charset="0"/>
+              </a:endParaRPr>
+            </a:p>
+          </p:txBody>
+        </p:sp>
+      </p:grpSp>
+      <p:pic>
+        <p:nvPicPr>
+          <p:cNvPr id="2" name="图片 1"/>
+          <p:cNvPicPr>
+            <a:picLocks noChangeAspect="1"/>
+          </p:cNvPicPr>
+          <p:nvPr/>
+        </p:nvPicPr>
+        <p:blipFill>
+          <a:blip r:embed="rId1"/>
+          <a:stretch>
+            <a:fillRect/>
+          </a:stretch>
+        </p:blipFill>
+        <p:spPr>
+          <a:xfrm>
+            <a:off x="1343025" y="1423670"/>
+            <a:ext cx="9723120" cy="4907280"/>
+          </a:xfrm>
+          <a:prstGeom prst="rect">
+            <a:avLst/>
+          </a:prstGeom>
+        </p:spPr>
+      </p:pic>
+    </p:spTree>
+  </p:cSld>
+  <p:clrMapOvr>
+    <a:masterClrMapping/>
+  </p:clrMapOvr>
+</p:sld>
+</file>
+
+<file path=ppt/slides/slide44.xml><?xml version="1.0" encoding="utf-8"?>
 <p:sld xmlns:a="http://schemas.openxmlformats.org/drawingml/2006/main" xmlns:r="http://schemas.openxmlformats.org/officeDocument/2006/relationships" xmlns:p="http://schemas.openxmlformats.org/presentationml/2006/main">
   <p:cSld>
     <p:spTree>
@@ -27478,7 +30190,7 @@
 </p:sld>
 </file>
 
-<file path=ppt/slides/slide41.xml><?xml version="1.0" encoding="utf-8"?>
+<file path=ppt/slides/slide45.xml><?xml version="1.0" encoding="utf-8"?>
 <p:sld xmlns:a="http://schemas.openxmlformats.org/drawingml/2006/main" xmlns:r="http://schemas.openxmlformats.org/officeDocument/2006/relationships" xmlns:p="http://schemas.openxmlformats.org/presentationml/2006/main">
   <p:cSld>
     <p:spTree>
@@ -28775,7 +31487,7 @@
 </p:sld>
 </file>
 
-<file path=ppt/slides/slide42.xml><?xml version="1.0" encoding="utf-8"?>
+<file path=ppt/slides/slide46.xml><?xml version="1.0" encoding="utf-8"?>
 <p:sld xmlns:a="http://schemas.openxmlformats.org/drawingml/2006/main" xmlns:r="http://schemas.openxmlformats.org/officeDocument/2006/relationships" xmlns:p="http://schemas.openxmlformats.org/presentationml/2006/main">
   <p:cSld>
     <p:spTree>
@@ -29726,7 +32438,7 @@
 </p:sld>
 </file>
 
-<file path=ppt/slides/slide43.xml><?xml version="1.0" encoding="utf-8"?>
+<file path=ppt/slides/slide47.xml><?xml version="1.0" encoding="utf-8"?>
 <p:sld xmlns:a="http://schemas.openxmlformats.org/drawingml/2006/main" xmlns:r="http://schemas.openxmlformats.org/officeDocument/2006/relationships" xmlns:p="http://schemas.openxmlformats.org/presentationml/2006/main">
   <p:cSld>
     <p:spTree>
@@ -30678,7 +33390,7 @@
 </p:sld>
 </file>
 
-<file path=ppt/slides/slide44.xml><?xml version="1.0" encoding="utf-8"?>
+<file path=ppt/slides/slide48.xml><?xml version="1.0" encoding="utf-8"?>
 <p:sld xmlns:a="http://schemas.openxmlformats.org/drawingml/2006/main" xmlns:r="http://schemas.openxmlformats.org/officeDocument/2006/relationships" xmlns:p="http://schemas.openxmlformats.org/presentationml/2006/main">
   <p:cSld>
     <p:spTree>
@@ -31217,7 +33929,7 @@
 </p:sld>
 </file>
 
-<file path=ppt/slides/slide45.xml><?xml version="1.0" encoding="utf-8"?>
+<file path=ppt/slides/slide49.xml><?xml version="1.0" encoding="utf-8"?>
 <p:sld xmlns:a="http://schemas.openxmlformats.org/drawingml/2006/main" xmlns:r="http://schemas.openxmlformats.org/officeDocument/2006/relationships" xmlns:p="http://schemas.openxmlformats.org/presentationml/2006/main">
   <p:cSld>
     <p:spTree>
@@ -31705,7 +34417,595 @@
 </p:sld>
 </file>
 
-<file path=ppt/slides/slide46.xml><?xml version="1.0" encoding="utf-8"?>
+<file path=ppt/slides/slide5.xml><?xml version="1.0" encoding="utf-8"?>
+<p:sld xmlns:a="http://schemas.openxmlformats.org/drawingml/2006/main" xmlns:r="http://schemas.openxmlformats.org/officeDocument/2006/relationships" xmlns:p="http://schemas.openxmlformats.org/presentationml/2006/main">
+  <p:cSld>
+    <p:spTree>
+      <p:nvGrpSpPr>
+        <p:cNvPr id="1" name=""/>
+        <p:cNvGrpSpPr/>
+        <p:nvPr/>
+      </p:nvGrpSpPr>
+      <p:grpSpPr>
+        <a:xfrm>
+          <a:off x="0" y="0"/>
+          <a:ext cx="0" cy="0"/>
+          <a:chOff x="0" y="0"/>
+          <a:chExt cx="0" cy="0"/>
+        </a:xfrm>
+      </p:grpSpPr>
+      <p:sp>
+        <p:nvSpPr>
+          <p:cNvPr id="14" name="任意多边形: 形状 13"/>
+          <p:cNvSpPr/>
+          <p:nvPr/>
+        </p:nvSpPr>
+        <p:spPr>
+          <a:xfrm>
+            <a:off x="419285" y="720818"/>
+            <a:ext cx="923740" cy="461870"/>
+          </a:xfrm>
+          <a:custGeom>
+            <a:avLst/>
+            <a:gdLst>
+              <a:gd name="connsiteX0" fmla="*/ 0 w 923740"/>
+              <a:gd name="connsiteY0" fmla="*/ 0 h 461870"/>
+              <a:gd name="connsiteX1" fmla="*/ 33227 w 923740"/>
+              <a:gd name="connsiteY1" fmla="*/ 0 h 461870"/>
+              <a:gd name="connsiteX2" fmla="*/ 33227 w 923740"/>
+              <a:gd name="connsiteY2" fmla="*/ 428643 h 461870"/>
+              <a:gd name="connsiteX3" fmla="*/ 890513 w 923740"/>
+              <a:gd name="connsiteY3" fmla="*/ 428643 h 461870"/>
+              <a:gd name="connsiteX4" fmla="*/ 890513 w 923740"/>
+              <a:gd name="connsiteY4" fmla="*/ 0 h 461870"/>
+              <a:gd name="connsiteX5" fmla="*/ 923740 w 923740"/>
+              <a:gd name="connsiteY5" fmla="*/ 0 h 461870"/>
+              <a:gd name="connsiteX6" fmla="*/ 923740 w 923740"/>
+              <a:gd name="connsiteY6" fmla="*/ 461870 h 461870"/>
+              <a:gd name="connsiteX7" fmla="*/ 0 w 923740"/>
+              <a:gd name="connsiteY7" fmla="*/ 461870 h 461870"/>
+              <a:gd name="connsiteX8" fmla="*/ 0 w 923740"/>
+              <a:gd name="connsiteY8" fmla="*/ 0 h 461870"/>
+            </a:gdLst>
+            <a:ahLst/>
+            <a:cxnLst>
+              <a:cxn ang="0">
+                <a:pos x="connsiteX0" y="connsiteY0"/>
+              </a:cxn>
+              <a:cxn ang="0">
+                <a:pos x="connsiteX1" y="connsiteY1"/>
+              </a:cxn>
+              <a:cxn ang="0">
+                <a:pos x="connsiteX2" y="connsiteY2"/>
+              </a:cxn>
+              <a:cxn ang="0">
+                <a:pos x="connsiteX3" y="connsiteY3"/>
+              </a:cxn>
+              <a:cxn ang="0">
+                <a:pos x="connsiteX4" y="connsiteY4"/>
+              </a:cxn>
+              <a:cxn ang="0">
+                <a:pos x="connsiteX5" y="connsiteY5"/>
+              </a:cxn>
+              <a:cxn ang="0">
+                <a:pos x="connsiteX6" y="connsiteY6"/>
+              </a:cxn>
+              <a:cxn ang="0">
+                <a:pos x="connsiteX7" y="connsiteY7"/>
+              </a:cxn>
+              <a:cxn ang="0">
+                <a:pos x="connsiteX8" y="connsiteY8"/>
+              </a:cxn>
+            </a:cxnLst>
+            <a:rect l="l" t="t" r="r" b="b"/>
+            <a:pathLst>
+              <a:path w="923740" h="461870">
+                <a:moveTo>
+                  <a:pt x="0" y="0"/>
+                </a:moveTo>
+                <a:lnTo>
+                  <a:pt x="33227" y="0"/>
+                </a:lnTo>
+                <a:lnTo>
+                  <a:pt x="33227" y="428643"/>
+                </a:lnTo>
+                <a:lnTo>
+                  <a:pt x="890513" y="428643"/>
+                </a:lnTo>
+                <a:lnTo>
+                  <a:pt x="890513" y="0"/>
+                </a:lnTo>
+                <a:lnTo>
+                  <a:pt x="923740" y="0"/>
+                </a:lnTo>
+                <a:lnTo>
+                  <a:pt x="923740" y="461870"/>
+                </a:lnTo>
+                <a:lnTo>
+                  <a:pt x="0" y="461870"/>
+                </a:lnTo>
+                <a:lnTo>
+                  <a:pt x="0" y="0"/>
+                </a:lnTo>
+                <a:close/>
+              </a:path>
+            </a:pathLst>
+          </a:custGeom>
+          <a:solidFill>
+            <a:schemeClr val="tx1">
+              <a:lumMod val="75000"/>
+              <a:lumOff val="25000"/>
+            </a:schemeClr>
+          </a:solidFill>
+          <a:ln>
+            <a:noFill/>
+          </a:ln>
+        </p:spPr>
+        <p:style>
+          <a:lnRef idx="2">
+            <a:schemeClr val="accent1">
+              <a:shade val="50000"/>
+            </a:schemeClr>
+          </a:lnRef>
+          <a:fillRef idx="1">
+            <a:schemeClr val="accent1"/>
+          </a:fillRef>
+          <a:effectRef idx="0">
+            <a:schemeClr val="accent1"/>
+          </a:effectRef>
+          <a:fontRef idx="minor">
+            <a:schemeClr val="lt1"/>
+          </a:fontRef>
+        </p:style>
+        <p:txBody>
+          <a:bodyPr rtlCol="0" anchor="ctr"/>
+          <a:lstStyle/>
+          <a:p>
+            <a:pPr algn="ctr"/>
+            <a:endParaRPr lang="zh-CN" altLang="en-US" sz="1600">
+              <a:solidFill>
+                <a:schemeClr val="tx1"/>
+              </a:solidFill>
+            </a:endParaRPr>
+          </a:p>
+        </p:txBody>
+      </p:sp>
+      <p:sp>
+        <p:nvSpPr>
+          <p:cNvPr id="15" name="任意多边形: 形状 14"/>
+          <p:cNvSpPr/>
+          <p:nvPr/>
+        </p:nvSpPr>
+        <p:spPr>
+          <a:xfrm>
+            <a:off x="419285" y="258948"/>
+            <a:ext cx="923740" cy="461870"/>
+          </a:xfrm>
+          <a:custGeom>
+            <a:avLst/>
+            <a:gdLst>
+              <a:gd name="connsiteX0" fmla="*/ 0 w 923740"/>
+              <a:gd name="connsiteY0" fmla="*/ 0 h 461870"/>
+              <a:gd name="connsiteX1" fmla="*/ 923740 w 923740"/>
+              <a:gd name="connsiteY1" fmla="*/ 0 h 461870"/>
+              <a:gd name="connsiteX2" fmla="*/ 923740 w 923740"/>
+              <a:gd name="connsiteY2" fmla="*/ 461870 h 461870"/>
+              <a:gd name="connsiteX3" fmla="*/ 890513 w 923740"/>
+              <a:gd name="connsiteY3" fmla="*/ 461870 h 461870"/>
+              <a:gd name="connsiteX4" fmla="*/ 890513 w 923740"/>
+              <a:gd name="connsiteY4" fmla="*/ 33227 h 461870"/>
+              <a:gd name="connsiteX5" fmla="*/ 33227 w 923740"/>
+              <a:gd name="connsiteY5" fmla="*/ 33227 h 461870"/>
+              <a:gd name="connsiteX6" fmla="*/ 33227 w 923740"/>
+              <a:gd name="connsiteY6" fmla="*/ 461870 h 461870"/>
+              <a:gd name="connsiteX7" fmla="*/ 0 w 923740"/>
+              <a:gd name="connsiteY7" fmla="*/ 461870 h 461870"/>
+              <a:gd name="connsiteX8" fmla="*/ 0 w 923740"/>
+              <a:gd name="connsiteY8" fmla="*/ 0 h 461870"/>
+            </a:gdLst>
+            <a:ahLst/>
+            <a:cxnLst>
+              <a:cxn ang="0">
+                <a:pos x="connsiteX0" y="connsiteY0"/>
+              </a:cxn>
+              <a:cxn ang="0">
+                <a:pos x="connsiteX1" y="connsiteY1"/>
+              </a:cxn>
+              <a:cxn ang="0">
+                <a:pos x="connsiteX2" y="connsiteY2"/>
+              </a:cxn>
+              <a:cxn ang="0">
+                <a:pos x="connsiteX3" y="connsiteY3"/>
+              </a:cxn>
+              <a:cxn ang="0">
+                <a:pos x="connsiteX4" y="connsiteY4"/>
+              </a:cxn>
+              <a:cxn ang="0">
+                <a:pos x="connsiteX5" y="connsiteY5"/>
+              </a:cxn>
+              <a:cxn ang="0">
+                <a:pos x="connsiteX6" y="connsiteY6"/>
+              </a:cxn>
+              <a:cxn ang="0">
+                <a:pos x="connsiteX7" y="connsiteY7"/>
+              </a:cxn>
+              <a:cxn ang="0">
+                <a:pos x="connsiteX8" y="connsiteY8"/>
+              </a:cxn>
+            </a:cxnLst>
+            <a:rect l="l" t="t" r="r" b="b"/>
+            <a:pathLst>
+              <a:path w="923740" h="461870">
+                <a:moveTo>
+                  <a:pt x="0" y="0"/>
+                </a:moveTo>
+                <a:lnTo>
+                  <a:pt x="923740" y="0"/>
+                </a:lnTo>
+                <a:lnTo>
+                  <a:pt x="923740" y="461870"/>
+                </a:lnTo>
+                <a:lnTo>
+                  <a:pt x="890513" y="461870"/>
+                </a:lnTo>
+                <a:lnTo>
+                  <a:pt x="890513" y="33227"/>
+                </a:lnTo>
+                <a:lnTo>
+                  <a:pt x="33227" y="33227"/>
+                </a:lnTo>
+                <a:lnTo>
+                  <a:pt x="33227" y="461870"/>
+                </a:lnTo>
+                <a:lnTo>
+                  <a:pt x="0" y="461870"/>
+                </a:lnTo>
+                <a:lnTo>
+                  <a:pt x="0" y="0"/>
+                </a:lnTo>
+                <a:close/>
+              </a:path>
+            </a:pathLst>
+          </a:custGeom>
+          <a:ln>
+            <a:noFill/>
+          </a:ln>
+        </p:spPr>
+        <p:style>
+          <a:lnRef idx="2">
+            <a:schemeClr val="accent1">
+              <a:shade val="50000"/>
+            </a:schemeClr>
+          </a:lnRef>
+          <a:fillRef idx="1">
+            <a:schemeClr val="accent1"/>
+          </a:fillRef>
+          <a:effectRef idx="0">
+            <a:schemeClr val="accent1"/>
+          </a:effectRef>
+          <a:fontRef idx="minor">
+            <a:schemeClr val="lt1"/>
+          </a:fontRef>
+        </p:style>
+        <p:txBody>
+          <a:bodyPr rtlCol="0" anchor="ctr"/>
+          <a:lstStyle/>
+          <a:p>
+            <a:pPr algn="ctr"/>
+            <a:endParaRPr lang="zh-CN" altLang="en-US" sz="1600">
+              <a:solidFill>
+                <a:schemeClr val="tx1"/>
+              </a:solidFill>
+            </a:endParaRPr>
+          </a:p>
+        </p:txBody>
+      </p:sp>
+      <p:sp>
+        <p:nvSpPr>
+          <p:cNvPr id="16" name="文本框 15"/>
+          <p:cNvSpPr txBox="1"/>
+          <p:nvPr/>
+        </p:nvSpPr>
+        <p:spPr>
+          <a:xfrm>
+            <a:off x="419285" y="366875"/>
+            <a:ext cx="923740" cy="707886"/>
+          </a:xfrm>
+          <a:prstGeom prst="rect">
+            <a:avLst/>
+          </a:prstGeom>
+          <a:noFill/>
+        </p:spPr>
+        <p:txBody>
+          <a:bodyPr wrap="square" rtlCol="0">
+            <a:spAutoFit/>
+            <a:scene3d>
+              <a:camera prst="orthographicFront"/>
+              <a:lightRig rig="threePt" dir="t"/>
+            </a:scene3d>
+            <a:sp3d contourW="12700"/>
+          </a:bodyPr>
+          <a:lstStyle/>
+          <a:p>
+            <a:pPr algn="ctr"/>
+            <a:r>
+              <a:rPr lang="en-US" altLang="zh-CN" sz="4000" dirty="0">
+                <a:solidFill>
+                  <a:schemeClr val="accent1"/>
+                </a:solidFill>
+                <a:latin typeface="Century Gothic" panose="020B0502020202020204" pitchFamily="34" charset="0"/>
+              </a:rPr>
+              <a:t>01</a:t>
+            </a:r>
+            <a:endParaRPr lang="zh-CN" altLang="en-US" sz="4000" dirty="0">
+              <a:solidFill>
+                <a:schemeClr val="accent1"/>
+              </a:solidFill>
+              <a:latin typeface="Century Gothic" panose="020B0502020202020204" pitchFamily="34" charset="0"/>
+            </a:endParaRPr>
+          </a:p>
+        </p:txBody>
+      </p:sp>
+      <p:grpSp>
+        <p:nvGrpSpPr>
+          <p:cNvPr id="17" name="组合 16"/>
+          <p:cNvGrpSpPr/>
+          <p:nvPr/>
+        </p:nvGrpSpPr>
+        <p:grpSpPr>
+          <a:xfrm>
+            <a:off x="1473289" y="371367"/>
+            <a:ext cx="5352415" cy="829204"/>
+            <a:chOff x="7318011" y="1456480"/>
+            <a:chExt cx="5352415" cy="829204"/>
+          </a:xfrm>
+        </p:grpSpPr>
+        <p:sp>
+          <p:nvSpPr>
+            <p:cNvPr id="18" name="文本框 17"/>
+            <p:cNvSpPr txBox="1"/>
+            <p:nvPr/>
+          </p:nvSpPr>
+          <p:spPr>
+            <a:xfrm>
+              <a:off x="7318011" y="1456480"/>
+              <a:ext cx="5352415" cy="583565"/>
+            </a:xfrm>
+            <a:prstGeom prst="rect">
+              <a:avLst/>
+            </a:prstGeom>
+            <a:noFill/>
+          </p:spPr>
+          <p:txBody>
+            <a:bodyPr wrap="none" rtlCol="0">
+              <a:spAutoFit/>
+              <a:scene3d>
+                <a:camera prst="orthographicFront"/>
+                <a:lightRig rig="threePt" dir="t"/>
+              </a:scene3d>
+              <a:sp3d contourW="12700"/>
+            </a:bodyPr>
+            <a:lstStyle/>
+            <a:p>
+              <a:r>
+                <a:rPr lang="en-US" altLang="zh-CN" sz="3200" b="1" dirty="0">
+                  <a:solidFill>
+                    <a:schemeClr val="tx1">
+                      <a:lumMod val="85000"/>
+                      <a:lumOff val="15000"/>
+                    </a:schemeClr>
+                  </a:solidFill>
+                </a:rPr>
+                <a:t>Git</a:t>
+              </a:r>
+              <a:r>
+                <a:rPr lang="zh-CN" altLang="en-US" sz="3200" b="1" dirty="0">
+                  <a:solidFill>
+                    <a:schemeClr val="tx1">
+                      <a:lumMod val="85000"/>
+                      <a:lumOff val="15000"/>
+                    </a:schemeClr>
+                  </a:solidFill>
+                </a:rPr>
+                <a:t>正确使用</a:t>
+              </a:r>
+              <a:r>
+                <a:rPr lang="en-US" altLang="zh-CN" sz="3200" b="1" dirty="0">
+                  <a:solidFill>
+                    <a:schemeClr val="tx1">
+                      <a:lumMod val="85000"/>
+                      <a:lumOff val="15000"/>
+                    </a:schemeClr>
+                  </a:solidFill>
+                </a:rPr>
+                <a:t>----</a:t>
+              </a:r>
+              <a:r>
+                <a:rPr lang="zh-CN" altLang="en-US" sz="3200" b="1" dirty="0">
+                  <a:solidFill>
+                    <a:schemeClr val="tx1">
+                      <a:lumMod val="85000"/>
+                      <a:lumOff val="15000"/>
+                    </a:schemeClr>
+                  </a:solidFill>
+                </a:rPr>
+                <a:t>提交信息统一</a:t>
+              </a:r>
+              <a:endParaRPr lang="zh-CN" altLang="en-US" sz="3200" b="1" dirty="0">
+                <a:solidFill>
+                  <a:schemeClr val="tx1">
+                    <a:lumMod val="85000"/>
+                    <a:lumOff val="15000"/>
+                  </a:schemeClr>
+                </a:solidFill>
+              </a:endParaRPr>
+            </a:p>
+          </p:txBody>
+        </p:sp>
+        <p:sp>
+          <p:nvSpPr>
+            <p:cNvPr id="19" name="文本框 18"/>
+            <p:cNvSpPr txBox="1"/>
+            <p:nvPr/>
+          </p:nvSpPr>
+          <p:spPr>
+            <a:xfrm>
+              <a:off x="7318011" y="1984059"/>
+              <a:ext cx="4260761" cy="301625"/>
+            </a:xfrm>
+            <a:prstGeom prst="rect">
+              <a:avLst/>
+            </a:prstGeom>
+            <a:noFill/>
+          </p:spPr>
+          <p:txBody>
+            <a:bodyPr wrap="square" rtlCol="0">
+              <a:spAutoFit/>
+              <a:scene3d>
+                <a:camera prst="orthographicFront"/>
+                <a:lightRig rig="threePt" dir="t"/>
+              </a:scene3d>
+              <a:sp3d contourW="12700"/>
+            </a:bodyPr>
+            <a:lstStyle/>
+            <a:p>
+              <a:pPr algn="l">
+                <a:lnSpc>
+                  <a:spcPct val="114000"/>
+                </a:lnSpc>
+              </a:pPr>
+              <a:r>
+                <a:rPr lang="en-US" altLang="zh-CN" sz="1200" dirty="0">
+                  <a:solidFill>
+                    <a:schemeClr val="bg1">
+                      <a:lumMod val="50000"/>
+                    </a:schemeClr>
+                  </a:solidFill>
+                  <a:latin typeface="Century Gothic" panose="020B0502020202020204" pitchFamily="34" charset="0"/>
+                  <a:ea typeface="+mj-ea"/>
+                  <a:sym typeface="+mn-ea"/>
+                </a:rPr>
+                <a:t>Correct Usage of Git</a:t>
+              </a:r>
+              <a:endParaRPr lang="en-US" altLang="zh-CN" sz="1200" dirty="0">
+                <a:solidFill>
+                  <a:schemeClr val="bg1">
+                    <a:lumMod val="50000"/>
+                  </a:schemeClr>
+                </a:solidFill>
+                <a:latin typeface="Century Gothic" panose="020B0502020202020204" pitchFamily="34" charset="0"/>
+              </a:endParaRPr>
+            </a:p>
+          </p:txBody>
+        </p:sp>
+      </p:grpSp>
+      <p:pic>
+        <p:nvPicPr>
+          <p:cNvPr id="5" name="图片 4"/>
+          <p:cNvPicPr>
+            <a:picLocks noChangeAspect="1"/>
+          </p:cNvPicPr>
+          <p:nvPr/>
+        </p:nvPicPr>
+        <p:blipFill>
+          <a:blip r:embed="rId1"/>
+          <a:srcRect r="21664" b="60300"/>
+          <a:stretch>
+            <a:fillRect/>
+          </a:stretch>
+        </p:blipFill>
+        <p:spPr>
+          <a:xfrm>
+            <a:off x="419100" y="1283335"/>
+            <a:ext cx="4369435" cy="2371725"/>
+          </a:xfrm>
+          <a:prstGeom prst="rect">
+            <a:avLst/>
+          </a:prstGeom>
+        </p:spPr>
+      </p:pic>
+      <p:pic>
+        <p:nvPicPr>
+          <p:cNvPr id="6" name="图片 5"/>
+          <p:cNvPicPr>
+            <a:picLocks noChangeAspect="1"/>
+          </p:cNvPicPr>
+          <p:nvPr/>
+        </p:nvPicPr>
+        <p:blipFill>
+          <a:blip r:embed="rId2"/>
+          <a:stretch>
+            <a:fillRect/>
+          </a:stretch>
+        </p:blipFill>
+        <p:spPr>
+          <a:xfrm>
+            <a:off x="544195" y="3983355"/>
+            <a:ext cx="3985260" cy="2339340"/>
+          </a:xfrm>
+          <a:prstGeom prst="rect">
+            <a:avLst/>
+          </a:prstGeom>
+        </p:spPr>
+      </p:pic>
+      <p:pic>
+        <p:nvPicPr>
+          <p:cNvPr id="7" name="图片 6"/>
+          <p:cNvPicPr>
+            <a:picLocks noChangeAspect="1"/>
+          </p:cNvPicPr>
+          <p:nvPr/>
+        </p:nvPicPr>
+        <p:blipFill>
+          <a:blip r:embed="rId3"/>
+          <a:stretch>
+            <a:fillRect/>
+          </a:stretch>
+        </p:blipFill>
+        <p:spPr>
+          <a:xfrm>
+            <a:off x="6134735" y="1154430"/>
+            <a:ext cx="4975860" cy="2628900"/>
+          </a:xfrm>
+          <a:prstGeom prst="rect">
+            <a:avLst/>
+          </a:prstGeom>
+        </p:spPr>
+      </p:pic>
+      <p:pic>
+        <p:nvPicPr>
+          <p:cNvPr id="8" name="图片 7"/>
+          <p:cNvPicPr>
+            <a:picLocks noChangeAspect="1"/>
+          </p:cNvPicPr>
+          <p:nvPr/>
+        </p:nvPicPr>
+        <p:blipFill>
+          <a:blip r:embed="rId4"/>
+          <a:srcRect r="4962"/>
+          <a:stretch>
+            <a:fillRect/>
+          </a:stretch>
+        </p:blipFill>
+        <p:spPr>
+          <a:xfrm>
+            <a:off x="6012815" y="4093210"/>
+            <a:ext cx="5047615" cy="2369820"/>
+          </a:xfrm>
+          <a:prstGeom prst="rect">
+            <a:avLst/>
+          </a:prstGeom>
+        </p:spPr>
+      </p:pic>
+    </p:spTree>
+  </p:cSld>
+  <p:clrMapOvr>
+    <a:masterClrMapping/>
+  </p:clrMapOvr>
+</p:sld>
+</file>
+
+<file path=ppt/slides/slide50.xml><?xml version="1.0" encoding="utf-8"?>
 <p:sld xmlns:a="http://schemas.openxmlformats.org/drawingml/2006/main" xmlns:r="http://schemas.openxmlformats.org/officeDocument/2006/relationships" xmlns:p="http://schemas.openxmlformats.org/presentationml/2006/main">
   <p:cSld>
     <p:spTree>
@@ -32193,7 +35493,7 @@
 </p:sld>
 </file>
 
-<file path=ppt/slides/slide47.xml><?xml version="1.0" encoding="utf-8"?>
+<file path=ppt/slides/slide51.xml><?xml version="1.0" encoding="utf-8"?>
 <p:sld xmlns:a="http://schemas.openxmlformats.org/drawingml/2006/main" xmlns:r="http://schemas.openxmlformats.org/officeDocument/2006/relationships" xmlns:p="http://schemas.openxmlformats.org/presentationml/2006/main">
   <p:cSld>
     <p:spTree>
@@ -33054,594 +36354,6 @@
 </p:sld>
 </file>
 
-<file path=ppt/slides/slide5.xml><?xml version="1.0" encoding="utf-8"?>
-<p:sld xmlns:a="http://schemas.openxmlformats.org/drawingml/2006/main" xmlns:r="http://schemas.openxmlformats.org/officeDocument/2006/relationships" xmlns:p="http://schemas.openxmlformats.org/presentationml/2006/main">
-  <p:cSld>
-    <p:spTree>
-      <p:nvGrpSpPr>
-        <p:cNvPr id="1" name=""/>
-        <p:cNvGrpSpPr/>
-        <p:nvPr/>
-      </p:nvGrpSpPr>
-      <p:grpSpPr>
-        <a:xfrm>
-          <a:off x="0" y="0"/>
-          <a:ext cx="0" cy="0"/>
-          <a:chOff x="0" y="0"/>
-          <a:chExt cx="0" cy="0"/>
-        </a:xfrm>
-      </p:grpSpPr>
-      <p:sp>
-        <p:nvSpPr>
-          <p:cNvPr id="14" name="任意多边形: 形状 13"/>
-          <p:cNvSpPr/>
-          <p:nvPr/>
-        </p:nvSpPr>
-        <p:spPr>
-          <a:xfrm>
-            <a:off x="419285" y="720818"/>
-            <a:ext cx="923740" cy="461870"/>
-          </a:xfrm>
-          <a:custGeom>
-            <a:avLst/>
-            <a:gdLst>
-              <a:gd name="connsiteX0" fmla="*/ 0 w 923740"/>
-              <a:gd name="connsiteY0" fmla="*/ 0 h 461870"/>
-              <a:gd name="connsiteX1" fmla="*/ 33227 w 923740"/>
-              <a:gd name="connsiteY1" fmla="*/ 0 h 461870"/>
-              <a:gd name="connsiteX2" fmla="*/ 33227 w 923740"/>
-              <a:gd name="connsiteY2" fmla="*/ 428643 h 461870"/>
-              <a:gd name="connsiteX3" fmla="*/ 890513 w 923740"/>
-              <a:gd name="connsiteY3" fmla="*/ 428643 h 461870"/>
-              <a:gd name="connsiteX4" fmla="*/ 890513 w 923740"/>
-              <a:gd name="connsiteY4" fmla="*/ 0 h 461870"/>
-              <a:gd name="connsiteX5" fmla="*/ 923740 w 923740"/>
-              <a:gd name="connsiteY5" fmla="*/ 0 h 461870"/>
-              <a:gd name="connsiteX6" fmla="*/ 923740 w 923740"/>
-              <a:gd name="connsiteY6" fmla="*/ 461870 h 461870"/>
-              <a:gd name="connsiteX7" fmla="*/ 0 w 923740"/>
-              <a:gd name="connsiteY7" fmla="*/ 461870 h 461870"/>
-              <a:gd name="connsiteX8" fmla="*/ 0 w 923740"/>
-              <a:gd name="connsiteY8" fmla="*/ 0 h 461870"/>
-            </a:gdLst>
-            <a:ahLst/>
-            <a:cxnLst>
-              <a:cxn ang="0">
-                <a:pos x="connsiteX0" y="connsiteY0"/>
-              </a:cxn>
-              <a:cxn ang="0">
-                <a:pos x="connsiteX1" y="connsiteY1"/>
-              </a:cxn>
-              <a:cxn ang="0">
-                <a:pos x="connsiteX2" y="connsiteY2"/>
-              </a:cxn>
-              <a:cxn ang="0">
-                <a:pos x="connsiteX3" y="connsiteY3"/>
-              </a:cxn>
-              <a:cxn ang="0">
-                <a:pos x="connsiteX4" y="connsiteY4"/>
-              </a:cxn>
-              <a:cxn ang="0">
-                <a:pos x="connsiteX5" y="connsiteY5"/>
-              </a:cxn>
-              <a:cxn ang="0">
-                <a:pos x="connsiteX6" y="connsiteY6"/>
-              </a:cxn>
-              <a:cxn ang="0">
-                <a:pos x="connsiteX7" y="connsiteY7"/>
-              </a:cxn>
-              <a:cxn ang="0">
-                <a:pos x="connsiteX8" y="connsiteY8"/>
-              </a:cxn>
-            </a:cxnLst>
-            <a:rect l="l" t="t" r="r" b="b"/>
-            <a:pathLst>
-              <a:path w="923740" h="461870">
-                <a:moveTo>
-                  <a:pt x="0" y="0"/>
-                </a:moveTo>
-                <a:lnTo>
-                  <a:pt x="33227" y="0"/>
-                </a:lnTo>
-                <a:lnTo>
-                  <a:pt x="33227" y="428643"/>
-                </a:lnTo>
-                <a:lnTo>
-                  <a:pt x="890513" y="428643"/>
-                </a:lnTo>
-                <a:lnTo>
-                  <a:pt x="890513" y="0"/>
-                </a:lnTo>
-                <a:lnTo>
-                  <a:pt x="923740" y="0"/>
-                </a:lnTo>
-                <a:lnTo>
-                  <a:pt x="923740" y="461870"/>
-                </a:lnTo>
-                <a:lnTo>
-                  <a:pt x="0" y="461870"/>
-                </a:lnTo>
-                <a:lnTo>
-                  <a:pt x="0" y="0"/>
-                </a:lnTo>
-                <a:close/>
-              </a:path>
-            </a:pathLst>
-          </a:custGeom>
-          <a:solidFill>
-            <a:schemeClr val="tx1">
-              <a:lumMod val="75000"/>
-              <a:lumOff val="25000"/>
-            </a:schemeClr>
-          </a:solidFill>
-          <a:ln>
-            <a:noFill/>
-          </a:ln>
-        </p:spPr>
-        <p:style>
-          <a:lnRef idx="2">
-            <a:schemeClr val="accent1">
-              <a:shade val="50000"/>
-            </a:schemeClr>
-          </a:lnRef>
-          <a:fillRef idx="1">
-            <a:schemeClr val="accent1"/>
-          </a:fillRef>
-          <a:effectRef idx="0">
-            <a:schemeClr val="accent1"/>
-          </a:effectRef>
-          <a:fontRef idx="minor">
-            <a:schemeClr val="lt1"/>
-          </a:fontRef>
-        </p:style>
-        <p:txBody>
-          <a:bodyPr rtlCol="0" anchor="ctr"/>
-          <a:lstStyle/>
-          <a:p>
-            <a:pPr algn="ctr"/>
-            <a:endParaRPr lang="zh-CN" altLang="en-US" sz="1600">
-              <a:solidFill>
-                <a:schemeClr val="tx1"/>
-              </a:solidFill>
-            </a:endParaRPr>
-          </a:p>
-        </p:txBody>
-      </p:sp>
-      <p:sp>
-        <p:nvSpPr>
-          <p:cNvPr id="15" name="任意多边形: 形状 14"/>
-          <p:cNvSpPr/>
-          <p:nvPr/>
-        </p:nvSpPr>
-        <p:spPr>
-          <a:xfrm>
-            <a:off x="419285" y="258948"/>
-            <a:ext cx="923740" cy="461870"/>
-          </a:xfrm>
-          <a:custGeom>
-            <a:avLst/>
-            <a:gdLst>
-              <a:gd name="connsiteX0" fmla="*/ 0 w 923740"/>
-              <a:gd name="connsiteY0" fmla="*/ 0 h 461870"/>
-              <a:gd name="connsiteX1" fmla="*/ 923740 w 923740"/>
-              <a:gd name="connsiteY1" fmla="*/ 0 h 461870"/>
-              <a:gd name="connsiteX2" fmla="*/ 923740 w 923740"/>
-              <a:gd name="connsiteY2" fmla="*/ 461870 h 461870"/>
-              <a:gd name="connsiteX3" fmla="*/ 890513 w 923740"/>
-              <a:gd name="connsiteY3" fmla="*/ 461870 h 461870"/>
-              <a:gd name="connsiteX4" fmla="*/ 890513 w 923740"/>
-              <a:gd name="connsiteY4" fmla="*/ 33227 h 461870"/>
-              <a:gd name="connsiteX5" fmla="*/ 33227 w 923740"/>
-              <a:gd name="connsiteY5" fmla="*/ 33227 h 461870"/>
-              <a:gd name="connsiteX6" fmla="*/ 33227 w 923740"/>
-              <a:gd name="connsiteY6" fmla="*/ 461870 h 461870"/>
-              <a:gd name="connsiteX7" fmla="*/ 0 w 923740"/>
-              <a:gd name="connsiteY7" fmla="*/ 461870 h 461870"/>
-              <a:gd name="connsiteX8" fmla="*/ 0 w 923740"/>
-              <a:gd name="connsiteY8" fmla="*/ 0 h 461870"/>
-            </a:gdLst>
-            <a:ahLst/>
-            <a:cxnLst>
-              <a:cxn ang="0">
-                <a:pos x="connsiteX0" y="connsiteY0"/>
-              </a:cxn>
-              <a:cxn ang="0">
-                <a:pos x="connsiteX1" y="connsiteY1"/>
-              </a:cxn>
-              <a:cxn ang="0">
-                <a:pos x="connsiteX2" y="connsiteY2"/>
-              </a:cxn>
-              <a:cxn ang="0">
-                <a:pos x="connsiteX3" y="connsiteY3"/>
-              </a:cxn>
-              <a:cxn ang="0">
-                <a:pos x="connsiteX4" y="connsiteY4"/>
-              </a:cxn>
-              <a:cxn ang="0">
-                <a:pos x="connsiteX5" y="connsiteY5"/>
-              </a:cxn>
-              <a:cxn ang="0">
-                <a:pos x="connsiteX6" y="connsiteY6"/>
-              </a:cxn>
-              <a:cxn ang="0">
-                <a:pos x="connsiteX7" y="connsiteY7"/>
-              </a:cxn>
-              <a:cxn ang="0">
-                <a:pos x="connsiteX8" y="connsiteY8"/>
-              </a:cxn>
-            </a:cxnLst>
-            <a:rect l="l" t="t" r="r" b="b"/>
-            <a:pathLst>
-              <a:path w="923740" h="461870">
-                <a:moveTo>
-                  <a:pt x="0" y="0"/>
-                </a:moveTo>
-                <a:lnTo>
-                  <a:pt x="923740" y="0"/>
-                </a:lnTo>
-                <a:lnTo>
-                  <a:pt x="923740" y="461870"/>
-                </a:lnTo>
-                <a:lnTo>
-                  <a:pt x="890513" y="461870"/>
-                </a:lnTo>
-                <a:lnTo>
-                  <a:pt x="890513" y="33227"/>
-                </a:lnTo>
-                <a:lnTo>
-                  <a:pt x="33227" y="33227"/>
-                </a:lnTo>
-                <a:lnTo>
-                  <a:pt x="33227" y="461870"/>
-                </a:lnTo>
-                <a:lnTo>
-                  <a:pt x="0" y="461870"/>
-                </a:lnTo>
-                <a:lnTo>
-                  <a:pt x="0" y="0"/>
-                </a:lnTo>
-                <a:close/>
-              </a:path>
-            </a:pathLst>
-          </a:custGeom>
-          <a:ln>
-            <a:noFill/>
-          </a:ln>
-        </p:spPr>
-        <p:style>
-          <a:lnRef idx="2">
-            <a:schemeClr val="accent1">
-              <a:shade val="50000"/>
-            </a:schemeClr>
-          </a:lnRef>
-          <a:fillRef idx="1">
-            <a:schemeClr val="accent1"/>
-          </a:fillRef>
-          <a:effectRef idx="0">
-            <a:schemeClr val="accent1"/>
-          </a:effectRef>
-          <a:fontRef idx="minor">
-            <a:schemeClr val="lt1"/>
-          </a:fontRef>
-        </p:style>
-        <p:txBody>
-          <a:bodyPr rtlCol="0" anchor="ctr"/>
-          <a:lstStyle/>
-          <a:p>
-            <a:pPr algn="ctr"/>
-            <a:endParaRPr lang="zh-CN" altLang="en-US" sz="1600">
-              <a:solidFill>
-                <a:schemeClr val="tx1"/>
-              </a:solidFill>
-            </a:endParaRPr>
-          </a:p>
-        </p:txBody>
-      </p:sp>
-      <p:sp>
-        <p:nvSpPr>
-          <p:cNvPr id="16" name="文本框 15"/>
-          <p:cNvSpPr txBox="1"/>
-          <p:nvPr/>
-        </p:nvSpPr>
-        <p:spPr>
-          <a:xfrm>
-            <a:off x="419285" y="366875"/>
-            <a:ext cx="923740" cy="707886"/>
-          </a:xfrm>
-          <a:prstGeom prst="rect">
-            <a:avLst/>
-          </a:prstGeom>
-          <a:noFill/>
-        </p:spPr>
-        <p:txBody>
-          <a:bodyPr wrap="square" rtlCol="0">
-            <a:spAutoFit/>
-            <a:scene3d>
-              <a:camera prst="orthographicFront"/>
-              <a:lightRig rig="threePt" dir="t"/>
-            </a:scene3d>
-            <a:sp3d contourW="12700"/>
-          </a:bodyPr>
-          <a:lstStyle/>
-          <a:p>
-            <a:pPr algn="ctr"/>
-            <a:r>
-              <a:rPr lang="en-US" altLang="zh-CN" sz="4000" dirty="0">
-                <a:solidFill>
-                  <a:schemeClr val="accent1"/>
-                </a:solidFill>
-                <a:latin typeface="Century Gothic" panose="020B0502020202020204" pitchFamily="34" charset="0"/>
-              </a:rPr>
-              <a:t>01</a:t>
-            </a:r>
-            <a:endParaRPr lang="zh-CN" altLang="en-US" sz="4000" dirty="0">
-              <a:solidFill>
-                <a:schemeClr val="accent1"/>
-              </a:solidFill>
-              <a:latin typeface="Century Gothic" panose="020B0502020202020204" pitchFamily="34" charset="0"/>
-            </a:endParaRPr>
-          </a:p>
-        </p:txBody>
-      </p:sp>
-      <p:grpSp>
-        <p:nvGrpSpPr>
-          <p:cNvPr id="17" name="组合 16"/>
-          <p:cNvGrpSpPr/>
-          <p:nvPr/>
-        </p:nvGrpSpPr>
-        <p:grpSpPr>
-          <a:xfrm>
-            <a:off x="1473289" y="371367"/>
-            <a:ext cx="5352415" cy="829204"/>
-            <a:chOff x="7318011" y="1456480"/>
-            <a:chExt cx="5352415" cy="829204"/>
-          </a:xfrm>
-        </p:grpSpPr>
-        <p:sp>
-          <p:nvSpPr>
-            <p:cNvPr id="18" name="文本框 17"/>
-            <p:cNvSpPr txBox="1"/>
-            <p:nvPr/>
-          </p:nvSpPr>
-          <p:spPr>
-            <a:xfrm>
-              <a:off x="7318011" y="1456480"/>
-              <a:ext cx="5352415" cy="583565"/>
-            </a:xfrm>
-            <a:prstGeom prst="rect">
-              <a:avLst/>
-            </a:prstGeom>
-            <a:noFill/>
-          </p:spPr>
-          <p:txBody>
-            <a:bodyPr wrap="none" rtlCol="0">
-              <a:spAutoFit/>
-              <a:scene3d>
-                <a:camera prst="orthographicFront"/>
-                <a:lightRig rig="threePt" dir="t"/>
-              </a:scene3d>
-              <a:sp3d contourW="12700"/>
-            </a:bodyPr>
-            <a:lstStyle/>
-            <a:p>
-              <a:r>
-                <a:rPr lang="en-US" altLang="zh-CN" sz="3200" b="1" dirty="0">
-                  <a:solidFill>
-                    <a:schemeClr val="tx1">
-                      <a:lumMod val="85000"/>
-                      <a:lumOff val="15000"/>
-                    </a:schemeClr>
-                  </a:solidFill>
-                </a:rPr>
-                <a:t>Git</a:t>
-              </a:r>
-              <a:r>
-                <a:rPr lang="zh-CN" altLang="en-US" sz="3200" b="1" dirty="0">
-                  <a:solidFill>
-                    <a:schemeClr val="tx1">
-                      <a:lumMod val="85000"/>
-                      <a:lumOff val="15000"/>
-                    </a:schemeClr>
-                  </a:solidFill>
-                </a:rPr>
-                <a:t>正确使用</a:t>
-              </a:r>
-              <a:r>
-                <a:rPr lang="en-US" altLang="zh-CN" sz="3200" b="1" dirty="0">
-                  <a:solidFill>
-                    <a:schemeClr val="tx1">
-                      <a:lumMod val="85000"/>
-                      <a:lumOff val="15000"/>
-                    </a:schemeClr>
-                  </a:solidFill>
-                </a:rPr>
-                <a:t>----</a:t>
-              </a:r>
-              <a:r>
-                <a:rPr lang="zh-CN" altLang="en-US" sz="3200" b="1" dirty="0">
-                  <a:solidFill>
-                    <a:schemeClr val="tx1">
-                      <a:lumMod val="85000"/>
-                      <a:lumOff val="15000"/>
-                    </a:schemeClr>
-                  </a:solidFill>
-                </a:rPr>
-                <a:t>提交信息统一</a:t>
-              </a:r>
-              <a:endParaRPr lang="zh-CN" altLang="en-US" sz="3200" b="1" dirty="0">
-                <a:solidFill>
-                  <a:schemeClr val="tx1">
-                    <a:lumMod val="85000"/>
-                    <a:lumOff val="15000"/>
-                  </a:schemeClr>
-                </a:solidFill>
-              </a:endParaRPr>
-            </a:p>
-          </p:txBody>
-        </p:sp>
-        <p:sp>
-          <p:nvSpPr>
-            <p:cNvPr id="19" name="文本框 18"/>
-            <p:cNvSpPr txBox="1"/>
-            <p:nvPr/>
-          </p:nvSpPr>
-          <p:spPr>
-            <a:xfrm>
-              <a:off x="7318011" y="1984059"/>
-              <a:ext cx="4260761" cy="301625"/>
-            </a:xfrm>
-            <a:prstGeom prst="rect">
-              <a:avLst/>
-            </a:prstGeom>
-            <a:noFill/>
-          </p:spPr>
-          <p:txBody>
-            <a:bodyPr wrap="square" rtlCol="0">
-              <a:spAutoFit/>
-              <a:scene3d>
-                <a:camera prst="orthographicFront"/>
-                <a:lightRig rig="threePt" dir="t"/>
-              </a:scene3d>
-              <a:sp3d contourW="12700"/>
-            </a:bodyPr>
-            <a:lstStyle/>
-            <a:p>
-              <a:pPr algn="l">
-                <a:lnSpc>
-                  <a:spcPct val="114000"/>
-                </a:lnSpc>
-              </a:pPr>
-              <a:r>
-                <a:rPr lang="en-US" altLang="zh-CN" sz="1200" dirty="0">
-                  <a:solidFill>
-                    <a:schemeClr val="bg1">
-                      <a:lumMod val="50000"/>
-                    </a:schemeClr>
-                  </a:solidFill>
-                  <a:latin typeface="Century Gothic" panose="020B0502020202020204" pitchFamily="34" charset="0"/>
-                  <a:ea typeface="+mj-ea"/>
-                  <a:sym typeface="+mn-ea"/>
-                </a:rPr>
-                <a:t>Correct Usage of Git</a:t>
-              </a:r>
-              <a:endParaRPr lang="en-US" altLang="zh-CN" sz="1200" dirty="0">
-                <a:solidFill>
-                  <a:schemeClr val="bg1">
-                    <a:lumMod val="50000"/>
-                  </a:schemeClr>
-                </a:solidFill>
-                <a:latin typeface="Century Gothic" panose="020B0502020202020204" pitchFamily="34" charset="0"/>
-              </a:endParaRPr>
-            </a:p>
-          </p:txBody>
-        </p:sp>
-      </p:grpSp>
-      <p:pic>
-        <p:nvPicPr>
-          <p:cNvPr id="5" name="图片 4"/>
-          <p:cNvPicPr>
-            <a:picLocks noChangeAspect="1"/>
-          </p:cNvPicPr>
-          <p:nvPr/>
-        </p:nvPicPr>
-        <p:blipFill>
-          <a:blip r:embed="rId1"/>
-          <a:srcRect r="21664" b="60300"/>
-          <a:stretch>
-            <a:fillRect/>
-          </a:stretch>
-        </p:blipFill>
-        <p:spPr>
-          <a:xfrm>
-            <a:off x="419100" y="1283335"/>
-            <a:ext cx="4369435" cy="2371725"/>
-          </a:xfrm>
-          <a:prstGeom prst="rect">
-            <a:avLst/>
-          </a:prstGeom>
-        </p:spPr>
-      </p:pic>
-      <p:pic>
-        <p:nvPicPr>
-          <p:cNvPr id="6" name="图片 5"/>
-          <p:cNvPicPr>
-            <a:picLocks noChangeAspect="1"/>
-          </p:cNvPicPr>
-          <p:nvPr/>
-        </p:nvPicPr>
-        <p:blipFill>
-          <a:blip r:embed="rId2"/>
-          <a:stretch>
-            <a:fillRect/>
-          </a:stretch>
-        </p:blipFill>
-        <p:spPr>
-          <a:xfrm>
-            <a:off x="544195" y="3983355"/>
-            <a:ext cx="3985260" cy="2339340"/>
-          </a:xfrm>
-          <a:prstGeom prst="rect">
-            <a:avLst/>
-          </a:prstGeom>
-        </p:spPr>
-      </p:pic>
-      <p:pic>
-        <p:nvPicPr>
-          <p:cNvPr id="7" name="图片 6"/>
-          <p:cNvPicPr>
-            <a:picLocks noChangeAspect="1"/>
-          </p:cNvPicPr>
-          <p:nvPr/>
-        </p:nvPicPr>
-        <p:blipFill>
-          <a:blip r:embed="rId3"/>
-          <a:stretch>
-            <a:fillRect/>
-          </a:stretch>
-        </p:blipFill>
-        <p:spPr>
-          <a:xfrm>
-            <a:off x="6134735" y="1154430"/>
-            <a:ext cx="4975860" cy="2628900"/>
-          </a:xfrm>
-          <a:prstGeom prst="rect">
-            <a:avLst/>
-          </a:prstGeom>
-        </p:spPr>
-      </p:pic>
-      <p:pic>
-        <p:nvPicPr>
-          <p:cNvPr id="8" name="图片 7"/>
-          <p:cNvPicPr>
-            <a:picLocks noChangeAspect="1"/>
-          </p:cNvPicPr>
-          <p:nvPr/>
-        </p:nvPicPr>
-        <p:blipFill>
-          <a:blip r:embed="rId4"/>
-          <a:srcRect r="4962"/>
-          <a:stretch>
-            <a:fillRect/>
-          </a:stretch>
-        </p:blipFill>
-        <p:spPr>
-          <a:xfrm>
-            <a:off x="6012815" y="4093210"/>
-            <a:ext cx="5047615" cy="2369820"/>
-          </a:xfrm>
-          <a:prstGeom prst="rect">
-            <a:avLst/>
-          </a:prstGeom>
-        </p:spPr>
-      </p:pic>
-    </p:spTree>
-  </p:cSld>
-  <p:clrMapOvr>
-    <a:masterClrMapping/>
-  </p:clrMapOvr>
-</p:sld>
-</file>
-
 <file path=ppt/slides/slide6.xml><?xml version="1.0" encoding="utf-8"?>
 <p:sld xmlns:a="http://schemas.openxmlformats.org/drawingml/2006/main" xmlns:r="http://schemas.openxmlformats.org/officeDocument/2006/relationships" xmlns:p="http://schemas.openxmlformats.org/presentationml/2006/main">
   <p:cSld>
@@ -34140,8 +36852,8 @@
         </p:blipFill>
         <p:spPr>
           <a:xfrm>
-            <a:off x="419100" y="2326005"/>
-            <a:ext cx="11414760" cy="2536190"/>
+            <a:off x="419100" y="3224530"/>
+            <a:ext cx="11414760" cy="1538605"/>
           </a:xfrm>
           <a:prstGeom prst="rect">
             <a:avLst/>
